--- a/Charset&Coding&HTML/编码和前端的那些事.pptx
+++ b/Charset&Coding&HTML/编码和前端的那些事.pptx
@@ -11,20 +11,21 @@
     <p:sldId id="257" r:id="rId6"/>
     <p:sldId id="260" r:id="rId7"/>
     <p:sldId id="267" r:id="rId8"/>
-    <p:sldId id="268" r:id="rId9"/>
-    <p:sldId id="269" r:id="rId10"/>
-    <p:sldId id="277" r:id="rId11"/>
-    <p:sldId id="270" r:id="rId12"/>
-    <p:sldId id="271" r:id="rId13"/>
-    <p:sldId id="273" r:id="rId14"/>
-    <p:sldId id="276" r:id="rId15"/>
-    <p:sldId id="274" r:id="rId16"/>
-    <p:sldId id="261" r:id="rId17"/>
-    <p:sldId id="262" r:id="rId18"/>
-    <p:sldId id="265" r:id="rId19"/>
-    <p:sldId id="263" r:id="rId20"/>
-    <p:sldId id="275" r:id="rId21"/>
-    <p:sldId id="266" r:id="rId22"/>
+    <p:sldId id="297" r:id="rId9"/>
+    <p:sldId id="268" r:id="rId10"/>
+    <p:sldId id="269" r:id="rId11"/>
+    <p:sldId id="277" r:id="rId12"/>
+    <p:sldId id="270" r:id="rId13"/>
+    <p:sldId id="271" r:id="rId14"/>
+    <p:sldId id="273" r:id="rId15"/>
+    <p:sldId id="276" r:id="rId16"/>
+    <p:sldId id="274" r:id="rId17"/>
+    <p:sldId id="261" r:id="rId18"/>
+    <p:sldId id="262" r:id="rId19"/>
+    <p:sldId id="265" r:id="rId20"/>
+    <p:sldId id="263" r:id="rId21"/>
+    <p:sldId id="275" r:id="rId22"/>
+    <p:sldId id="266" r:id="rId23"/>
   </p:sldIdLst>
   <p:sldSz cx="12192000" cy="6858000"/>
   <p:notesSz cx="6858000" cy="9144000"/>
@@ -596,7 +597,6 @@
                 <a:spcPts val="0"/>
               </a:spcAft>
               <a:defRPr sz="2400">
-                <a:ln/>
                 <a:solidFill>
                   <a:schemeClr val="accent1">
                     <a:lumMod val="75000"/>
@@ -621,7 +621,6 @@
                 <a:spcPts val="0"/>
               </a:spcAft>
               <a:defRPr sz="2000">
-                <a:ln/>
                 <a:solidFill>
                   <a:schemeClr val="accent1">
                     <a:lumMod val="75000"/>
@@ -646,7 +645,6 @@
                 <a:spcPts val="0"/>
               </a:spcAft>
               <a:defRPr sz="1800">
-                <a:ln/>
                 <a:solidFill>
                   <a:schemeClr val="accent1">
                     <a:lumMod val="75000"/>
@@ -671,7 +669,6 @@
                 <a:spcPts val="0"/>
               </a:spcAft>
               <a:defRPr sz="1800">
-                <a:ln/>
                 <a:solidFill>
                   <a:schemeClr val="accent1">
                     <a:lumMod val="75000"/>
@@ -696,7 +693,6 @@
                 <a:spcPts val="0"/>
               </a:spcAft>
               <a:defRPr sz="1800">
-                <a:ln/>
                 <a:solidFill>
                   <a:schemeClr val="accent1">
                     <a:lumMod val="75000"/>
@@ -3299,39 +3295,57 @@
           <a:bodyPr/>
           <a:p>
             <a:r>
+              <a:rPr lang="zh-CN" altLang="en-US"/>
+              <a:t>终端游戏引擎</a:t>
+            </a:r>
+            <a:r>
               <a:rPr lang="en-US" altLang="zh-CN"/>
-              <a:t>UTF-16</a:t>
+              <a:t>JS</a:t>
+            </a:r>
+            <a:r>
+              <a:rPr lang="zh-CN" altLang="en-US"/>
+              <a:t>解析库的坑</a:t>
+            </a:r>
+            <a:endParaRPr lang="zh-CN" altLang="en-US"/>
+          </a:p>
+        </p:txBody>
+      </p:sp>
+      <p:sp>
+        <p:nvSpPr>
+          <p:cNvPr id="3" name="内容占位符 2"/>
+          <p:cNvSpPr>
+            <a:spLocks noGrp="1"/>
+          </p:cNvSpPr>
+          <p:nvPr>
+            <p:ph idx="1"/>
+          </p:nvPr>
+        </p:nvSpPr>
+        <p:spPr/>
+        <p:txBody>
+          <a:bodyPr/>
+          <a:p>
+            <a:r>
+              <a:rPr lang="zh-CN" altLang="en-US"/>
+              <a:t>遇到特殊昵称导致</a:t>
+            </a:r>
+            <a:r>
+              <a:rPr lang="en-US" altLang="zh-CN"/>
+              <a:t>json</a:t>
+            </a:r>
+            <a:r>
+              <a:rPr lang="zh-CN" altLang="en-US"/>
+              <a:t>解析</a:t>
+            </a:r>
+            <a:r>
+              <a:rPr lang="en-US" altLang="zh-CN"/>
+              <a:t>exception</a:t>
             </a:r>
             <a:endParaRPr lang="en-US" altLang="zh-CN"/>
           </a:p>
-        </p:txBody>
-      </p:sp>
-      <p:sp>
-        <p:nvSpPr>
-          <p:cNvPr id="3" name="内容占位符 2"/>
-          <p:cNvSpPr>
-            <a:spLocks noGrp="1"/>
-          </p:cNvSpPr>
-          <p:nvPr>
-            <p:ph idx="1"/>
-          </p:nvPr>
-        </p:nvSpPr>
-        <p:spPr/>
-        <p:txBody>
-          <a:bodyPr>
-            <a:normAutofit fontScale="90000" lnSpcReduction="10000"/>
-          </a:bodyPr>
-          <a:p>
-            <a:r>
-              <a:rPr lang="zh-CN" altLang="en-US"/>
-              <a:t>UTF-16编码介于UTF-32与UTF-8之间</a:t>
-            </a:r>
-            <a:endParaRPr lang="zh-CN" altLang="en-US"/>
-          </a:p>
-          <a:p>
-            <a:r>
-              <a:rPr lang="zh-CN" altLang="en-US"/>
-              <a:t>变长编码</a:t>
+          <a:p>
+            <a:r>
+              <a:rPr lang="zh-CN" altLang="en-US"/>
+              <a:t>表现：</a:t>
             </a:r>
             <a:endParaRPr lang="zh-CN" altLang="en-US"/>
           </a:p>
@@ -3339,106 +3353,55 @@
             <a:pPr lvl="1"/>
             <a:r>
               <a:rPr lang="zh-CN" altLang="en-US"/>
-              <a:t>基本平面的字符占用2个字节，辅助平面的字符占用4个字节</a:t>
-            </a:r>
-            <a:endParaRPr lang="zh-CN" altLang="en-US"/>
-          </a:p>
-          <a:p>
-            <a:endParaRPr lang="zh-CN" altLang="en-US"/>
-          </a:p>
-          <a:p>
-            <a:r>
-              <a:rPr lang="zh-CN" altLang="en-US"/>
-              <a:t>问题</a:t>
+              <a:t>无法启动游戏（抓人无法安排工作）</a:t>
+            </a:r>
+            <a:endParaRPr lang="zh-CN" altLang="en-US"/>
+          </a:p>
+          <a:p>
+            <a:pPr lvl="1"/>
+            <a:r>
+              <a:rPr lang="zh-CN" altLang="en-US"/>
+              <a:t>游戏内无法通过</a:t>
             </a:r>
             <a:r>
               <a:rPr lang="en-US" altLang="zh-CN"/>
-              <a:t>——</a:t>
-            </a:r>
-            <a:r>
-              <a:rPr lang="zh-CN" altLang="en-US"/>
-              <a:t>遇到</a:t>
-            </a:r>
-            <a:r>
-              <a:rPr lang="en-US" altLang="zh-CN"/>
-              <a:t>2</a:t>
-            </a:r>
-            <a:r>
-              <a:rPr lang="zh-CN" altLang="en-US"/>
-              <a:t>个字节，如何知道是否需要读取后</a:t>
-            </a:r>
-            <a:r>
-              <a:rPr lang="en-US" altLang="zh-CN"/>
-              <a:t>2</a:t>
-            </a:r>
-            <a:r>
-              <a:rPr lang="zh-CN" altLang="en-US"/>
-              <a:t>个字节？</a:t>
+              <a:t>sso</a:t>
+            </a:r>
+            <a:r>
+              <a:rPr lang="zh-CN" altLang="en-US"/>
+              <a:t>获取昵称</a:t>
             </a:r>
             <a:endParaRPr lang="zh-CN" altLang="en-US"/>
           </a:p>
           <a:p>
             <a:pPr lvl="1"/>
-            <a:r>
-              <a:rPr lang="zh-CN" altLang="en-US"/>
-              <a:t>U+D800到U+DFFF是一个空段</a:t>
-            </a:r>
-            <a:endParaRPr lang="zh-CN" altLang="en-US"/>
+            <a:endParaRPr lang="zh-CN" altLang="en-US"/>
+          </a:p>
+          <a:p>
+            <a:pPr lvl="0"/>
+            <a:r>
+              <a:rPr lang="zh-CN" altLang="en-US" sz="2400"/>
+              <a:t>解决：</a:t>
+            </a:r>
+            <a:endParaRPr lang="zh-CN" altLang="en-US" sz="2400"/>
           </a:p>
           <a:p>
             <a:pPr lvl="1"/>
             <a:r>
-              <a:rPr lang="zh-CN" altLang="en-US"/>
-              <a:t>遇到两个字节，发现它的码点在U+D800到U+DBFF之间，就需要连同后</a:t>
-            </a:r>
-            <a:r>
-              <a:rPr lang="en-US" altLang="zh-CN"/>
-              <a:t>2</a:t>
-            </a:r>
-            <a:r>
-              <a:rPr lang="zh-CN" altLang="en-US"/>
-              <a:t>个字节处理</a:t>
-            </a:r>
-            <a:endParaRPr lang="zh-CN" altLang="en-US"/>
-          </a:p>
-          <a:p>
-            <a:pPr lvl="1"/>
-            <a:r>
-              <a:rPr lang="zh-CN" altLang="en-US"/>
-              <a:t>细节：</a:t>
-            </a:r>
-            <a:endParaRPr lang="zh-CN" altLang="en-US"/>
-          </a:p>
-          <a:p>
-            <a:pPr lvl="2"/>
-            <a:r>
-              <a:rPr lang="zh-CN" altLang="en-US"/>
-              <a:t>辅助平面的字符位共有2</a:t>
-            </a:r>
-            <a:r>
-              <a:rPr lang="zh-CN" altLang="en-US" baseline="30000"/>
-              <a:t>20</a:t>
-            </a:r>
-            <a:r>
-              <a:rPr lang="zh-CN" altLang="en-US"/>
-              <a:t>个</a:t>
-            </a:r>
-            <a:endParaRPr lang="zh-CN" altLang="en-US"/>
-          </a:p>
-          <a:p>
-            <a:pPr lvl="2"/>
-            <a:r>
-              <a:rPr lang="zh-CN" altLang="en-US" sz="1800"/>
-              <a:t>前10位映射在U+D800到U+DBFF称为高位（H），后10位映射在U+DC00到U+DFFF，称为低位（L）</a:t>
-            </a:r>
-            <a:endParaRPr lang="zh-CN" altLang="en-US" sz="1800"/>
-          </a:p>
-          <a:p>
-            <a:pPr lvl="2"/>
-            <a:endParaRPr lang="zh-CN" altLang="en-US" sz="1800"/>
-          </a:p>
-          <a:p>
-            <a:pPr lvl="1"/>
+              <a:rPr lang="zh-CN" altLang="en-US" sz="2000"/>
+              <a:t>对</a:t>
+            </a:r>
+            <a:r>
+              <a:rPr lang="en-US" altLang="zh-CN" sz="2000"/>
+              <a:t>D800</a:t>
+            </a:r>
+            <a:r>
+              <a:rPr lang="zh-CN" altLang="en-US" sz="2000"/>
+              <a:t>以上某些辅助平面做字符过滤</a:t>
+            </a:r>
+            <a:endParaRPr lang="zh-CN" altLang="en-US" sz="2000"/>
+          </a:p>
+          <a:p>
             <a:endParaRPr lang="zh-CN" altLang="en-US"/>
           </a:p>
         </p:txBody>
@@ -3455,6 +3418,186 @@
 </file>
 
 <file path=ppt/slides/slide11.xml><?xml version="1.0" encoding="utf-8"?>
+<p:sld xmlns:a="http://schemas.openxmlformats.org/drawingml/2006/main" xmlns:r="http://schemas.openxmlformats.org/officeDocument/2006/relationships" xmlns:p="http://schemas.openxmlformats.org/presentationml/2006/main">
+  <p:cSld>
+    <p:spTree>
+      <p:nvGrpSpPr>
+        <p:cNvPr id="1" name=""/>
+        <p:cNvGrpSpPr/>
+        <p:nvPr/>
+      </p:nvGrpSpPr>
+      <p:grpSpPr/>
+      <p:sp>
+        <p:nvSpPr>
+          <p:cNvPr id="2" name="标题 1"/>
+          <p:cNvSpPr>
+            <a:spLocks noGrp="1"/>
+          </p:cNvSpPr>
+          <p:nvPr>
+            <p:ph type="title"/>
+          </p:nvPr>
+        </p:nvSpPr>
+        <p:spPr/>
+        <p:txBody>
+          <a:bodyPr/>
+          <a:p>
+            <a:r>
+              <a:rPr lang="en-US" altLang="zh-CN"/>
+              <a:t>UTF-16</a:t>
+            </a:r>
+            <a:endParaRPr lang="en-US" altLang="zh-CN"/>
+          </a:p>
+        </p:txBody>
+      </p:sp>
+      <p:sp>
+        <p:nvSpPr>
+          <p:cNvPr id="3" name="内容占位符 2"/>
+          <p:cNvSpPr>
+            <a:spLocks noGrp="1"/>
+          </p:cNvSpPr>
+          <p:nvPr>
+            <p:ph idx="1"/>
+          </p:nvPr>
+        </p:nvSpPr>
+        <p:spPr/>
+        <p:txBody>
+          <a:bodyPr>
+            <a:normAutofit fontScale="90000" lnSpcReduction="10000"/>
+          </a:bodyPr>
+          <a:p>
+            <a:r>
+              <a:rPr lang="zh-CN" altLang="en-US"/>
+              <a:t>UTF-16编码介于UTF-32与UTF-8之间</a:t>
+            </a:r>
+            <a:endParaRPr lang="zh-CN" altLang="en-US"/>
+          </a:p>
+          <a:p>
+            <a:r>
+              <a:rPr lang="zh-CN" altLang="en-US"/>
+              <a:t>变长编码</a:t>
+            </a:r>
+            <a:endParaRPr lang="zh-CN" altLang="en-US"/>
+          </a:p>
+          <a:p>
+            <a:pPr lvl="1"/>
+            <a:r>
+              <a:rPr lang="zh-CN" altLang="en-US"/>
+              <a:t>基本平面的字符占用2个字节，辅助平面的字符占用4个字节</a:t>
+            </a:r>
+            <a:endParaRPr lang="zh-CN" altLang="en-US"/>
+          </a:p>
+          <a:p>
+            <a:endParaRPr lang="zh-CN" altLang="en-US"/>
+          </a:p>
+          <a:p>
+            <a:r>
+              <a:rPr lang="zh-CN" altLang="en-US"/>
+              <a:t>问题</a:t>
+            </a:r>
+            <a:r>
+              <a:rPr lang="en-US" altLang="zh-CN"/>
+              <a:t>——</a:t>
+            </a:r>
+            <a:r>
+              <a:rPr lang="zh-CN" altLang="en-US"/>
+              <a:t>遇到</a:t>
+            </a:r>
+            <a:r>
+              <a:rPr lang="en-US" altLang="zh-CN"/>
+              <a:t>2</a:t>
+            </a:r>
+            <a:r>
+              <a:rPr lang="zh-CN" altLang="en-US"/>
+              <a:t>个字节，如何知道是否需要读取后</a:t>
+            </a:r>
+            <a:r>
+              <a:rPr lang="en-US" altLang="zh-CN"/>
+              <a:t>2</a:t>
+            </a:r>
+            <a:r>
+              <a:rPr lang="zh-CN" altLang="en-US"/>
+              <a:t>个字节？</a:t>
+            </a:r>
+            <a:endParaRPr lang="zh-CN" altLang="en-US"/>
+          </a:p>
+          <a:p>
+            <a:pPr lvl="1"/>
+            <a:r>
+              <a:rPr lang="zh-CN" altLang="en-US"/>
+              <a:t>U+D800到U+DFFF是一个空段</a:t>
+            </a:r>
+            <a:endParaRPr lang="zh-CN" altLang="en-US"/>
+          </a:p>
+          <a:p>
+            <a:pPr lvl="1"/>
+            <a:r>
+              <a:rPr lang="zh-CN" altLang="en-US"/>
+              <a:t>遇到两个字节，发现它的码点在U+D800到U+DBFF之间，就需要连同后</a:t>
+            </a:r>
+            <a:r>
+              <a:rPr lang="en-US" altLang="zh-CN"/>
+              <a:t>2</a:t>
+            </a:r>
+            <a:r>
+              <a:rPr lang="zh-CN" altLang="en-US"/>
+              <a:t>个字节处理</a:t>
+            </a:r>
+            <a:endParaRPr lang="zh-CN" altLang="en-US"/>
+          </a:p>
+          <a:p>
+            <a:pPr lvl="1"/>
+            <a:r>
+              <a:rPr lang="zh-CN" altLang="en-US"/>
+              <a:t>细节：</a:t>
+            </a:r>
+            <a:endParaRPr lang="zh-CN" altLang="en-US"/>
+          </a:p>
+          <a:p>
+            <a:pPr lvl="2"/>
+            <a:r>
+              <a:rPr lang="zh-CN" altLang="en-US"/>
+              <a:t>辅助平面的字符位共有2</a:t>
+            </a:r>
+            <a:r>
+              <a:rPr lang="zh-CN" altLang="en-US" baseline="30000"/>
+              <a:t>20</a:t>
+            </a:r>
+            <a:r>
+              <a:rPr lang="zh-CN" altLang="en-US"/>
+              <a:t>个</a:t>
+            </a:r>
+            <a:endParaRPr lang="zh-CN" altLang="en-US"/>
+          </a:p>
+          <a:p>
+            <a:pPr lvl="2"/>
+            <a:r>
+              <a:rPr lang="zh-CN" altLang="en-US" sz="1800"/>
+              <a:t>前10位映射在U+D800到U+DBFF称为高位（H），后10位映射在U+DC00到U+DFFF，称为低位（L）</a:t>
+            </a:r>
+            <a:endParaRPr lang="zh-CN" altLang="en-US" sz="1800"/>
+          </a:p>
+          <a:p>
+            <a:pPr lvl="2"/>
+            <a:endParaRPr lang="zh-CN" altLang="en-US" sz="1800"/>
+          </a:p>
+          <a:p>
+            <a:pPr lvl="1"/>
+            <a:endParaRPr lang="zh-CN" altLang="en-US"/>
+          </a:p>
+        </p:txBody>
+      </p:sp>
+    </p:spTree>
+    <p:custDataLst>
+      <p:tags r:id="rId1"/>
+    </p:custDataLst>
+  </p:cSld>
+  <p:clrMapOvr>
+    <a:masterClrMapping/>
+  </p:clrMapOvr>
+</p:sld>
+</file>
+
+<file path=ppt/slides/slide12.xml><?xml version="1.0" encoding="utf-8"?>
 <p:sld xmlns:a="http://schemas.openxmlformats.org/drawingml/2006/main" xmlns:r="http://schemas.openxmlformats.org/officeDocument/2006/relationships" xmlns:p="http://schemas.openxmlformats.org/presentationml/2006/main">
   <p:cSld>
     <p:spTree>
@@ -3573,7 +3716,7 @@
 </p:sld>
 </file>
 
-<file path=ppt/slides/slide12.xml><?xml version="1.0" encoding="utf-8"?>
+<file path=ppt/slides/slide13.xml><?xml version="1.0" encoding="utf-8"?>
 <p:sld xmlns:a="http://schemas.openxmlformats.org/drawingml/2006/main" xmlns:r="http://schemas.openxmlformats.org/officeDocument/2006/relationships" xmlns:p="http://schemas.openxmlformats.org/presentationml/2006/main">
   <p:cSld>
     <p:spTree>
@@ -3722,7 +3865,7 @@
 </p:sld>
 </file>
 
-<file path=ppt/slides/slide13.xml><?xml version="1.0" encoding="utf-8"?>
+<file path=ppt/slides/slide14.xml><?xml version="1.0" encoding="utf-8"?>
 <p:sld xmlns:a="http://schemas.openxmlformats.org/drawingml/2006/main" xmlns:r="http://schemas.openxmlformats.org/officeDocument/2006/relationships" xmlns:p="http://schemas.openxmlformats.org/presentationml/2006/main">
   <p:cSld>
     <p:spTree>
@@ -3846,7 +3989,7 @@
 </p:sld>
 </file>
 
-<file path=ppt/slides/slide14.xml><?xml version="1.0" encoding="utf-8"?>
+<file path=ppt/slides/slide15.xml><?xml version="1.0" encoding="utf-8"?>
 <p:sld xmlns:a="http://schemas.openxmlformats.org/drawingml/2006/main" xmlns:r="http://schemas.openxmlformats.org/officeDocument/2006/relationships" xmlns:p="http://schemas.openxmlformats.org/presentationml/2006/main">
   <p:cSld>
     <p:spTree>
@@ -3962,7 +4105,7 @@
 </p:sld>
 </file>
 
-<file path=ppt/slides/slide15.xml><?xml version="1.0" encoding="utf-8"?>
+<file path=ppt/slides/slide16.xml><?xml version="1.0" encoding="utf-8"?>
 <p:sld xmlns:a="http://schemas.openxmlformats.org/drawingml/2006/main" xmlns:r="http://schemas.openxmlformats.org/officeDocument/2006/relationships" xmlns:p="http://schemas.openxmlformats.org/presentationml/2006/main">
   <p:cSld>
     <p:spTree>
@@ -4061,7 +4204,7 @@
 </p:sld>
 </file>
 
-<file path=ppt/slides/slide16.xml><?xml version="1.0" encoding="utf-8"?>
+<file path=ppt/slides/slide17.xml><?xml version="1.0" encoding="utf-8"?>
 <p:sld xmlns:a="http://schemas.openxmlformats.org/drawingml/2006/main" xmlns:r="http://schemas.openxmlformats.org/officeDocument/2006/relationships" xmlns:p="http://schemas.openxmlformats.org/presentationml/2006/main">
   <p:cSld>
     <p:spTree>
@@ -4167,7 +4310,7 @@
 </p:sld>
 </file>
 
-<file path=ppt/slides/slide17.xml><?xml version="1.0" encoding="utf-8"?>
+<file path=ppt/slides/slide18.xml><?xml version="1.0" encoding="utf-8"?>
 <p:sld xmlns:a="http://schemas.openxmlformats.org/drawingml/2006/main" xmlns:r="http://schemas.openxmlformats.org/officeDocument/2006/relationships" xmlns:p="http://schemas.openxmlformats.org/presentationml/2006/main">
   <p:cSld>
     <p:spTree>
@@ -4268,135 +4411,6 @@
 </p:sld>
 </file>
 
-<file path=ppt/slides/slide18.xml><?xml version="1.0" encoding="utf-8"?>
-<p:sld xmlns:a="http://schemas.openxmlformats.org/drawingml/2006/main" xmlns:r="http://schemas.openxmlformats.org/officeDocument/2006/relationships" xmlns:p="http://schemas.openxmlformats.org/presentationml/2006/main">
-  <p:cSld>
-    <p:spTree>
-      <p:nvGrpSpPr>
-        <p:cNvPr id="1" name=""/>
-        <p:cNvGrpSpPr/>
-        <p:nvPr/>
-      </p:nvGrpSpPr>
-      <p:grpSpPr/>
-      <p:sp>
-        <p:nvSpPr>
-          <p:cNvPr id="2" name="标题 1"/>
-          <p:cNvSpPr>
-            <a:spLocks noGrp="1"/>
-          </p:cNvSpPr>
-          <p:nvPr>
-            <p:ph type="title"/>
-          </p:nvPr>
-        </p:nvSpPr>
-        <p:spPr/>
-        <p:txBody>
-          <a:bodyPr/>
-          <a:p>
-            <a:r>
-              <a:rPr lang="en-US" altLang="zh-CN"/>
-              <a:t>XSS</a:t>
-            </a:r>
-            <a:r>
-              <a:rPr lang="zh-CN" altLang="en-US"/>
-              <a:t>和</a:t>
-            </a:r>
-            <a:r>
-              <a:rPr lang="en-US" altLang="zh-CN"/>
-              <a:t>Unicode</a:t>
-            </a:r>
-            <a:endParaRPr lang="en-US" altLang="zh-CN"/>
-          </a:p>
-        </p:txBody>
-      </p:sp>
-      <p:sp>
-        <p:nvSpPr>
-          <p:cNvPr id="3" name="内容占位符 2"/>
-          <p:cNvSpPr>
-            <a:spLocks noGrp="1"/>
-          </p:cNvSpPr>
-          <p:nvPr>
-            <p:ph idx="1"/>
-          </p:nvPr>
-        </p:nvSpPr>
-        <p:spPr/>
-        <p:txBody>
-          <a:bodyPr>
-            <a:normAutofit/>
-          </a:bodyPr>
-          <a:p>
-            <a:r>
-              <a:rPr lang="zh-CN" altLang="en-US"/>
-              <a:t>混合</a:t>
-            </a:r>
-            <a:r>
-              <a:rPr lang="en-US" altLang="zh-CN"/>
-              <a:t>html</a:t>
-            </a:r>
-            <a:r>
-              <a:rPr lang="zh-CN" altLang="en-US"/>
-              <a:t>和</a:t>
-            </a:r>
-            <a:r>
-              <a:rPr lang="en-US" altLang="zh-CN"/>
-              <a:t>JS</a:t>
-            </a:r>
-            <a:r>
-              <a:rPr lang="zh-CN" altLang="en-US"/>
-              <a:t>的</a:t>
-            </a:r>
-            <a:r>
-              <a:rPr lang="en-US" altLang="zh-CN"/>
-              <a:t>unicode</a:t>
-            </a:r>
-            <a:endParaRPr lang="en-US" altLang="zh-CN"/>
-          </a:p>
-          <a:p>
-            <a:r>
-              <a:rPr lang="zh-CN" altLang="en-US"/>
-              <a:t>结合</a:t>
-            </a:r>
-            <a:r>
-              <a:rPr lang="en-US" altLang="zh-CN"/>
-              <a:t>urlencode</a:t>
-            </a:r>
-            <a:endParaRPr lang="en-US" altLang="zh-CN"/>
-          </a:p>
-          <a:p>
-            <a:r>
-              <a:rPr lang="zh-CN" altLang="en-US"/>
-              <a:t>例子：</a:t>
-            </a:r>
-            <a:endParaRPr lang="zh-CN" altLang="en-US"/>
-          </a:p>
-          <a:p>
-            <a:pPr lvl="1"/>
-            <a:r>
-              <a:rPr lang="zh-CN" altLang="en-US"/>
-              <a:t>&lt;a href="javasc&amp;NewLine;ript&amp;colon;alert(1)"&gt;click&lt;/a&gt;</a:t>
-            </a:r>
-            <a:endParaRPr lang="zh-CN" altLang="en-US"/>
-          </a:p>
-          <a:p>
-            <a:pPr lvl="1"/>
-            <a:r>
-              <a:rPr lang="zh-CN" altLang="en-US"/>
-              <a:t>&lt;img src="x" onerror="&amp;#97;&amp;#108;&amp;#101;&amp;#114;&amp;#116;&amp;#40;&amp;#49;&amp;#41;"&gt;</a:t>
-            </a:r>
-            <a:endParaRPr lang="zh-CN" altLang="en-US"/>
-          </a:p>
-        </p:txBody>
-      </p:sp>
-    </p:spTree>
-    <p:custDataLst>
-      <p:tags r:id="rId1"/>
-    </p:custDataLst>
-  </p:cSld>
-  <p:clrMapOvr>
-    <a:masterClrMapping/>
-  </p:clrMapOvr>
-</p:sld>
-</file>
-
 <file path=ppt/slides/slide19.xml><?xml version="1.0" encoding="utf-8"?>
 <p:sld xmlns:a="http://schemas.openxmlformats.org/drawingml/2006/main" xmlns:r="http://schemas.openxmlformats.org/officeDocument/2006/relationships" xmlns:p="http://schemas.openxmlformats.org/presentationml/2006/main">
   <p:cSld>
@@ -4422,24 +4436,18 @@
           <a:bodyPr/>
           <a:p>
             <a:r>
-              <a:rPr lang="en-US" altLang="zh-CN">
-                <a:sym typeface="+mn-ea"/>
-              </a:rPr>
+              <a:rPr lang="en-US" altLang="zh-CN"/>
               <a:t>XSS</a:t>
             </a:r>
             <a:r>
-              <a:rPr lang="zh-CN" altLang="en-US">
-                <a:sym typeface="+mn-ea"/>
-              </a:rPr>
+              <a:rPr lang="zh-CN" altLang="en-US"/>
               <a:t>和</a:t>
             </a:r>
             <a:r>
-              <a:rPr lang="en-US" altLang="zh-CN">
-                <a:sym typeface="+mn-ea"/>
-              </a:rPr>
+              <a:rPr lang="en-US" altLang="zh-CN"/>
               <a:t>Unicode</a:t>
             </a:r>
-            <a:endParaRPr lang="zh-CN" altLang="en-US"/>
+            <a:endParaRPr lang="en-US" altLang="zh-CN"/>
           </a:p>
         </p:txBody>
       </p:sp>
@@ -4455,11 +4463,51 @@
         </p:nvSpPr>
         <p:spPr/>
         <p:txBody>
-          <a:bodyPr/>
-          <a:p>
-            <a:r>
-              <a:rPr lang="zh-CN" altLang="en-US"/>
-              <a:t>防范</a:t>
+          <a:bodyPr>
+            <a:normAutofit/>
+          </a:bodyPr>
+          <a:p>
+            <a:r>
+              <a:rPr lang="zh-CN" altLang="en-US"/>
+              <a:t>混合</a:t>
+            </a:r>
+            <a:r>
+              <a:rPr lang="en-US" altLang="zh-CN"/>
+              <a:t>html</a:t>
+            </a:r>
+            <a:r>
+              <a:rPr lang="zh-CN" altLang="en-US"/>
+              <a:t>和</a:t>
+            </a:r>
+            <a:r>
+              <a:rPr lang="en-US" altLang="zh-CN"/>
+              <a:t>JS</a:t>
+            </a:r>
+            <a:r>
+              <a:rPr lang="zh-CN" altLang="en-US"/>
+              <a:t>的</a:t>
+            </a:r>
+            <a:r>
+              <a:rPr lang="en-US" altLang="zh-CN"/>
+              <a:t>unicode</a:t>
+            </a:r>
+            <a:endParaRPr lang="en-US" altLang="zh-CN"/>
+          </a:p>
+          <a:p>
+            <a:r>
+              <a:rPr lang="zh-CN" altLang="en-US"/>
+              <a:t>结合</a:t>
+            </a:r>
+            <a:r>
+              <a:rPr lang="en-US" altLang="zh-CN"/>
+              <a:t>urlencode</a:t>
+            </a:r>
+            <a:endParaRPr lang="en-US" altLang="zh-CN"/>
+          </a:p>
+          <a:p>
+            <a:r>
+              <a:rPr lang="zh-CN" altLang="en-US"/>
+              <a:t>例子：</a:t>
             </a:r>
             <a:endParaRPr lang="zh-CN" altLang="en-US"/>
           </a:p>
@@ -4467,37 +4515,17 @@
             <a:pPr lvl="1"/>
             <a:r>
               <a:rPr lang="zh-CN" altLang="en-US"/>
-              <a:t>模版不要动态填充属性</a:t>
-            </a:r>
-            <a:endParaRPr lang="zh-CN" altLang="en-US"/>
-          </a:p>
-          <a:p>
-            <a:pPr lvl="2"/>
-            <a:r>
-              <a:rPr lang="en-US" altLang="zh-CN"/>
-              <a:t>&lt;img &lt;%=attrName%&gt;=&lt;%=attarValue%&gt; /&gt;</a:t>
-            </a:r>
-            <a:endParaRPr lang="en-US" altLang="zh-CN"/>
+              <a:t>&lt;a href="javasc&amp;NewLine;ript&amp;colon;alert(1)"&gt;click&lt;/a&gt;</a:t>
+            </a:r>
+            <a:endParaRPr lang="zh-CN" altLang="en-US"/>
           </a:p>
           <a:p>
             <a:pPr lvl="1"/>
             <a:r>
-              <a:rPr lang="en-US" altLang="zh-CN"/>
-              <a:t>href</a:t>
-            </a:r>
-            <a:r>
-              <a:rPr lang="zh-CN" altLang="en-US"/>
-              <a:t>的填充要分外注意</a:t>
-            </a:r>
-            <a:endParaRPr lang="zh-CN" altLang="en-US"/>
-          </a:p>
-          <a:p>
-            <a:pPr lvl="2"/>
-            <a:r>
-              <a:rPr lang="zh-CN" altLang="en-US"/>
-              <a:t>最好强校验域名前缀</a:t>
-            </a:r>
-            <a:endParaRPr lang="en-US" altLang="zh-CN"/>
+              <a:rPr lang="zh-CN" altLang="en-US"/>
+              <a:t>&lt;img src="x" onerror="&amp;#97;&amp;#108;&amp;#101;&amp;#114;&amp;#116;&amp;#40;&amp;#49;&amp;#41;"&gt;</a:t>
+            </a:r>
+            <a:endParaRPr lang="zh-CN" altLang="en-US"/>
           </a:p>
         </p:txBody>
       </p:sp>
@@ -4626,6 +4654,121 @@
           <a:bodyPr/>
           <a:p>
             <a:r>
+              <a:rPr lang="en-US" altLang="zh-CN">
+                <a:sym typeface="+mn-ea"/>
+              </a:rPr>
+              <a:t>XSS</a:t>
+            </a:r>
+            <a:r>
+              <a:rPr lang="zh-CN" altLang="en-US">
+                <a:sym typeface="+mn-ea"/>
+              </a:rPr>
+              <a:t>和</a:t>
+            </a:r>
+            <a:r>
+              <a:rPr lang="en-US" altLang="zh-CN">
+                <a:sym typeface="+mn-ea"/>
+              </a:rPr>
+              <a:t>Unicode</a:t>
+            </a:r>
+            <a:endParaRPr lang="zh-CN" altLang="en-US"/>
+          </a:p>
+        </p:txBody>
+      </p:sp>
+      <p:sp>
+        <p:nvSpPr>
+          <p:cNvPr id="3" name="内容占位符 2"/>
+          <p:cNvSpPr>
+            <a:spLocks noGrp="1"/>
+          </p:cNvSpPr>
+          <p:nvPr>
+            <p:ph idx="1"/>
+          </p:nvPr>
+        </p:nvSpPr>
+        <p:spPr/>
+        <p:txBody>
+          <a:bodyPr/>
+          <a:p>
+            <a:r>
+              <a:rPr lang="zh-CN" altLang="en-US"/>
+              <a:t>防范</a:t>
+            </a:r>
+            <a:endParaRPr lang="zh-CN" altLang="en-US"/>
+          </a:p>
+          <a:p>
+            <a:pPr lvl="1"/>
+            <a:r>
+              <a:rPr lang="zh-CN" altLang="en-US"/>
+              <a:t>模版不要动态填充属性</a:t>
+            </a:r>
+            <a:endParaRPr lang="zh-CN" altLang="en-US"/>
+          </a:p>
+          <a:p>
+            <a:pPr lvl="2"/>
+            <a:r>
+              <a:rPr lang="en-US" altLang="zh-CN"/>
+              <a:t>&lt;img &lt;%=attrName%&gt;=&lt;%=attarValue%&gt; /&gt;</a:t>
+            </a:r>
+            <a:endParaRPr lang="en-US" altLang="zh-CN"/>
+          </a:p>
+          <a:p>
+            <a:pPr lvl="1"/>
+            <a:r>
+              <a:rPr lang="en-US" altLang="zh-CN"/>
+              <a:t>href</a:t>
+            </a:r>
+            <a:r>
+              <a:rPr lang="zh-CN" altLang="en-US"/>
+              <a:t>的填充要分外注意</a:t>
+            </a:r>
+            <a:endParaRPr lang="zh-CN" altLang="en-US"/>
+          </a:p>
+          <a:p>
+            <a:pPr lvl="2"/>
+            <a:r>
+              <a:rPr lang="zh-CN" altLang="en-US"/>
+              <a:t>最好强校验域名前缀</a:t>
+            </a:r>
+            <a:endParaRPr lang="en-US" altLang="zh-CN"/>
+          </a:p>
+        </p:txBody>
+      </p:sp>
+    </p:spTree>
+    <p:custDataLst>
+      <p:tags r:id="rId1"/>
+    </p:custDataLst>
+  </p:cSld>
+  <p:clrMapOvr>
+    <a:masterClrMapping/>
+  </p:clrMapOvr>
+</p:sld>
+</file>
+
+<file path=ppt/slides/slide21.xml><?xml version="1.0" encoding="utf-8"?>
+<p:sld xmlns:a="http://schemas.openxmlformats.org/drawingml/2006/main" xmlns:r="http://schemas.openxmlformats.org/officeDocument/2006/relationships" xmlns:p="http://schemas.openxmlformats.org/presentationml/2006/main">
+  <p:cSld>
+    <p:spTree>
+      <p:nvGrpSpPr>
+        <p:cNvPr id="1" name=""/>
+        <p:cNvGrpSpPr/>
+        <p:nvPr/>
+      </p:nvGrpSpPr>
+      <p:grpSpPr/>
+      <p:sp>
+        <p:nvSpPr>
+          <p:cNvPr id="2" name="标题 1"/>
+          <p:cNvSpPr>
+            <a:spLocks noGrp="1"/>
+          </p:cNvSpPr>
+          <p:nvPr>
+            <p:ph type="title"/>
+          </p:nvPr>
+        </p:nvSpPr>
+        <p:spPr/>
+        <p:txBody>
+          <a:bodyPr/>
+          <a:p>
+            <a:r>
               <a:rPr lang="zh-CN" altLang="en-US"/>
               <a:t>有意思的参考材料</a:t>
             </a:r>
@@ -5080,7 +5223,7 @@
           <a:p>
             <a:r>
               <a:rPr lang="zh-CN" altLang="en-US" sz="1800">
-                <a:hlinkClick r:id="rId1" tooltip=""/>
+                <a:hlinkClick r:id="rId1"/>
               </a:rPr>
               <a:t>http://www.hipenpal.com/tool/characters_to_unicode_charts_in_simplified_chinese.php?unicode=84</a:t>
             </a:r>
@@ -5247,116 +5390,71 @@
         </p:nvSpPr>
         <p:spPr/>
         <p:txBody>
-          <a:bodyPr/>
-          <a:p>
-            <a:r>
-              <a:rPr lang="en-US" altLang="zh-CN"/>
-              <a:t>UTF-32</a:t>
-            </a:r>
-            <a:endParaRPr lang="en-US" altLang="zh-CN"/>
-          </a:p>
-        </p:txBody>
-      </p:sp>
-      <p:sp>
-        <p:nvSpPr>
-          <p:cNvPr id="3" name="内容占位符 2"/>
-          <p:cNvSpPr>
-            <a:spLocks noGrp="1"/>
-          </p:cNvSpPr>
-          <p:nvPr>
-            <p:ph idx="1"/>
-          </p:nvPr>
-        </p:nvSpPr>
-        <p:spPr/>
-        <p:txBody>
-          <a:bodyPr/>
+          <a:bodyPr>
+            <a:normAutofit/>
+          </a:bodyPr>
           <a:p>
             <a:r>
               <a:rPr lang="en-US" altLang="zh-CN"/>
               <a:t>Unicode</a:t>
             </a:r>
-            <a:r>
-              <a:rPr lang="zh-CN" altLang="en-US"/>
-              <a:t>只是字符集</a:t>
-            </a:r>
-            <a:endParaRPr lang="zh-CN" altLang="en-US"/>
-          </a:p>
-          <a:p>
-            <a:r>
-              <a:rPr lang="zh-CN" altLang="en-US"/>
-              <a:t>最直观方式</a:t>
+            <a:endParaRPr lang="en-US" altLang="zh-CN"/>
+          </a:p>
+        </p:txBody>
+      </p:sp>
+      <p:sp>
+        <p:nvSpPr>
+          <p:cNvPr id="3" name="内容占位符 2"/>
+          <p:cNvSpPr>
+            <a:spLocks noGrp="1"/>
+          </p:cNvSpPr>
+          <p:nvPr>
+            <p:ph idx="1"/>
+          </p:nvPr>
+        </p:nvSpPr>
+        <p:spPr/>
+        <p:txBody>
+          <a:bodyPr/>
+          <a:p>
+            <a:r>
+              <a:rPr lang="zh-CN" altLang="en-US"/>
+              <a:t>兼容</a:t>
             </a:r>
             <a:r>
               <a:rPr lang="en-US" altLang="zh-CN"/>
-              <a:t>——</a:t>
-            </a:r>
-            <a:r>
-              <a:rPr lang="zh-CN" altLang="en-US"/>
-              <a:t>每个字符</a:t>
-            </a:r>
-            <a:r>
-              <a:rPr lang="en-US" altLang="zh-CN"/>
-              <a:t>	4</a:t>
-            </a:r>
-            <a:r>
-              <a:rPr lang="zh-CN" altLang="en-US"/>
-              <a:t>字节</a:t>
-            </a:r>
-            <a:endParaRPr lang="zh-CN" altLang="en-US"/>
-          </a:p>
-          <a:p>
-            <a:pPr lvl="1"/>
-            <a:r>
-              <a:rPr lang="zh-CN" altLang="en-US"/>
-              <a:t>U+0000 = 0x0000 0000</a:t>
-            </a:r>
-            <a:endParaRPr lang="zh-CN" altLang="en-US"/>
-          </a:p>
-          <a:p>
-            <a:pPr lvl="1"/>
-            <a:r>
-              <a:rPr lang="zh-CN" altLang="en-US"/>
-              <a:t>U+597D = 0x0000 597D</a:t>
-            </a:r>
-            <a:endParaRPr lang="zh-CN" altLang="en-US"/>
-          </a:p>
-          <a:p>
-            <a:pPr lvl="0"/>
-            <a:r>
-              <a:rPr lang="zh-CN" altLang="en-US"/>
-              <a:t>缺点</a:t>
-            </a:r>
-            <a:endParaRPr lang="zh-CN" altLang="en-US"/>
-          </a:p>
-          <a:p>
-            <a:pPr lvl="1"/>
-            <a:r>
-              <a:rPr lang="zh-CN" altLang="en-US"/>
-              <a:t>浪费空间</a:t>
-            </a:r>
-            <a:endParaRPr lang="zh-CN" altLang="en-US"/>
-          </a:p>
-          <a:p>
-            <a:pPr lvl="1"/>
-            <a:r>
-              <a:rPr lang="zh-CN" altLang="en-US"/>
-              <a:t>纯英文字母，是</a:t>
-            </a:r>
-            <a:r>
-              <a:rPr lang="en-US" altLang="zh-CN"/>
-              <a:t>ASCII  4</a:t>
-            </a:r>
-            <a:r>
-              <a:rPr lang="zh-CN" altLang="en-US"/>
-              <a:t>倍</a:t>
-            </a:r>
-            <a:endParaRPr lang="zh-CN" altLang="en-US"/>
-          </a:p>
-        </p:txBody>
-      </p:sp>
+              <a:t>ASCII</a:t>
+            </a:r>
+            <a:endParaRPr lang="en-US" altLang="zh-CN"/>
+          </a:p>
+        </p:txBody>
+      </p:sp>
+      <p:pic>
+        <p:nvPicPr>
+          <p:cNvPr id="5" name="图片 4"/>
+          <p:cNvPicPr>
+            <a:picLocks noChangeAspect="1"/>
+          </p:cNvPicPr>
+          <p:nvPr/>
+        </p:nvPicPr>
+        <p:blipFill>
+          <a:blip r:embed="rId1"/>
+          <a:stretch>
+            <a:fillRect/>
+          </a:stretch>
+        </p:blipFill>
+        <p:spPr>
+          <a:xfrm>
+            <a:off x="2214880" y="2437765"/>
+            <a:ext cx="7761605" cy="3609340"/>
+          </a:xfrm>
+          <a:prstGeom prst="rect">
+            <a:avLst/>
+          </a:prstGeom>
+        </p:spPr>
+      </p:pic>
     </p:spTree>
     <p:custDataLst>
-      <p:tags r:id="rId1"/>
+      <p:tags r:id="rId2"/>
     </p:custDataLst>
   </p:cSld>
   <p:clrMapOvr>
@@ -5391,7 +5489,7 @@
           <a:p>
             <a:r>
               <a:rPr lang="en-US" altLang="zh-CN"/>
-              <a:t>UTF-8</a:t>
+              <a:t>UTF-32</a:t>
             </a:r>
             <a:endParaRPr lang="en-US" altLang="zh-CN"/>
           </a:p>
@@ -5409,98 +5507,88 @@
         </p:nvSpPr>
         <p:spPr/>
         <p:txBody>
-          <a:bodyPr>
-            <a:normAutofit fontScale="90000" lnSpcReduction="20000"/>
-          </a:bodyPr>
-          <a:p>
-            <a:r>
-              <a:rPr lang="zh-CN" altLang="en-US"/>
-              <a:t>UTF-8是一种变长的编码方法，字符长度从1个字节到4个字节不等</a:t>
-            </a:r>
-            <a:endParaRPr lang="zh-CN" altLang="en-US"/>
-          </a:p>
-          <a:p>
-            <a:r>
-              <a:rPr lang="zh-CN" altLang="en-US"/>
-              <a:t>最前面的128个字符，只使用1个字节表示，与ASCII码完全相同</a:t>
-            </a:r>
-            <a:endParaRPr lang="zh-CN" altLang="en-US"/>
-          </a:p>
-          <a:p>
-            <a:pPr marL="0" indent="0">
-              <a:buNone/>
-            </a:pPr>
-            <a:endParaRPr lang="zh-CN" altLang="en-US"/>
-          </a:p>
-          <a:p>
-            <a:pPr marL="0" indent="0">
-              <a:buNone/>
-            </a:pPr>
-            <a:r>
-              <a:rPr lang="zh-CN" altLang="en-US" sz="2000"/>
-              <a:t>   Char. number range        |        UTF-8 octet sequence</a:t>
-            </a:r>
-            <a:endParaRPr lang="zh-CN" altLang="en-US" sz="2000"/>
-          </a:p>
-          <a:p>
-            <a:pPr marL="0" indent="0">
-              <a:buNone/>
-            </a:pPr>
-            <a:r>
-              <a:rPr lang="zh-CN" altLang="en-US" sz="2000"/>
-              <a:t>      (hexadecimal)               |              (binary)</a:t>
-            </a:r>
-            <a:endParaRPr lang="zh-CN" altLang="en-US" sz="2000"/>
-          </a:p>
-          <a:p>
-            <a:pPr marL="0" indent="0">
-              <a:buNone/>
-            </a:pPr>
-            <a:r>
-              <a:rPr lang="zh-CN" altLang="en-US" sz="2000"/>
-              <a:t>   --------------------------+---------------------------------------------</a:t>
-            </a:r>
-            <a:endParaRPr lang="zh-CN" altLang="en-US" sz="2000"/>
-          </a:p>
-          <a:p>
-            <a:pPr marL="0" indent="0">
-              <a:buNone/>
-            </a:pPr>
-            <a:r>
-              <a:rPr lang="zh-CN" altLang="en-US" sz="2000"/>
-              <a:t>   0000 0000 到 0000 007F | 0xxxxxxx</a:t>
-            </a:r>
-            <a:endParaRPr lang="zh-CN" altLang="en-US" sz="2000"/>
-          </a:p>
-          <a:p>
-            <a:pPr marL="0" indent="0">
-              <a:buNone/>
-            </a:pPr>
-            <a:r>
-              <a:rPr lang="zh-CN" altLang="en-US" sz="2000"/>
-              <a:t>   0000 0080 到 0000 07FF | 110xxxxx 10xxxxxx</a:t>
-            </a:r>
-            <a:endParaRPr lang="zh-CN" altLang="en-US" sz="2000"/>
-          </a:p>
-          <a:p>
-            <a:pPr marL="0" indent="0">
-              <a:buNone/>
-            </a:pPr>
-            <a:r>
-              <a:rPr lang="zh-CN" altLang="en-US" sz="2000"/>
-              <a:t>   0000 0800 到 0000 FFFF | 1110xxxx 10xxxxxx 10xxxxxx</a:t>
-            </a:r>
-            <a:endParaRPr lang="zh-CN" altLang="en-US" sz="2000"/>
-          </a:p>
-          <a:p>
-            <a:pPr marL="0" indent="0">
-              <a:buNone/>
-            </a:pPr>
-            <a:r>
-              <a:rPr lang="zh-CN" altLang="en-US" sz="2000"/>
-              <a:t>   0001 0000 到 0010 FFFF | 11110xxx 10xxxxxx 10xxxxxx 10xxxxxx</a:t>
-            </a:r>
-            <a:endParaRPr lang="zh-CN" altLang="en-US" sz="2000"/>
+          <a:bodyPr/>
+          <a:p>
+            <a:r>
+              <a:rPr lang="en-US" altLang="zh-CN"/>
+              <a:t>Unicode</a:t>
+            </a:r>
+            <a:r>
+              <a:rPr lang="zh-CN" altLang="en-US"/>
+              <a:t>只是字符集</a:t>
+            </a:r>
+            <a:endParaRPr lang="zh-CN" altLang="en-US"/>
+          </a:p>
+          <a:p>
+            <a:r>
+              <a:rPr lang="zh-CN" altLang="en-US"/>
+              <a:t>最直观方式</a:t>
+            </a:r>
+            <a:r>
+              <a:rPr lang="en-US" altLang="zh-CN"/>
+              <a:t>——</a:t>
+            </a:r>
+            <a:r>
+              <a:rPr lang="zh-CN" altLang="en-US"/>
+              <a:t>每个字符</a:t>
+            </a:r>
+            <a:r>
+              <a:rPr lang="en-US" altLang="zh-CN"/>
+              <a:t>	4</a:t>
+            </a:r>
+            <a:r>
+              <a:rPr lang="zh-CN" altLang="en-US"/>
+              <a:t>字节</a:t>
+            </a:r>
+            <a:endParaRPr lang="zh-CN" altLang="en-US"/>
+          </a:p>
+          <a:p>
+            <a:pPr lvl="1"/>
+            <a:r>
+              <a:rPr lang="zh-CN" altLang="en-US"/>
+              <a:t>U+0000 = 0x0000 0000</a:t>
+            </a:r>
+            <a:endParaRPr lang="zh-CN" altLang="en-US"/>
+          </a:p>
+          <a:p>
+            <a:pPr lvl="1"/>
+            <a:r>
+              <a:rPr lang="zh-CN" altLang="en-US"/>
+              <a:t>U+597D = 0x0000 597D</a:t>
+            </a:r>
+            <a:endParaRPr lang="zh-CN" altLang="en-US"/>
+          </a:p>
+          <a:p>
+            <a:pPr lvl="0"/>
+            <a:r>
+              <a:rPr lang="zh-CN" altLang="en-US"/>
+              <a:t>缺点</a:t>
+            </a:r>
+            <a:endParaRPr lang="zh-CN" altLang="en-US"/>
+          </a:p>
+          <a:p>
+            <a:pPr lvl="1"/>
+            <a:r>
+              <a:rPr lang="zh-CN" altLang="en-US"/>
+              <a:t>浪费空间</a:t>
+            </a:r>
+            <a:endParaRPr lang="zh-CN" altLang="en-US"/>
+          </a:p>
+          <a:p>
+            <a:pPr lvl="1"/>
+            <a:r>
+              <a:rPr lang="zh-CN" altLang="en-US"/>
+              <a:t>纯英文字母，是</a:t>
+            </a:r>
+            <a:r>
+              <a:rPr lang="en-US" altLang="zh-CN"/>
+              <a:t>ASCII  4</a:t>
+            </a:r>
+            <a:r>
+              <a:rPr lang="zh-CN" altLang="en-US"/>
+              <a:t>倍</a:t>
+            </a:r>
+            <a:endParaRPr lang="zh-CN" altLang="en-US"/>
           </a:p>
         </p:txBody>
       </p:sp>
@@ -5540,18 +5628,10 @@
           <a:bodyPr/>
           <a:p>
             <a:r>
-              <a:rPr lang="zh-CN" altLang="en-US"/>
-              <a:t>终端游戏引擎</a:t>
-            </a:r>
-            <a:r>
               <a:rPr lang="en-US" altLang="zh-CN"/>
-              <a:t>JS</a:t>
-            </a:r>
-            <a:r>
-              <a:rPr lang="zh-CN" altLang="en-US"/>
-              <a:t>解析库的坑</a:t>
-            </a:r>
-            <a:endParaRPr lang="zh-CN" altLang="en-US"/>
+              <a:t>UTF-8</a:t>
+            </a:r>
+            <a:endParaRPr lang="en-US" altLang="zh-CN"/>
           </a:p>
         </p:txBody>
       </p:sp>
@@ -5567,87 +5647,98 @@
         </p:nvSpPr>
         <p:spPr/>
         <p:txBody>
-          <a:bodyPr/>
-          <a:p>
-            <a:r>
-              <a:rPr lang="zh-CN" altLang="en-US"/>
-              <a:t>遇到特殊昵称导致</a:t>
-            </a:r>
-            <a:r>
-              <a:rPr lang="en-US" altLang="zh-CN"/>
-              <a:t>json</a:t>
-            </a:r>
-            <a:r>
-              <a:rPr lang="zh-CN" altLang="en-US"/>
-              <a:t>解析</a:t>
-            </a:r>
-            <a:r>
-              <a:rPr lang="en-US" altLang="zh-CN"/>
-              <a:t>exception</a:t>
-            </a:r>
-            <a:endParaRPr lang="en-US" altLang="zh-CN"/>
-          </a:p>
-          <a:p>
-            <a:r>
-              <a:rPr lang="zh-CN" altLang="en-US"/>
-              <a:t>表现：</a:t>
-            </a:r>
-            <a:endParaRPr lang="zh-CN" altLang="en-US"/>
-          </a:p>
-          <a:p>
-            <a:pPr lvl="1"/>
-            <a:r>
-              <a:rPr lang="zh-CN" altLang="en-US"/>
-              <a:t>无法启动游戏（抓人无法安排工作）</a:t>
-            </a:r>
-            <a:endParaRPr lang="zh-CN" altLang="en-US"/>
-          </a:p>
-          <a:p>
-            <a:pPr lvl="1"/>
-            <a:r>
-              <a:rPr lang="zh-CN" altLang="en-US"/>
-              <a:t>游戏内无法通过</a:t>
-            </a:r>
-            <a:r>
-              <a:rPr lang="en-US" altLang="zh-CN"/>
-              <a:t>sso</a:t>
-            </a:r>
-            <a:r>
-              <a:rPr lang="zh-CN" altLang="en-US"/>
-              <a:t>获取昵称</a:t>
-            </a:r>
-            <a:endParaRPr lang="zh-CN" altLang="en-US"/>
-          </a:p>
-          <a:p>
-            <a:pPr lvl="1"/>
-            <a:endParaRPr lang="zh-CN" altLang="en-US"/>
-          </a:p>
-          <a:p>
-            <a:pPr lvl="0"/>
-            <a:r>
-              <a:rPr lang="zh-CN" altLang="en-US" sz="2400"/>
-              <a:t>解决：</a:t>
-            </a:r>
-            <a:endParaRPr lang="zh-CN" altLang="en-US" sz="2400"/>
-          </a:p>
-          <a:p>
-            <a:pPr lvl="1"/>
+          <a:bodyPr>
+            <a:normAutofit fontScale="90000" lnSpcReduction="20000"/>
+          </a:bodyPr>
+          <a:p>
+            <a:r>
+              <a:rPr lang="zh-CN" altLang="en-US"/>
+              <a:t>UTF-8是一种变长的编码方法，字符长度从1个字节到4个字节不等</a:t>
+            </a:r>
+            <a:endParaRPr lang="zh-CN" altLang="en-US"/>
+          </a:p>
+          <a:p>
+            <a:r>
+              <a:rPr lang="zh-CN" altLang="en-US"/>
+              <a:t>最前面的128个字符，只使用1个字节表示，与ASCII码完全相同</a:t>
+            </a:r>
+            <a:endParaRPr lang="zh-CN" altLang="en-US"/>
+          </a:p>
+          <a:p>
+            <a:pPr marL="0" indent="0">
+              <a:buNone/>
+            </a:pPr>
+            <a:endParaRPr lang="zh-CN" altLang="en-US"/>
+          </a:p>
+          <a:p>
+            <a:pPr marL="0" indent="0">
+              <a:buNone/>
+            </a:pPr>
             <a:r>
               <a:rPr lang="zh-CN" altLang="en-US" sz="2000"/>
-              <a:t>对</a:t>
-            </a:r>
-            <a:r>
-              <a:rPr lang="en-US" altLang="zh-CN" sz="2000"/>
-              <a:t>D800</a:t>
-            </a:r>
+              <a:t>   Char. number range        |        UTF-8 octet sequence</a:t>
+            </a:r>
+            <a:endParaRPr lang="zh-CN" altLang="en-US" sz="2000"/>
+          </a:p>
+          <a:p>
+            <a:pPr marL="0" indent="0">
+              <a:buNone/>
+            </a:pPr>
             <a:r>
               <a:rPr lang="zh-CN" altLang="en-US" sz="2000"/>
-              <a:t>以上某些辅助平面做字符过滤</a:t>
+              <a:t>      (hexadecimal)               |              (binary)</a:t>
             </a:r>
             <a:endParaRPr lang="zh-CN" altLang="en-US" sz="2000"/>
           </a:p>
           <a:p>
-            <a:endParaRPr lang="zh-CN" altLang="en-US"/>
+            <a:pPr marL="0" indent="0">
+              <a:buNone/>
+            </a:pPr>
+            <a:r>
+              <a:rPr lang="zh-CN" altLang="en-US" sz="2000"/>
+              <a:t>   --------------------------+---------------------------------------------</a:t>
+            </a:r>
+            <a:endParaRPr lang="zh-CN" altLang="en-US" sz="2000"/>
+          </a:p>
+          <a:p>
+            <a:pPr marL="0" indent="0">
+              <a:buNone/>
+            </a:pPr>
+            <a:r>
+              <a:rPr lang="zh-CN" altLang="en-US" sz="2000"/>
+              <a:t>   0000 0000 到 0000 007F | 0xxxxxxx</a:t>
+            </a:r>
+            <a:endParaRPr lang="zh-CN" altLang="en-US" sz="2000"/>
+          </a:p>
+          <a:p>
+            <a:pPr marL="0" indent="0">
+              <a:buNone/>
+            </a:pPr>
+            <a:r>
+              <a:rPr lang="zh-CN" altLang="en-US" sz="2000"/>
+              <a:t>   0000 0080 到 0000 07FF | 110xxxxx 10xxxxxx</a:t>
+            </a:r>
+            <a:endParaRPr lang="zh-CN" altLang="en-US" sz="2000"/>
+          </a:p>
+          <a:p>
+            <a:pPr marL="0" indent="0">
+              <a:buNone/>
+            </a:pPr>
+            <a:r>
+              <a:rPr lang="zh-CN" altLang="en-US" sz="2000"/>
+              <a:t>   0000 0800 到 0000 FFFF | 1110xxxx 10xxxxxx 10xxxxxx</a:t>
+            </a:r>
+            <a:endParaRPr lang="zh-CN" altLang="en-US" sz="2000"/>
+          </a:p>
+          <a:p>
+            <a:pPr marL="0" indent="0">
+              <a:buNone/>
+            </a:pPr>
+            <a:r>
+              <a:rPr lang="zh-CN" altLang="en-US" sz="2000"/>
+              <a:t>   0001 0000 到 0010 FFFF | 11110xxx 10xxxxxx 10xxxxxx 10xxxxxx</a:t>
+            </a:r>
+            <a:endParaRPr lang="zh-CN" altLang="en-US" sz="2000"/>
           </a:p>
         </p:txBody>
       </p:sp>
@@ -5799,6 +5890,14 @@
 </file>
 
 <file path=ppt/tags/tag25.xml><?xml version="1.0" encoding="utf-8"?>
+<p:tagLst xmlns:p="http://schemas.openxmlformats.org/presentationml/2006/main">
+  <p:tag name="KSO_WM_BEAUTIFY_FLAG" val="#wm#"/>
+  <p:tag name="KSO_WM_TEMPLATE_CATEGORY" val="custom"/>
+  <p:tag name="KSO_WM_TEMPLATE_INDEX" val="160539"/>
+</p:tagLst>
+</file>
+
+<file path=ppt/tags/tag26.xml><?xml version="1.0" encoding="utf-8"?>
 <p:tagLst xmlns:p="http://schemas.openxmlformats.org/presentationml/2006/main">
   <p:tag name="KSO_WM_BEAUTIFY_FLAG" val="#wm#"/>
   <p:tag name="KSO_WM_TEMPLATE_CATEGORY" val="custom"/>

--- a/Charset&Coding&HTML/编码和前端的那些事.pptx
+++ b/Charset&Coding&HTML/编码和前端的那些事.pptx
@@ -5,27 +5,29 @@
     <p:sldMasterId id="2147483648" r:id="rId1"/>
   </p:sldMasterIdLst>
   <p:sldIdLst>
-    <p:sldId id="256" r:id="rId3"/>
-    <p:sldId id="278" r:id="rId4"/>
-    <p:sldId id="279" r:id="rId5"/>
-    <p:sldId id="257" r:id="rId6"/>
-    <p:sldId id="260" r:id="rId7"/>
-    <p:sldId id="267" r:id="rId8"/>
-    <p:sldId id="297" r:id="rId9"/>
-    <p:sldId id="268" r:id="rId10"/>
-    <p:sldId id="269" r:id="rId11"/>
-    <p:sldId id="277" r:id="rId12"/>
-    <p:sldId id="270" r:id="rId13"/>
-    <p:sldId id="271" r:id="rId14"/>
-    <p:sldId id="273" r:id="rId15"/>
-    <p:sldId id="276" r:id="rId16"/>
-    <p:sldId id="274" r:id="rId17"/>
-    <p:sldId id="261" r:id="rId18"/>
-    <p:sldId id="262" r:id="rId19"/>
-    <p:sldId id="265" r:id="rId20"/>
-    <p:sldId id="263" r:id="rId21"/>
-    <p:sldId id="275" r:id="rId22"/>
-    <p:sldId id="266" r:id="rId23"/>
+    <p:sldId id="256" r:id="rId2"/>
+    <p:sldId id="278" r:id="rId3"/>
+    <p:sldId id="279" r:id="rId4"/>
+    <p:sldId id="257" r:id="rId5"/>
+    <p:sldId id="260" r:id="rId6"/>
+    <p:sldId id="267" r:id="rId7"/>
+    <p:sldId id="297" r:id="rId8"/>
+    <p:sldId id="268" r:id="rId9"/>
+    <p:sldId id="269" r:id="rId10"/>
+    <p:sldId id="277" r:id="rId11"/>
+    <p:sldId id="270" r:id="rId12"/>
+    <p:sldId id="262" r:id="rId13"/>
+    <p:sldId id="265" r:id="rId14"/>
+    <p:sldId id="299" r:id="rId15"/>
+    <p:sldId id="261" r:id="rId16"/>
+    <p:sldId id="271" r:id="rId17"/>
+    <p:sldId id="273" r:id="rId18"/>
+    <p:sldId id="276" r:id="rId19"/>
+    <p:sldId id="298" r:id="rId20"/>
+    <p:sldId id="274" r:id="rId21"/>
+    <p:sldId id="263" r:id="rId22"/>
+    <p:sldId id="275" r:id="rId23"/>
+    <p:sldId id="266" r:id="rId24"/>
   </p:sldIdLst>
   <p:sldSz cx="12192000" cy="6858000"/>
   <p:notesSz cx="6858000" cy="9144000"/>
@@ -124,7 +126,16 @@
       </a:defRPr>
     </a:lvl9pPr>
   </p:defaultTextStyle>
+  <p:extLst>
+    <p:ext uri="{EFAFB233-063F-42B5-8137-9DF3F51BA10A}">
+      <p15:sldGuideLst xmlns:p15="http://schemas.microsoft.com/office/powerpoint/2012/main"/>
+    </p:ext>
+  </p:extLst>
 </p:presentation>
+</file>
+
+<file path=ppt/revisionInfo.xml><?xml version="1.0" encoding="utf-8"?>
+<p1510:revInfo xmlns:a="http://schemas.openxmlformats.org/drawingml/2006/main" xmlns:r="http://schemas.openxmlformats.org/officeDocument/2006/relationships" xmlns:p1510="http://schemas.microsoft.com/office/powerpoint/2015/10/main"/>
 </file>
 
 <file path=ppt/slideLayouts/slideLayout1.xml><?xml version="1.0" encoding="utf-8"?>
@@ -189,7 +200,7 @@
           </a:lstStyle>
           <a:p>
             <a:r>
-              <a:rPr lang="zh-CN" altLang="en-US" smtClean="0"/>
+              <a:rPr lang="zh-CN" altLang="en-US"/>
               <a:t>单击此处编辑母版标题样式</a:t>
             </a:r>
             <a:endParaRPr lang="en-US" dirty="0"/>
@@ -260,7 +271,7 @@
           </a:lstStyle>
           <a:p>
             <a:r>
-              <a:rPr lang="zh-CN" altLang="en-US" smtClean="0"/>
+              <a:rPr lang="zh-CN" altLang="en-US"/>
               <a:t>单击此处编辑母版副标题样式</a:t>
             </a:r>
             <a:endParaRPr lang="en-US" dirty="0"/>
@@ -284,6 +295,7 @@
           <a:p>
             <a:fld id="{7A9F0064-1D3A-4468-A1B1-52CF93AA3DB0}" type="datetimeFigureOut">
               <a:rPr lang="zh-CN" altLang="en-US" smtClean="0"/>
+              <a:t>2017/12/8</a:t>
             </a:fld>
             <a:endParaRPr lang="zh-CN" altLang="en-US"/>
           </a:p>
@@ -325,6 +337,7 @@
           <a:p>
             <a:fld id="{EF429EE8-1FE3-4EDB-A8CA-BA68A812CEF7}" type="slidenum">
               <a:rPr lang="zh-CN" altLang="en-US" smtClean="0"/>
+              <a:t>‹#›</a:t>
             </a:fld>
             <a:endParaRPr lang="zh-CN" altLang="en-US"/>
           </a:p>
@@ -372,6 +385,7 @@
           <a:p>
             <a:fld id="{1EC61D3F-34E9-4F9D-84A2-72367D9F9A68}" type="datetimeFigureOut">
               <a:rPr lang="zh-CN" altLang="en-US" smtClean="0"/>
+              <a:t>2017/12/8</a:t>
             </a:fld>
             <a:endParaRPr lang="zh-CN" altLang="en-US"/>
           </a:p>
@@ -413,6 +427,7 @@
           <a:p>
             <a:fld id="{4254DC01-BD11-43BE-8FE9-19C0CFD26E47}" type="slidenum">
               <a:rPr lang="zh-CN" altLang="en-US" smtClean="0"/>
+              <a:t>‹#›</a:t>
             </a:fld>
             <a:endParaRPr lang="zh-CN" altLang="en-US"/>
           </a:p>
@@ -488,42 +503,37 @@
           <a:p>
             <a:pPr lvl="0"/>
             <a:r>
-              <a:rPr lang="zh-CN" altLang="en-US" dirty="0" smtClean="0"/>
+              <a:rPr lang="zh-CN" altLang="en-US" dirty="0"/>
               <a:t>单击此处编辑母版文本样式</a:t>
             </a:r>
-            <a:endParaRPr lang="zh-CN" altLang="en-US" dirty="0" smtClean="0"/>
           </a:p>
           <a:p>
             <a:pPr lvl="1"/>
             <a:r>
-              <a:rPr lang="zh-CN" altLang="en-US" dirty="0" smtClean="0"/>
+              <a:rPr lang="zh-CN" altLang="en-US" dirty="0"/>
               <a:t>第二级</a:t>
             </a:r>
-            <a:endParaRPr lang="zh-CN" altLang="en-US" dirty="0" smtClean="0"/>
           </a:p>
           <a:p>
             <a:pPr lvl="2"/>
             <a:r>
-              <a:rPr lang="zh-CN" altLang="en-US" dirty="0" smtClean="0"/>
+              <a:rPr lang="zh-CN" altLang="en-US" dirty="0"/>
               <a:t>第三级</a:t>
             </a:r>
-            <a:endParaRPr lang="zh-CN" altLang="en-US" dirty="0" smtClean="0"/>
           </a:p>
           <a:p>
             <a:pPr lvl="3"/>
             <a:r>
-              <a:rPr lang="zh-CN" altLang="en-US" dirty="0" smtClean="0"/>
+              <a:rPr lang="zh-CN" altLang="en-US" dirty="0"/>
               <a:t>第四级</a:t>
             </a:r>
-            <a:endParaRPr lang="zh-CN" altLang="en-US" dirty="0" smtClean="0"/>
           </a:p>
           <a:p>
             <a:pPr lvl="4"/>
             <a:r>
-              <a:rPr lang="zh-CN" altLang="en-US" dirty="0" smtClean="0"/>
+              <a:rPr lang="zh-CN" altLang="en-US" dirty="0"/>
               <a:t>第五级</a:t>
             </a:r>
-            <a:endParaRPr lang="zh-CN" altLang="en-US" dirty="0"/>
           </a:p>
         </p:txBody>
       </p:sp>
@@ -568,7 +578,7 @@
           <a:lstStyle/>
           <a:p>
             <a:r>
-              <a:rPr lang="zh-CN" altLang="en-US" smtClean="0"/>
+              <a:rPr lang="zh-CN" altLang="en-US"/>
               <a:t>单击此处编辑母版标题样式</a:t>
             </a:r>
             <a:endParaRPr lang="en-US" dirty="0"/>
@@ -713,39 +723,35 @@
           <a:p>
             <a:pPr lvl="0"/>
             <a:r>
-              <a:rPr lang="zh-CN" altLang="en-US" smtClean="0"/>
+              <a:rPr lang="zh-CN" altLang="en-US"/>
               <a:t>单击此处编辑母版文本样式</a:t>
             </a:r>
-            <a:endParaRPr lang="zh-CN" altLang="en-US" smtClean="0"/>
           </a:p>
           <a:p>
             <a:pPr lvl="1"/>
             <a:r>
-              <a:rPr lang="zh-CN" altLang="en-US" smtClean="0"/>
+              <a:rPr lang="zh-CN" altLang="en-US"/>
               <a:t>第二级</a:t>
             </a:r>
-            <a:endParaRPr lang="zh-CN" altLang="en-US" smtClean="0"/>
           </a:p>
           <a:p>
             <a:pPr lvl="2"/>
             <a:r>
-              <a:rPr lang="zh-CN" altLang="en-US" smtClean="0"/>
+              <a:rPr lang="zh-CN" altLang="en-US"/>
               <a:t>第三级</a:t>
             </a:r>
-            <a:endParaRPr lang="zh-CN" altLang="en-US" smtClean="0"/>
           </a:p>
           <a:p>
             <a:pPr lvl="3"/>
             <a:r>
-              <a:rPr lang="zh-CN" altLang="en-US" smtClean="0"/>
+              <a:rPr lang="zh-CN" altLang="en-US"/>
               <a:t>第四级</a:t>
             </a:r>
-            <a:endParaRPr lang="zh-CN" altLang="en-US" smtClean="0"/>
           </a:p>
           <a:p>
             <a:pPr lvl="4"/>
             <a:r>
-              <a:rPr lang="zh-CN" altLang="en-US" smtClean="0"/>
+              <a:rPr lang="zh-CN" altLang="en-US"/>
               <a:t>第五级</a:t>
             </a:r>
             <a:endParaRPr lang="en-US" dirty="0"/>
@@ -769,6 +775,7 @@
           <a:p>
             <a:fld id="{7A9F0064-1D3A-4468-A1B1-52CF93AA3DB0}" type="datetimeFigureOut">
               <a:rPr lang="zh-CN" altLang="en-US" smtClean="0"/>
+              <a:t>2017/12/8</a:t>
             </a:fld>
             <a:endParaRPr lang="zh-CN" altLang="en-US"/>
           </a:p>
@@ -810,6 +817,7 @@
           <a:p>
             <a:fld id="{EF429EE8-1FE3-4EDB-A8CA-BA68A812CEF7}" type="slidenum">
               <a:rPr lang="zh-CN" altLang="en-US" smtClean="0"/>
+              <a:t>‹#›</a:t>
             </a:fld>
             <a:endParaRPr lang="zh-CN" altLang="en-US"/>
           </a:p>
@@ -867,7 +875,7 @@
           </a:lstStyle>
           <a:p>
             <a:r>
-              <a:rPr lang="zh-CN" altLang="en-US" dirty="0" smtClean="0"/>
+              <a:rPr lang="zh-CN" altLang="en-US" dirty="0"/>
               <a:t>单击此处编辑母版标题样式</a:t>
             </a:r>
             <a:endParaRPr lang="en-US" dirty="0"/>
@@ -987,10 +995,9 @@
           <a:p>
             <a:pPr lvl="0"/>
             <a:r>
-              <a:rPr lang="zh-CN" altLang="en-US" smtClean="0"/>
+              <a:rPr lang="zh-CN" altLang="en-US"/>
               <a:t>单击此处编辑母版文本样式</a:t>
             </a:r>
-            <a:endParaRPr lang="zh-CN" altLang="en-US" smtClean="0"/>
           </a:p>
         </p:txBody>
       </p:sp>
@@ -1011,6 +1018,7 @@
           <a:p>
             <a:fld id="{7A9F0064-1D3A-4468-A1B1-52CF93AA3DB0}" type="datetimeFigureOut">
               <a:rPr lang="zh-CN" altLang="en-US" smtClean="0"/>
+              <a:t>2017/12/8</a:t>
             </a:fld>
             <a:endParaRPr lang="zh-CN" altLang="en-US"/>
           </a:p>
@@ -1052,6 +1060,7 @@
           <a:p>
             <a:fld id="{EF429EE8-1FE3-4EDB-A8CA-BA68A812CEF7}" type="slidenum">
               <a:rPr lang="zh-CN" altLang="en-US" smtClean="0"/>
+              <a:t>‹#›</a:t>
             </a:fld>
             <a:endParaRPr lang="zh-CN" altLang="en-US"/>
           </a:p>
@@ -1065,7 +1074,7 @@
           </p:cNvCxnSpPr>
           <p:nvPr>
             <p:custDataLst>
-              <p:tags r:id="rId2"/>
+              <p:tags r:id="rId1"/>
             </p:custDataLst>
           </p:nvPr>
         </p:nvCxnSpPr>
@@ -1101,7 +1110,7 @@
           </p:cNvCxnSpPr>
           <p:nvPr>
             <p:custDataLst>
-              <p:tags r:id="rId3"/>
+              <p:tags r:id="rId2"/>
             </p:custDataLst>
           </p:nvPr>
         </p:nvCxnSpPr>
@@ -1170,7 +1179,7 @@
           <a:lstStyle/>
           <a:p>
             <a:r>
-              <a:rPr lang="zh-CN" altLang="en-US" smtClean="0"/>
+              <a:rPr lang="zh-CN" altLang="en-US"/>
               <a:t>单击此处编辑母版标题样式</a:t>
             </a:r>
             <a:endParaRPr lang="en-US" dirty="0"/>
@@ -1245,39 +1254,35 @@
           <a:p>
             <a:pPr lvl="0"/>
             <a:r>
-              <a:rPr lang="zh-CN" altLang="en-US" smtClean="0"/>
+              <a:rPr lang="zh-CN" altLang="en-US"/>
               <a:t>单击此处编辑母版文本样式</a:t>
             </a:r>
-            <a:endParaRPr lang="zh-CN" altLang="en-US" smtClean="0"/>
           </a:p>
           <a:p>
             <a:pPr lvl="1"/>
             <a:r>
-              <a:rPr lang="zh-CN" altLang="en-US" smtClean="0"/>
+              <a:rPr lang="zh-CN" altLang="en-US"/>
               <a:t>第二级</a:t>
             </a:r>
-            <a:endParaRPr lang="zh-CN" altLang="en-US" smtClean="0"/>
           </a:p>
           <a:p>
             <a:pPr lvl="2"/>
             <a:r>
-              <a:rPr lang="zh-CN" altLang="en-US" smtClean="0"/>
+              <a:rPr lang="zh-CN" altLang="en-US"/>
               <a:t>第三级</a:t>
             </a:r>
-            <a:endParaRPr lang="zh-CN" altLang="en-US" smtClean="0"/>
           </a:p>
           <a:p>
             <a:pPr lvl="3"/>
             <a:r>
-              <a:rPr lang="zh-CN" altLang="en-US" smtClean="0"/>
+              <a:rPr lang="zh-CN" altLang="en-US"/>
               <a:t>第四级</a:t>
             </a:r>
-            <a:endParaRPr lang="zh-CN" altLang="en-US" smtClean="0"/>
           </a:p>
           <a:p>
             <a:pPr lvl="4"/>
             <a:r>
-              <a:rPr lang="zh-CN" altLang="en-US" smtClean="0"/>
+              <a:rPr lang="zh-CN" altLang="en-US"/>
               <a:t>第五级</a:t>
             </a:r>
             <a:endParaRPr lang="en-US" dirty="0"/>
@@ -1352,39 +1357,35 @@
           <a:p>
             <a:pPr lvl="0"/>
             <a:r>
-              <a:rPr lang="zh-CN" altLang="en-US" smtClean="0"/>
+              <a:rPr lang="zh-CN" altLang="en-US"/>
               <a:t>单击此处编辑母版文本样式</a:t>
             </a:r>
-            <a:endParaRPr lang="zh-CN" altLang="en-US" smtClean="0"/>
           </a:p>
           <a:p>
             <a:pPr lvl="1"/>
             <a:r>
-              <a:rPr lang="zh-CN" altLang="en-US" smtClean="0"/>
+              <a:rPr lang="zh-CN" altLang="en-US"/>
               <a:t>第二级</a:t>
             </a:r>
-            <a:endParaRPr lang="zh-CN" altLang="en-US" smtClean="0"/>
           </a:p>
           <a:p>
             <a:pPr lvl="2"/>
             <a:r>
-              <a:rPr lang="zh-CN" altLang="en-US" smtClean="0"/>
+              <a:rPr lang="zh-CN" altLang="en-US"/>
               <a:t>第三级</a:t>
             </a:r>
-            <a:endParaRPr lang="zh-CN" altLang="en-US" smtClean="0"/>
           </a:p>
           <a:p>
             <a:pPr lvl="3"/>
             <a:r>
-              <a:rPr lang="zh-CN" altLang="en-US" smtClean="0"/>
+              <a:rPr lang="zh-CN" altLang="en-US"/>
               <a:t>第四级</a:t>
             </a:r>
-            <a:endParaRPr lang="zh-CN" altLang="en-US" smtClean="0"/>
           </a:p>
           <a:p>
             <a:pPr lvl="4"/>
             <a:r>
-              <a:rPr lang="zh-CN" altLang="en-US" smtClean="0"/>
+              <a:rPr lang="zh-CN" altLang="en-US"/>
               <a:t>第五级</a:t>
             </a:r>
             <a:endParaRPr lang="en-US" dirty="0"/>
@@ -1408,6 +1409,7 @@
           <a:p>
             <a:fld id="{7A9F0064-1D3A-4468-A1B1-52CF93AA3DB0}" type="datetimeFigureOut">
               <a:rPr lang="zh-CN" altLang="en-US" smtClean="0"/>
+              <a:t>2017/12/8</a:t>
             </a:fld>
             <a:endParaRPr lang="zh-CN" altLang="en-US"/>
           </a:p>
@@ -1449,6 +1451,7 @@
           <a:p>
             <a:fld id="{EF429EE8-1FE3-4EDB-A8CA-BA68A812CEF7}" type="slidenum">
               <a:rPr lang="zh-CN" altLang="en-US" smtClean="0"/>
+              <a:t>‹#›</a:t>
             </a:fld>
             <a:endParaRPr lang="zh-CN" altLang="en-US"/>
           </a:p>
@@ -1500,7 +1503,7 @@
           <a:lstStyle/>
           <a:p>
             <a:r>
-              <a:rPr lang="zh-CN" altLang="en-US" smtClean="0"/>
+              <a:rPr lang="zh-CN" altLang="en-US"/>
               <a:t>单击此处编辑母版标题样式</a:t>
             </a:r>
             <a:endParaRPr lang="en-US" dirty="0"/>
@@ -1566,10 +1569,9 @@
           <a:p>
             <a:pPr lvl="0"/>
             <a:r>
-              <a:rPr lang="zh-CN" altLang="en-US" smtClean="0"/>
+              <a:rPr lang="zh-CN" altLang="en-US"/>
               <a:t>单击此处编辑母版文本样式</a:t>
             </a:r>
-            <a:endParaRPr lang="zh-CN" altLang="en-US" smtClean="0"/>
           </a:p>
         </p:txBody>
       </p:sp>
@@ -1641,39 +1643,35 @@
           <a:p>
             <a:pPr lvl="0"/>
             <a:r>
-              <a:rPr lang="zh-CN" altLang="en-US" dirty="0" smtClean="0"/>
+              <a:rPr lang="zh-CN" altLang="en-US" dirty="0"/>
               <a:t>单击此处编辑母版文本样式</a:t>
             </a:r>
-            <a:endParaRPr lang="zh-CN" altLang="en-US" dirty="0" smtClean="0"/>
           </a:p>
           <a:p>
             <a:pPr lvl="1"/>
             <a:r>
-              <a:rPr lang="zh-CN" altLang="en-US" dirty="0" smtClean="0"/>
+              <a:rPr lang="zh-CN" altLang="en-US" dirty="0"/>
               <a:t>第二级</a:t>
             </a:r>
-            <a:endParaRPr lang="zh-CN" altLang="en-US" dirty="0" smtClean="0"/>
           </a:p>
           <a:p>
             <a:pPr lvl="2"/>
             <a:r>
-              <a:rPr lang="zh-CN" altLang="en-US" dirty="0" smtClean="0"/>
+              <a:rPr lang="zh-CN" altLang="en-US" dirty="0"/>
               <a:t>第三级</a:t>
             </a:r>
-            <a:endParaRPr lang="zh-CN" altLang="en-US" dirty="0" smtClean="0"/>
           </a:p>
           <a:p>
             <a:pPr lvl="3"/>
             <a:r>
-              <a:rPr lang="zh-CN" altLang="en-US" dirty="0" smtClean="0"/>
+              <a:rPr lang="zh-CN" altLang="en-US" dirty="0"/>
               <a:t>第四级</a:t>
             </a:r>
-            <a:endParaRPr lang="zh-CN" altLang="en-US" dirty="0" smtClean="0"/>
           </a:p>
           <a:p>
             <a:pPr lvl="4"/>
             <a:r>
-              <a:rPr lang="zh-CN" altLang="en-US" dirty="0" smtClean="0"/>
+              <a:rPr lang="zh-CN" altLang="en-US" dirty="0"/>
               <a:t>第五级</a:t>
             </a:r>
             <a:endParaRPr lang="en-US" dirty="0"/>
@@ -1739,10 +1737,9 @@
           <a:p>
             <a:pPr lvl="0"/>
             <a:r>
-              <a:rPr lang="zh-CN" altLang="en-US" smtClean="0"/>
+              <a:rPr lang="zh-CN" altLang="en-US"/>
               <a:t>单击此处编辑母版文本样式</a:t>
             </a:r>
-            <a:endParaRPr lang="zh-CN" altLang="en-US" smtClean="0"/>
           </a:p>
         </p:txBody>
       </p:sp>
@@ -1814,39 +1811,35 @@
           <a:p>
             <a:pPr lvl="0"/>
             <a:r>
-              <a:rPr lang="zh-CN" altLang="en-US" smtClean="0"/>
+              <a:rPr lang="zh-CN" altLang="en-US"/>
               <a:t>单击此处编辑母版文本样式</a:t>
             </a:r>
-            <a:endParaRPr lang="zh-CN" altLang="en-US" smtClean="0"/>
           </a:p>
           <a:p>
             <a:pPr lvl="1"/>
             <a:r>
-              <a:rPr lang="zh-CN" altLang="en-US" smtClean="0"/>
+              <a:rPr lang="zh-CN" altLang="en-US"/>
               <a:t>第二级</a:t>
             </a:r>
-            <a:endParaRPr lang="zh-CN" altLang="en-US" smtClean="0"/>
           </a:p>
           <a:p>
             <a:pPr lvl="2"/>
             <a:r>
-              <a:rPr lang="zh-CN" altLang="en-US" smtClean="0"/>
+              <a:rPr lang="zh-CN" altLang="en-US"/>
               <a:t>第三级</a:t>
             </a:r>
-            <a:endParaRPr lang="zh-CN" altLang="en-US" smtClean="0"/>
           </a:p>
           <a:p>
             <a:pPr lvl="3"/>
             <a:r>
-              <a:rPr lang="zh-CN" altLang="en-US" smtClean="0"/>
+              <a:rPr lang="zh-CN" altLang="en-US"/>
               <a:t>第四级</a:t>
             </a:r>
-            <a:endParaRPr lang="zh-CN" altLang="en-US" smtClean="0"/>
           </a:p>
           <a:p>
             <a:pPr lvl="4"/>
             <a:r>
-              <a:rPr lang="zh-CN" altLang="en-US" smtClean="0"/>
+              <a:rPr lang="zh-CN" altLang="en-US"/>
               <a:t>第五级</a:t>
             </a:r>
             <a:endParaRPr lang="en-US" dirty="0"/>
@@ -1870,6 +1863,7 @@
           <a:p>
             <a:fld id="{7A9F0064-1D3A-4468-A1B1-52CF93AA3DB0}" type="datetimeFigureOut">
               <a:rPr lang="zh-CN" altLang="en-US" smtClean="0"/>
+              <a:t>2017/12/8</a:t>
             </a:fld>
             <a:endParaRPr lang="zh-CN" altLang="en-US"/>
           </a:p>
@@ -1911,6 +1905,7 @@
           <a:p>
             <a:fld id="{EF429EE8-1FE3-4EDB-A8CA-BA68A812CEF7}" type="slidenum">
               <a:rPr lang="zh-CN" altLang="en-US" smtClean="0"/>
+              <a:t>‹#›</a:t>
             </a:fld>
             <a:endParaRPr lang="zh-CN" altLang="en-US"/>
           </a:p>
@@ -1962,7 +1957,7 @@
           <a:lstStyle/>
           <a:p>
             <a:r>
-              <a:rPr lang="zh-CN" altLang="en-US" smtClean="0"/>
+              <a:rPr lang="zh-CN" altLang="en-US"/>
               <a:t>单击此处编辑母版标题样式</a:t>
             </a:r>
             <a:endParaRPr lang="en-US" dirty="0"/>
@@ -1986,6 +1981,7 @@
           <a:p>
             <a:fld id="{7A9F0064-1D3A-4468-A1B1-52CF93AA3DB0}" type="datetimeFigureOut">
               <a:rPr lang="zh-CN" altLang="en-US" smtClean="0"/>
+              <a:t>2017/12/8</a:t>
             </a:fld>
             <a:endParaRPr lang="zh-CN" altLang="en-US"/>
           </a:p>
@@ -2027,6 +2023,7 @@
           <a:p>
             <a:fld id="{EF429EE8-1FE3-4EDB-A8CA-BA68A812CEF7}" type="slidenum">
               <a:rPr lang="zh-CN" altLang="en-US" smtClean="0"/>
+              <a:t>‹#›</a:t>
             </a:fld>
             <a:endParaRPr lang="zh-CN" altLang="en-US"/>
           </a:p>
@@ -2074,6 +2071,7 @@
           <a:p>
             <a:fld id="{7A9F0064-1D3A-4468-A1B1-52CF93AA3DB0}" type="datetimeFigureOut">
               <a:rPr lang="zh-CN" altLang="en-US" smtClean="0"/>
+              <a:t>2017/12/8</a:t>
             </a:fld>
             <a:endParaRPr lang="zh-CN" altLang="en-US"/>
           </a:p>
@@ -2115,6 +2113,7 @@
           <a:p>
             <a:fld id="{EF429EE8-1FE3-4EDB-A8CA-BA68A812CEF7}" type="slidenum">
               <a:rPr lang="zh-CN" altLang="en-US" smtClean="0"/>
+              <a:t>‹#›</a:t>
             </a:fld>
             <a:endParaRPr lang="zh-CN" altLang="en-US"/>
           </a:p>
@@ -2170,7 +2169,7 @@
           </a:lstStyle>
           <a:p>
             <a:r>
-              <a:rPr lang="zh-CN" altLang="en-US" dirty="0" smtClean="0"/>
+              <a:rPr lang="zh-CN" altLang="en-US" dirty="0"/>
               <a:t>单击此处编辑母版标题样式</a:t>
             </a:r>
             <a:endParaRPr lang="en-US" dirty="0"/>
@@ -2235,7 +2234,7 @@
           </a:lstStyle>
           <a:p>
             <a:r>
-              <a:rPr lang="zh-CN" altLang="en-US" dirty="0" smtClean="0"/>
+              <a:rPr lang="zh-CN" altLang="en-US" dirty="0"/>
               <a:t>单击图标添加图片</a:t>
             </a:r>
             <a:endParaRPr lang="en-US" dirty="0"/>
@@ -2309,10 +2308,9 @@
           <a:p>
             <a:pPr lvl="0"/>
             <a:r>
-              <a:rPr lang="zh-CN" altLang="en-US" smtClean="0"/>
+              <a:rPr lang="zh-CN" altLang="en-US"/>
               <a:t>单击此处编辑母版文本样式</a:t>
             </a:r>
-            <a:endParaRPr lang="zh-CN" altLang="en-US" smtClean="0"/>
           </a:p>
         </p:txBody>
       </p:sp>
@@ -2333,6 +2331,7 @@
           <a:p>
             <a:fld id="{7A9F0064-1D3A-4468-A1B1-52CF93AA3DB0}" type="datetimeFigureOut">
               <a:rPr lang="zh-CN" altLang="en-US" smtClean="0"/>
+              <a:t>2017/12/8</a:t>
             </a:fld>
             <a:endParaRPr lang="zh-CN" altLang="en-US"/>
           </a:p>
@@ -2374,6 +2373,7 @@
           <a:p>
             <a:fld id="{EF429EE8-1FE3-4EDB-A8CA-BA68A812CEF7}" type="slidenum">
               <a:rPr lang="zh-CN" altLang="en-US" smtClean="0"/>
+              <a:t>‹#›</a:t>
             </a:fld>
             <a:endParaRPr lang="zh-CN" altLang="en-US"/>
           </a:p>
@@ -2425,7 +2425,7 @@
           <a:lstStyle/>
           <a:p>
             <a:r>
-              <a:rPr lang="zh-CN" altLang="en-US" smtClean="0"/>
+              <a:rPr lang="zh-CN" altLang="en-US"/>
               <a:t>单击此处编辑母版标题样式</a:t>
             </a:r>
             <a:endParaRPr lang="en-US" dirty="0"/>
@@ -2500,39 +2500,35 @@
           <a:p>
             <a:pPr lvl="0"/>
             <a:r>
-              <a:rPr lang="zh-CN" altLang="en-US" smtClean="0"/>
+              <a:rPr lang="zh-CN" altLang="en-US"/>
               <a:t>单击此处编辑母版文本样式</a:t>
             </a:r>
-            <a:endParaRPr lang="zh-CN" altLang="en-US" smtClean="0"/>
           </a:p>
           <a:p>
             <a:pPr lvl="1"/>
             <a:r>
-              <a:rPr lang="zh-CN" altLang="en-US" smtClean="0"/>
+              <a:rPr lang="zh-CN" altLang="en-US"/>
               <a:t>第二级</a:t>
             </a:r>
-            <a:endParaRPr lang="zh-CN" altLang="en-US" smtClean="0"/>
           </a:p>
           <a:p>
             <a:pPr lvl="2"/>
             <a:r>
-              <a:rPr lang="zh-CN" altLang="en-US" smtClean="0"/>
+              <a:rPr lang="zh-CN" altLang="en-US"/>
               <a:t>第三级</a:t>
             </a:r>
-            <a:endParaRPr lang="zh-CN" altLang="en-US" smtClean="0"/>
           </a:p>
           <a:p>
             <a:pPr lvl="3"/>
             <a:r>
-              <a:rPr lang="zh-CN" altLang="en-US" smtClean="0"/>
+              <a:rPr lang="zh-CN" altLang="en-US"/>
               <a:t>第四级</a:t>
             </a:r>
-            <a:endParaRPr lang="zh-CN" altLang="en-US" smtClean="0"/>
           </a:p>
           <a:p>
             <a:pPr lvl="4"/>
             <a:r>
-              <a:rPr lang="zh-CN" altLang="en-US" smtClean="0"/>
+              <a:rPr lang="zh-CN" altLang="en-US"/>
               <a:t>第五级</a:t>
             </a:r>
             <a:endParaRPr lang="en-US" dirty="0"/>
@@ -2556,6 +2552,7 @@
           <a:p>
             <a:fld id="{7A9F0064-1D3A-4468-A1B1-52CF93AA3DB0}" type="datetimeFigureOut">
               <a:rPr lang="zh-CN" altLang="en-US" smtClean="0"/>
+              <a:t>2017/12/8</a:t>
             </a:fld>
             <a:endParaRPr lang="zh-CN" altLang="en-US"/>
           </a:p>
@@ -2597,6 +2594,7 @@
           <a:p>
             <a:fld id="{EF429EE8-1FE3-4EDB-A8CA-BA68A812CEF7}" type="slidenum">
               <a:rPr lang="zh-CN" altLang="en-US" smtClean="0"/>
+              <a:t>‹#›</a:t>
             </a:fld>
             <a:endParaRPr lang="zh-CN" altLang="en-US"/>
           </a:p>
@@ -2616,7 +2614,7 @@
     <p:bg>
       <p:bgPr>
         <a:blipFill dpi="0" rotWithShape="1">
-          <a:blip r:embed="rId11">
+          <a:blip r:embed="rId15">
             <a:lum/>
           </a:blip>
           <a:srcRect/>
@@ -2670,7 +2668,7 @@
           <a:lstStyle/>
           <a:p>
             <a:r>
-              <a:rPr lang="zh-CN" altLang="en-US" smtClean="0"/>
+              <a:rPr lang="zh-CN" altLang="en-US"/>
               <a:t>单击此处编辑母版标题样式</a:t>
             </a:r>
             <a:endParaRPr lang="en-US" dirty="0"/>
@@ -2707,39 +2705,35 @@
           <a:p>
             <a:pPr lvl="0"/>
             <a:r>
-              <a:rPr lang="zh-CN" altLang="en-US" dirty="0" smtClean="0"/>
+              <a:rPr lang="zh-CN" altLang="en-US" dirty="0"/>
               <a:t>单击此处编辑母版文本样式</a:t>
             </a:r>
-            <a:endParaRPr lang="zh-CN" altLang="en-US" dirty="0" smtClean="0"/>
           </a:p>
           <a:p>
             <a:pPr lvl="1"/>
             <a:r>
-              <a:rPr lang="zh-CN" altLang="en-US" dirty="0" smtClean="0"/>
+              <a:rPr lang="zh-CN" altLang="en-US" dirty="0"/>
               <a:t>第二级</a:t>
             </a:r>
-            <a:endParaRPr lang="zh-CN" altLang="en-US" dirty="0" smtClean="0"/>
           </a:p>
           <a:p>
             <a:pPr lvl="2"/>
             <a:r>
-              <a:rPr lang="zh-CN" altLang="en-US" dirty="0" smtClean="0"/>
+              <a:rPr lang="zh-CN" altLang="en-US" dirty="0"/>
               <a:t>第三级</a:t>
             </a:r>
-            <a:endParaRPr lang="zh-CN" altLang="en-US" dirty="0" smtClean="0"/>
           </a:p>
           <a:p>
             <a:pPr lvl="3"/>
             <a:r>
-              <a:rPr lang="zh-CN" altLang="en-US" dirty="0" smtClean="0"/>
+              <a:rPr lang="zh-CN" altLang="en-US" dirty="0"/>
               <a:t>第四级</a:t>
             </a:r>
-            <a:endParaRPr lang="zh-CN" altLang="en-US" dirty="0" smtClean="0"/>
           </a:p>
           <a:p>
             <a:pPr lvl="4"/>
             <a:r>
-              <a:rPr lang="zh-CN" altLang="en-US" dirty="0" smtClean="0"/>
+              <a:rPr lang="zh-CN" altLang="en-US" dirty="0"/>
               <a:t>第五级</a:t>
             </a:r>
             <a:endParaRPr lang="en-US" dirty="0"/>
@@ -2781,6 +2775,7 @@
           <a:p>
             <a:fld id="{7A9F0064-1D3A-4468-A1B1-52CF93AA3DB0}" type="datetimeFigureOut">
               <a:rPr lang="zh-CN" altLang="en-US" smtClean="0"/>
+              <a:t>2017/12/8</a:t>
             </a:fld>
             <a:endParaRPr lang="zh-CN" altLang="en-US"/>
           </a:p>
@@ -2858,6 +2853,7 @@
           <a:p>
             <a:fld id="{EF429EE8-1FE3-4EDB-A8CA-BA68A812CEF7}" type="slidenum">
               <a:rPr lang="zh-CN" altLang="en-US" smtClean="0"/>
+              <a:t>‹#›</a:t>
             </a:fld>
             <a:endParaRPr lang="zh-CN" altLang="en-US"/>
           </a:p>
@@ -3214,7 +3210,14 @@
         <p:cNvGrpSpPr/>
         <p:nvPr/>
       </p:nvGrpSpPr>
-      <p:grpSpPr/>
+      <p:grpSpPr>
+        <a:xfrm>
+          <a:off x="0" y="0"/>
+          <a:ext cx="0" cy="0"/>
+          <a:chOff x="0" y="0"/>
+          <a:chExt cx="0" cy="0"/>
+        </a:xfrm>
+      </p:grpSpPr>
       <p:sp>
         <p:nvSpPr>
           <p:cNvPr id="2" name="标题 1"/>
@@ -3228,12 +3231,12 @@
         <p:spPr/>
         <p:txBody>
           <a:bodyPr/>
+          <a:lstStyle/>
           <a:p>
             <a:r>
               <a:rPr lang="zh-CN" altLang="en-US"/>
               <a:t>编码和前端那些事</a:t>
             </a:r>
-            <a:endParaRPr lang="zh-CN" altLang="en-US"/>
           </a:p>
         </p:txBody>
       </p:sp>
@@ -3250,12 +3253,12 @@
         <p:spPr/>
         <p:txBody>
           <a:bodyPr/>
+          <a:lstStyle/>
           <a:p>
             <a:r>
               <a:rPr lang="en-US" altLang="zh-CN"/>
               <a:t>Kenko</a:t>
             </a:r>
-            <a:endParaRPr lang="en-US" altLang="zh-CN"/>
           </a:p>
         </p:txBody>
       </p:sp>
@@ -3279,7 +3282,14 @@
         <p:cNvGrpSpPr/>
         <p:nvPr/>
       </p:nvGrpSpPr>
-      <p:grpSpPr/>
+      <p:grpSpPr>
+        <a:xfrm>
+          <a:off x="0" y="0"/>
+          <a:ext cx="0" cy="0"/>
+          <a:chOff x="0" y="0"/>
+          <a:chExt cx="0" cy="0"/>
+        </a:xfrm>
+      </p:grpSpPr>
       <p:sp>
         <p:nvSpPr>
           <p:cNvPr id="2" name="标题 1"/>
@@ -3293,6 +3303,7 @@
         <p:spPr/>
         <p:txBody>
           <a:bodyPr/>
+          <a:lstStyle/>
           <a:p>
             <a:r>
               <a:rPr lang="zh-CN" altLang="en-US"/>
@@ -3306,7 +3317,6 @@
               <a:rPr lang="zh-CN" altLang="en-US"/>
               <a:t>解析库的坑</a:t>
             </a:r>
-            <a:endParaRPr lang="zh-CN" altLang="en-US"/>
           </a:p>
         </p:txBody>
       </p:sp>
@@ -3323,6 +3333,7 @@
         <p:spPr/>
         <p:txBody>
           <a:bodyPr/>
+          <a:lstStyle/>
           <a:p>
             <a:r>
               <a:rPr lang="zh-CN" altLang="en-US"/>
@@ -3340,14 +3351,12 @@
               <a:rPr lang="en-US" altLang="zh-CN"/>
               <a:t>exception</a:t>
             </a:r>
-            <a:endParaRPr lang="en-US" altLang="zh-CN"/>
           </a:p>
           <a:p>
             <a:r>
               <a:rPr lang="zh-CN" altLang="en-US"/>
               <a:t>表现：</a:t>
             </a:r>
-            <a:endParaRPr lang="zh-CN" altLang="en-US"/>
           </a:p>
           <a:p>
             <a:pPr lvl="1"/>
@@ -3355,7 +3364,6 @@
               <a:rPr lang="zh-CN" altLang="en-US"/>
               <a:t>无法启动游戏（抓人无法安排工作）</a:t>
             </a:r>
-            <a:endParaRPr lang="zh-CN" altLang="en-US"/>
           </a:p>
           <a:p>
             <a:pPr lvl="1"/>
@@ -3371,7 +3379,6 @@
               <a:rPr lang="zh-CN" altLang="en-US"/>
               <a:t>获取昵称</a:t>
             </a:r>
-            <a:endParaRPr lang="zh-CN" altLang="en-US"/>
           </a:p>
           <a:p>
             <a:pPr lvl="1"/>
@@ -3383,7 +3390,6 @@
               <a:rPr lang="zh-CN" altLang="en-US" sz="2400"/>
               <a:t>解决：</a:t>
             </a:r>
-            <a:endParaRPr lang="zh-CN" altLang="en-US" sz="2400"/>
           </a:p>
           <a:p>
             <a:pPr lvl="1"/>
@@ -3399,13 +3405,192 @@
               <a:rPr lang="zh-CN" altLang="en-US" sz="2000"/>
               <a:t>以上某些辅助平面做字符过滤</a:t>
             </a:r>
-            <a:endParaRPr lang="zh-CN" altLang="en-US" sz="2000"/>
           </a:p>
           <a:p>
             <a:endParaRPr lang="zh-CN" altLang="en-US"/>
           </a:p>
         </p:txBody>
       </p:sp>
+      <p:pic>
+        <p:nvPicPr>
+          <p:cNvPr id="4" name="图片 6">
+            <a:extLst>
+              <a:ext uri="{FF2B5EF4-FFF2-40B4-BE49-F238E27FC236}">
+                <a16:creationId xmlns:a16="http://schemas.microsoft.com/office/drawing/2014/main" id="{2628E62F-25CB-4B96-BDE4-2485A1B8B2E1}"/>
+              </a:ext>
+            </a:extLst>
+          </p:cNvPr>
+          <p:cNvPicPr>
+            <a:picLocks noChangeAspect="1" noChangeArrowheads="1"/>
+          </p:cNvPicPr>
+          <p:nvPr/>
+        </p:nvPicPr>
+        <p:blipFill>
+          <a:blip r:embed="rId3">
+            <a:extLst>
+              <a:ext uri="{28A0092B-C50C-407E-A947-70E740481C1C}">
+                <a14:useLocalDpi xmlns:a14="http://schemas.microsoft.com/office/drawing/2010/main" val="0"/>
+              </a:ext>
+            </a:extLst>
+          </a:blip>
+          <a:srcRect/>
+          <a:stretch>
+            <a:fillRect/>
+          </a:stretch>
+        </p:blipFill>
+        <p:spPr bwMode="auto">
+          <a:xfrm>
+            <a:off x="2242457" y="2351314"/>
+            <a:ext cx="1828800" cy="371475"/>
+          </a:xfrm>
+          <a:prstGeom prst="rect">
+            <a:avLst/>
+          </a:prstGeom>
+          <a:noFill/>
+          <a:ln>
+            <a:noFill/>
+          </a:ln>
+          <a:extLst>
+            <a:ext uri="{909E8E84-426E-40DD-AFC4-6F175D3DCCD1}">
+              <a14:hiddenFill xmlns:a14="http://schemas.microsoft.com/office/drawing/2010/main">
+                <a:solidFill>
+                  <a:srgbClr val="FFFFFF"/>
+                </a:solidFill>
+              </a14:hiddenFill>
+            </a:ext>
+            <a:ext uri="{91240B29-F687-4F45-9708-019B960494DF}">
+              <a14:hiddenLine xmlns:a14="http://schemas.microsoft.com/office/drawing/2010/main" w="9525">
+                <a:solidFill>
+                  <a:srgbClr val="000000"/>
+                </a:solidFill>
+                <a:miter lim="800000"/>
+                <a:headEnd/>
+                <a:tailEnd/>
+              </a14:hiddenLine>
+            </a:ext>
+          </a:extLst>
+        </p:spPr>
+      </p:pic>
+      <p:pic>
+        <p:nvPicPr>
+          <p:cNvPr id="5" name="图片 1">
+            <a:extLst>
+              <a:ext uri="{FF2B5EF4-FFF2-40B4-BE49-F238E27FC236}">
+                <a16:creationId xmlns:a16="http://schemas.microsoft.com/office/drawing/2014/main" id="{CFAA08A1-A4DE-49CB-86AB-09D468A4F616}"/>
+              </a:ext>
+            </a:extLst>
+          </p:cNvPr>
+          <p:cNvPicPr>
+            <a:picLocks noChangeAspect="1"/>
+          </p:cNvPicPr>
+          <p:nvPr/>
+        </p:nvPicPr>
+        <p:blipFill>
+          <a:blip r:embed="rId4">
+            <a:extLst>
+              <a:ext uri="{28A0092B-C50C-407E-A947-70E740481C1C}">
+                <a14:useLocalDpi xmlns:a14="http://schemas.microsoft.com/office/drawing/2010/main" val="0"/>
+              </a:ext>
+            </a:extLst>
+          </a:blip>
+          <a:srcRect/>
+          <a:stretch>
+            <a:fillRect/>
+          </a:stretch>
+        </p:blipFill>
+        <p:spPr bwMode="auto">
+          <a:xfrm>
+            <a:off x="1567543" y="5337376"/>
+            <a:ext cx="6629400" cy="285750"/>
+          </a:xfrm>
+          <a:prstGeom prst="rect">
+            <a:avLst/>
+          </a:prstGeom>
+          <a:noFill/>
+          <a:ln>
+            <a:noFill/>
+          </a:ln>
+          <a:extLst>
+            <a:ext uri="{909E8E84-426E-40DD-AFC4-6F175D3DCCD1}">
+              <a14:hiddenFill xmlns:a14="http://schemas.microsoft.com/office/drawing/2010/main">
+                <a:solidFill>
+                  <a:srgbClr val="FFFFFF"/>
+                </a:solidFill>
+              </a14:hiddenFill>
+            </a:ext>
+            <a:ext uri="{91240B29-F687-4F45-9708-019B960494DF}">
+              <a14:hiddenLine xmlns:a14="http://schemas.microsoft.com/office/drawing/2010/main" w="9525">
+                <a:solidFill>
+                  <a:srgbClr val="000000"/>
+                </a:solidFill>
+                <a:miter lim="800000"/>
+                <a:headEnd/>
+                <a:tailEnd/>
+              </a14:hiddenLine>
+            </a:ext>
+          </a:extLst>
+        </p:spPr>
+      </p:pic>
+      <p:pic>
+        <p:nvPicPr>
+          <p:cNvPr id="6" name="图片 3">
+            <a:extLst>
+              <a:ext uri="{FF2B5EF4-FFF2-40B4-BE49-F238E27FC236}">
+                <a16:creationId xmlns:a16="http://schemas.microsoft.com/office/drawing/2014/main" id="{A3F3CA8B-AC05-4C14-8F46-63CD27BE914D}"/>
+              </a:ext>
+            </a:extLst>
+          </p:cNvPr>
+          <p:cNvPicPr>
+            <a:picLocks noChangeAspect="1"/>
+          </p:cNvPicPr>
+          <p:nvPr/>
+        </p:nvPicPr>
+        <p:blipFill>
+          <a:blip r:embed="rId5">
+            <a:extLst>
+              <a:ext uri="{28A0092B-C50C-407E-A947-70E740481C1C}">
+                <a14:useLocalDpi xmlns:a14="http://schemas.microsoft.com/office/drawing/2010/main" val="0"/>
+              </a:ext>
+            </a:extLst>
+          </a:blip>
+          <a:srcRect/>
+          <a:stretch>
+            <a:fillRect/>
+          </a:stretch>
+        </p:blipFill>
+        <p:spPr bwMode="auto">
+          <a:xfrm>
+            <a:off x="7207704" y="2122191"/>
+            <a:ext cx="4429125" cy="2819400"/>
+          </a:xfrm>
+          <a:prstGeom prst="rect">
+            <a:avLst/>
+          </a:prstGeom>
+          <a:noFill/>
+          <a:ln>
+            <a:noFill/>
+          </a:ln>
+          <a:extLst>
+            <a:ext uri="{909E8E84-426E-40DD-AFC4-6F175D3DCCD1}">
+              <a14:hiddenFill xmlns:a14="http://schemas.microsoft.com/office/drawing/2010/main">
+                <a:solidFill>
+                  <a:srgbClr val="FFFFFF"/>
+                </a:solidFill>
+              </a14:hiddenFill>
+            </a:ext>
+            <a:ext uri="{91240B29-F687-4F45-9708-019B960494DF}">
+              <a14:hiddenLine xmlns:a14="http://schemas.microsoft.com/office/drawing/2010/main" w="9525">
+                <a:solidFill>
+                  <a:srgbClr val="000000"/>
+                </a:solidFill>
+                <a:miter lim="800000"/>
+                <a:headEnd/>
+                <a:tailEnd/>
+              </a14:hiddenLine>
+            </a:ext>
+          </a:extLst>
+        </p:spPr>
+      </p:pic>
     </p:spTree>
     <p:custDataLst>
       <p:tags r:id="rId1"/>
@@ -3426,7 +3611,14 @@
         <p:cNvGrpSpPr/>
         <p:nvPr/>
       </p:nvGrpSpPr>
-      <p:grpSpPr/>
+      <p:grpSpPr>
+        <a:xfrm>
+          <a:off x="0" y="0"/>
+          <a:ext cx="0" cy="0"/>
+          <a:chOff x="0" y="0"/>
+          <a:chExt cx="0" cy="0"/>
+        </a:xfrm>
+      </p:grpSpPr>
       <p:sp>
         <p:nvSpPr>
           <p:cNvPr id="2" name="标题 1"/>
@@ -3440,12 +3632,12 @@
         <p:spPr/>
         <p:txBody>
           <a:bodyPr/>
+          <a:lstStyle/>
           <a:p>
             <a:r>
               <a:rPr lang="en-US" altLang="zh-CN"/>
               <a:t>UTF-16</a:t>
             </a:r>
-            <a:endParaRPr lang="en-US" altLang="zh-CN"/>
           </a:p>
         </p:txBody>
       </p:sp>
@@ -3464,19 +3656,18 @@
           <a:bodyPr>
             <a:normAutofit fontScale="90000" lnSpcReduction="10000"/>
           </a:bodyPr>
+          <a:lstStyle/>
           <a:p>
             <a:r>
               <a:rPr lang="zh-CN" altLang="en-US"/>
               <a:t>UTF-16编码介于UTF-32与UTF-8之间</a:t>
             </a:r>
-            <a:endParaRPr lang="zh-CN" altLang="en-US"/>
           </a:p>
           <a:p>
             <a:r>
               <a:rPr lang="zh-CN" altLang="en-US"/>
               <a:t>变长编码</a:t>
             </a:r>
-            <a:endParaRPr lang="zh-CN" altLang="en-US"/>
           </a:p>
           <a:p>
             <a:pPr lvl="1"/>
@@ -3484,7 +3675,6 @@
               <a:rPr lang="zh-CN" altLang="en-US"/>
               <a:t>基本平面的字符占用2个字节，辅助平面的字符占用4个字节</a:t>
             </a:r>
-            <a:endParaRPr lang="zh-CN" altLang="en-US"/>
           </a:p>
           <a:p>
             <a:endParaRPr lang="zh-CN" altLang="en-US"/>
@@ -3518,7 +3708,6 @@
               <a:rPr lang="zh-CN" altLang="en-US"/>
               <a:t>个字节？</a:t>
             </a:r>
-            <a:endParaRPr lang="zh-CN" altLang="en-US"/>
           </a:p>
           <a:p>
             <a:pPr lvl="1"/>
@@ -3526,7 +3715,6 @@
               <a:rPr lang="zh-CN" altLang="en-US"/>
               <a:t>U+D800到U+DFFF是一个空段</a:t>
             </a:r>
-            <a:endParaRPr lang="zh-CN" altLang="en-US"/>
           </a:p>
           <a:p>
             <a:pPr lvl="1"/>
@@ -3542,7 +3730,6 @@
               <a:rPr lang="zh-CN" altLang="en-US"/>
               <a:t>个字节处理</a:t>
             </a:r>
-            <a:endParaRPr lang="zh-CN" altLang="en-US"/>
           </a:p>
           <a:p>
             <a:pPr lvl="1"/>
@@ -3550,7 +3737,6 @@
               <a:rPr lang="zh-CN" altLang="en-US"/>
               <a:t>细节：</a:t>
             </a:r>
-            <a:endParaRPr lang="zh-CN" altLang="en-US"/>
           </a:p>
           <a:p>
             <a:pPr lvl="2"/>
@@ -3566,7 +3752,6 @@
               <a:rPr lang="zh-CN" altLang="en-US"/>
               <a:t>个</a:t>
             </a:r>
-            <a:endParaRPr lang="zh-CN" altLang="en-US"/>
           </a:p>
           <a:p>
             <a:pPr lvl="2"/>
@@ -3574,7 +3759,6 @@
               <a:rPr lang="zh-CN" altLang="en-US" sz="1800"/>
               <a:t>前10位映射在U+D800到U+DBFF称为高位（H），后10位映射在U+DC00到U+DFFF，称为低位（L）</a:t>
             </a:r>
-            <a:endParaRPr lang="zh-CN" altLang="en-US" sz="1800"/>
           </a:p>
           <a:p>
             <a:pPr lvl="2"/>
@@ -3606,7 +3790,14 @@
         <p:cNvGrpSpPr/>
         <p:nvPr/>
       </p:nvGrpSpPr>
-      <p:grpSpPr/>
+      <p:grpSpPr>
+        <a:xfrm>
+          <a:off x="0" y="0"/>
+          <a:ext cx="0" cy="0"/>
+          <a:chOff x="0" y="0"/>
+          <a:chExt cx="0" cy="0"/>
+        </a:xfrm>
+      </p:grpSpPr>
       <p:sp>
         <p:nvSpPr>
           <p:cNvPr id="2" name="标题 1"/>
@@ -3620,26 +3811,26 @@
         <p:spPr/>
         <p:txBody>
           <a:bodyPr/>
+          <a:lstStyle/>
           <a:p>
             <a:r>
               <a:rPr lang="en-US" altLang="zh-CN"/>
-              <a:t>JavaScript</a:t>
-            </a:r>
-            <a:r>
-              <a:rPr lang="zh-CN" altLang="en-US"/>
-              <a:t>使用</a:t>
+              <a:t>HTML</a:t>
+            </a:r>
+            <a:r>
+              <a:rPr lang="zh-CN" altLang="en-US"/>
+              <a:t>和</a:t>
             </a:r>
             <a:r>
               <a:rPr lang="en-US" altLang="zh-CN"/>
-              <a:t>UCS-2</a:t>
-            </a:r>
-            <a:endParaRPr lang="en-US" altLang="zh-CN"/>
-          </a:p>
-        </p:txBody>
-      </p:sp>
-      <p:sp>
-        <p:nvSpPr>
-          <p:cNvPr id="3" name="内容占位符 2"/>
+              <a:t>Unicode</a:t>
+            </a:r>
+          </a:p>
+        </p:txBody>
+      </p:sp>
+      <p:sp>
+        <p:nvSpPr>
+          <p:cNvPr id="5" name="内容占位符 4"/>
           <p:cNvSpPr>
             <a:spLocks noGrp="1"/>
           </p:cNvSpPr>
@@ -3650,55 +3841,43 @@
         <p:spPr/>
         <p:txBody>
           <a:bodyPr/>
+          <a:lstStyle/>
           <a:p>
             <a:r>
               <a:rPr lang="en-US" altLang="zh-CN"/>
-              <a:t>UCS</a:t>
-            </a:r>
-            <a:r>
-              <a:rPr lang="zh-CN" altLang="en-US"/>
-              <a:t>（Universal Character Set）</a:t>
-            </a:r>
-            <a:endParaRPr lang="zh-CN" altLang="en-US"/>
-          </a:p>
-          <a:p>
-            <a:r>
-              <a:rPr lang="en-US" altLang="zh-CN"/>
-              <a:t>UCS2</a:t>
-            </a:r>
-            <a:r>
-              <a:rPr lang="zh-CN" altLang="en-US"/>
-              <a:t>合并到</a:t>
-            </a:r>
-            <a:r>
-              <a:rPr lang="en-US" altLang="zh-CN"/>
-              <a:t>UTF-16</a:t>
-            </a:r>
-            <a:endParaRPr lang="en-US" altLang="zh-CN"/>
-          </a:p>
-          <a:p>
-            <a:endParaRPr lang="zh-CN" altLang="en-US"/>
+              <a:t>&amp;# + </a:t>
+            </a:r>
+            <a:r>
+              <a:rPr lang="zh-CN" altLang="en-US"/>
+              <a:t>十进制</a:t>
+            </a:r>
+          </a:p>
+          <a:p>
+            <a:r>
+              <a:rPr lang="zh-CN" altLang="en-US"/>
+              <a:t>无论页面什么编码</a:t>
+            </a:r>
           </a:p>
         </p:txBody>
       </p:sp>
       <p:pic>
         <p:nvPicPr>
-          <p:cNvPr id="4" name="图片 3"/>
+          <p:cNvPr id="7" name="图片 6"/>
           <p:cNvPicPr>
             <a:picLocks noChangeAspect="1"/>
           </p:cNvPicPr>
           <p:nvPr/>
         </p:nvPicPr>
         <p:blipFill>
-          <a:blip r:embed="rId1"/>
+          <a:blip r:embed="rId3"/>
           <a:stretch>
             <a:fillRect/>
           </a:stretch>
         </p:blipFill>
         <p:spPr>
           <a:xfrm>
-            <a:off x="2762250" y="2894330"/>
-            <a:ext cx="6666865" cy="3666490"/>
+            <a:off x="5116830" y="2054860"/>
+            <a:ext cx="6236970" cy="1118235"/>
           </a:xfrm>
           <a:prstGeom prst="rect">
             <a:avLst/>
@@ -3707,7 +3886,7 @@
       </p:pic>
     </p:spTree>
     <p:custDataLst>
-      <p:tags r:id="rId2"/>
+      <p:tags r:id="rId1"/>
     </p:custDataLst>
   </p:cSld>
   <p:clrMapOvr>
@@ -3725,7 +3904,14 @@
         <p:cNvGrpSpPr/>
         <p:nvPr/>
       </p:nvGrpSpPr>
-      <p:grpSpPr/>
+      <p:grpSpPr>
+        <a:xfrm>
+          <a:off x="0" y="0"/>
+          <a:ext cx="0" cy="0"/>
+          <a:chOff x="0" y="0"/>
+          <a:chExt cx="0" cy="0"/>
+        </a:xfrm>
+      </p:grpSpPr>
       <p:sp>
         <p:nvSpPr>
           <p:cNvPr id="2" name="标题 1"/>
@@ -3738,29 +3924,348 @@
         </p:nvSpPr>
         <p:spPr/>
         <p:txBody>
-          <a:bodyPr>
-            <a:normAutofit/>
-          </a:bodyPr>
-          <a:p>
-            <a:r>
-              <a:rPr lang="en-US" altLang="zh-CN">
-                <a:sym typeface="+mn-ea"/>
+          <a:bodyPr/>
+          <a:lstStyle/>
+          <a:p>
+            <a:r>
+              <a:rPr lang="en-US" altLang="zh-CN"/>
+              <a:t>CSS</a:t>
+            </a:r>
+            <a:r>
+              <a:rPr lang="zh-CN" altLang="en-US"/>
+              <a:t>和</a:t>
+            </a:r>
+            <a:r>
+              <a:rPr lang="en-US" altLang="zh-CN"/>
+              <a:t>Unicode</a:t>
+            </a:r>
+          </a:p>
+        </p:txBody>
+      </p:sp>
+      <p:sp>
+        <p:nvSpPr>
+          <p:cNvPr id="3" name="内容占位符 2"/>
+          <p:cNvSpPr>
+            <a:spLocks noGrp="1"/>
+          </p:cNvSpPr>
+          <p:nvPr>
+            <p:ph idx="1"/>
+          </p:nvPr>
+        </p:nvSpPr>
+        <p:spPr/>
+        <p:txBody>
+          <a:bodyPr/>
+          <a:lstStyle/>
+          <a:p>
+            <a:r>
+              <a:rPr lang="en-US" altLang="zh-CN"/>
+              <a:t>\  +  </a:t>
+            </a:r>
+            <a:r>
+              <a:rPr lang="zh-CN" altLang="en-US"/>
+              <a:t>16进制</a:t>
+            </a:r>
+          </a:p>
+        </p:txBody>
+      </p:sp>
+      <p:pic>
+        <p:nvPicPr>
+          <p:cNvPr id="5" name="内容占位符 3"/>
+          <p:cNvPicPr>
+            <a:picLocks noChangeAspect="1"/>
+          </p:cNvPicPr>
+          <p:nvPr/>
+        </p:nvPicPr>
+        <p:blipFill>
+          <a:blip r:embed="rId3"/>
+          <a:stretch>
+            <a:fillRect/>
+          </a:stretch>
+        </p:blipFill>
+        <p:spPr>
+          <a:xfrm>
+            <a:off x="3858260" y="2481580"/>
+            <a:ext cx="4017010" cy="1354455"/>
+          </a:xfrm>
+          <a:prstGeom prst="rect">
+            <a:avLst/>
+          </a:prstGeom>
+        </p:spPr>
+      </p:pic>
+    </p:spTree>
+    <p:custDataLst>
+      <p:tags r:id="rId1"/>
+    </p:custDataLst>
+  </p:cSld>
+  <p:clrMapOvr>
+    <a:masterClrMapping/>
+  </p:clrMapOvr>
+</p:sld>
+</file>
+
+<file path=ppt/slides/slide14.xml><?xml version="1.0" encoding="utf-8"?>
+<p:sld xmlns:a="http://schemas.openxmlformats.org/drawingml/2006/main" xmlns:r="http://schemas.openxmlformats.org/officeDocument/2006/relationships" xmlns:p="http://schemas.openxmlformats.org/presentationml/2006/main">
+  <p:cSld>
+    <p:spTree>
+      <p:nvGrpSpPr>
+        <p:cNvPr id="1" name=""/>
+        <p:cNvGrpSpPr/>
+        <p:nvPr/>
+      </p:nvGrpSpPr>
+      <p:grpSpPr>
+        <a:xfrm>
+          <a:off x="0" y="0"/>
+          <a:ext cx="0" cy="0"/>
+          <a:chOff x="0" y="0"/>
+          <a:chExt cx="0" cy="0"/>
+        </a:xfrm>
+      </p:grpSpPr>
+      <p:sp>
+        <p:nvSpPr>
+          <p:cNvPr id="2" name="标题 1">
+            <a:extLst>
+              <a:ext uri="{FF2B5EF4-FFF2-40B4-BE49-F238E27FC236}">
+                <a16:creationId xmlns:a16="http://schemas.microsoft.com/office/drawing/2014/main" id="{2B95F076-579D-4D28-B643-802971224834}"/>
+              </a:ext>
+            </a:extLst>
+          </p:cNvPr>
+          <p:cNvSpPr>
+            <a:spLocks noGrp="1"/>
+          </p:cNvSpPr>
+          <p:nvPr>
+            <p:ph type="title"/>
+          </p:nvPr>
+        </p:nvSpPr>
+        <p:spPr/>
+        <p:txBody>
+          <a:bodyPr/>
+          <a:lstStyle/>
+          <a:p>
+            <a:r>
+              <a:rPr lang="en-US" altLang="zh-CN" dirty="0"/>
+              <a:t>JavaScript</a:t>
+            </a:r>
+            <a:r>
+              <a:rPr lang="zh-CN" altLang="en-US" dirty="0"/>
+              <a:t>和</a:t>
+            </a:r>
+            <a:r>
+              <a:rPr lang="en-US" altLang="zh-CN" dirty="0"/>
+              <a:t>Unicode</a:t>
+            </a:r>
+            <a:endParaRPr lang="zh-CN" altLang="en-US" dirty="0"/>
+          </a:p>
+        </p:txBody>
+      </p:sp>
+      <p:sp>
+        <p:nvSpPr>
+          <p:cNvPr id="3" name="内容占位符 2">
+            <a:extLst>
+              <a:ext uri="{FF2B5EF4-FFF2-40B4-BE49-F238E27FC236}">
+                <a16:creationId xmlns:a16="http://schemas.microsoft.com/office/drawing/2014/main" id="{A3B6835E-897B-425E-B3E0-1BD641BADA86}"/>
+              </a:ext>
+            </a:extLst>
+          </p:cNvPr>
+          <p:cNvSpPr>
+            <a:spLocks noGrp="1"/>
+          </p:cNvSpPr>
+          <p:nvPr>
+            <p:ph idx="1"/>
+          </p:nvPr>
+        </p:nvSpPr>
+        <p:spPr/>
+        <p:txBody>
+          <a:bodyPr/>
+          <a:lstStyle/>
+          <a:p>
+            <a:r>
+              <a:rPr lang="en-US" altLang="zh-CN" dirty="0"/>
+              <a:t>'\u0050’ ===  '\x50’ ===  ‘P’</a:t>
+            </a:r>
+          </a:p>
+          <a:p>
+            <a:r>
+              <a:rPr lang="en-US" altLang="zh-CN" dirty="0"/>
+              <a:t>4</a:t>
+            </a:r>
+            <a:r>
+              <a:rPr lang="zh-CN" altLang="en-US" dirty="0"/>
+              <a:t>个十六进制和</a:t>
+            </a:r>
+            <a:r>
+              <a:rPr lang="en-US" altLang="zh-CN" dirty="0"/>
+              <a:t>2</a:t>
+            </a:r>
+            <a:r>
+              <a:rPr lang="zh-CN" altLang="en-US" dirty="0"/>
+              <a:t>个十六进制</a:t>
+            </a:r>
+          </a:p>
+        </p:txBody>
+      </p:sp>
+    </p:spTree>
+    <p:extLst>
+      <p:ext uri="{BB962C8B-B14F-4D97-AF65-F5344CB8AC3E}">
+        <p14:creationId xmlns:p14="http://schemas.microsoft.com/office/powerpoint/2010/main" val="2513870300"/>
+      </p:ext>
+    </p:extLst>
+  </p:cSld>
+  <p:clrMapOvr>
+    <a:masterClrMapping/>
+  </p:clrMapOvr>
+</p:sld>
+</file>
+
+<file path=ppt/slides/slide15.xml><?xml version="1.0" encoding="utf-8"?>
+<p:sld xmlns:a="http://schemas.openxmlformats.org/drawingml/2006/main" xmlns:r="http://schemas.openxmlformats.org/officeDocument/2006/relationships" xmlns:p="http://schemas.openxmlformats.org/presentationml/2006/main">
+  <p:cSld>
+    <p:spTree>
+      <p:nvGrpSpPr>
+        <p:cNvPr id="1" name=""/>
+        <p:cNvGrpSpPr/>
+        <p:nvPr/>
+      </p:nvGrpSpPr>
+      <p:grpSpPr>
+        <a:xfrm>
+          <a:off x="0" y="0"/>
+          <a:ext cx="0" cy="0"/>
+          <a:chOff x="0" y="0"/>
+          <a:chExt cx="0" cy="0"/>
+        </a:xfrm>
+      </p:grpSpPr>
+      <p:sp>
+        <p:nvSpPr>
+          <p:cNvPr id="2" name="标题 1"/>
+          <p:cNvSpPr>
+            <a:spLocks noGrp="1"/>
+          </p:cNvSpPr>
+          <p:nvPr>
+            <p:ph type="title"/>
+          </p:nvPr>
+        </p:nvSpPr>
+        <p:spPr/>
+        <p:txBody>
+          <a:bodyPr/>
+          <a:lstStyle/>
+          <a:p>
+            <a:r>
+              <a:rPr lang="en-US" altLang="zh-CN"/>
+              <a:t>JSON</a:t>
+            </a:r>
+            <a:r>
+              <a:rPr lang="zh-CN" altLang="en-US"/>
+              <a:t>和</a:t>
+            </a:r>
+            <a:r>
+              <a:rPr lang="en-US" altLang="zh-CN"/>
+              <a:t>Unicode</a:t>
+            </a:r>
+          </a:p>
+        </p:txBody>
+      </p:sp>
+      <p:sp>
+        <p:nvSpPr>
+          <p:cNvPr id="3" name="内容占位符 2"/>
+          <p:cNvSpPr>
+            <a:spLocks noGrp="1"/>
+          </p:cNvSpPr>
+          <p:nvPr>
+            <p:ph idx="1"/>
+          </p:nvPr>
+        </p:nvSpPr>
+        <p:spPr/>
+        <p:txBody>
+          <a:bodyPr/>
+          <a:lstStyle/>
+          <a:p>
+            <a:r>
+              <a:rPr lang="zh-CN" altLang="en-US"/>
+              <a:t>{"errNum":0,"errMsg":"success","retData":[{"title":"</a:t>
+            </a:r>
+            <a:r>
+              <a:rPr lang="zh-CN" altLang="en-US" sz="2800">
+                <a:ln w="9525">
+                  <a:solidFill>
+                    <a:schemeClr val="bg1"/>
+                  </a:solidFill>
+                  <a:prstDash val="solid"/>
+                </a:ln>
+                <a:solidFill>
+                  <a:srgbClr val="FF0000"/>
+                </a:solidFill>
+                <a:effectLst>
+                  <a:outerShdw blurRad="12700" dist="38100" dir="2700000" algn="tl" rotWithShape="0">
+                    <a:schemeClr val="accent5">
+                      <a:lumMod val="60000"/>
+                      <a:lumOff val="40000"/>
+                    </a:schemeClr>
+                  </a:outerShdw>
+                </a:effectLst>
               </a:rPr>
+              <a:t>\u6536\u5e9f\u54c1\u5927\u53d4\u521a\u4e0a\u53f0\uff0c\u5c31\u60e8\u906d\u8bc4\u59d4\u706d\u706f\uff0c\u4f46\u63a5\u4e0b\u6765\u5168\u573a\u90fd\u9707\u60ca\u4e86\uff01</a:t>
+            </a:r>
+            <a:r>
+              <a:rPr lang="zh-CN" altLang="en-US"/>
+              <a:t>","url":"http:\/\/toutiao.com\/group\/6263036756505920002\/","abstract":"\u8ba2\u9605\u6211\u83b7\u53d6\u66f4\u591a\u7cbe\u5f69\u5185\u5bb9\uff01","image_url":"http:\/\/p1.pstatp.com\/list\/2f90009a31a7ee8bb15"}]}</a:t>
+            </a:r>
+          </a:p>
+        </p:txBody>
+      </p:sp>
+    </p:spTree>
+    <p:custDataLst>
+      <p:tags r:id="rId1"/>
+    </p:custDataLst>
+  </p:cSld>
+  <p:clrMapOvr>
+    <a:masterClrMapping/>
+  </p:clrMapOvr>
+</p:sld>
+</file>
+
+<file path=ppt/slides/slide16.xml><?xml version="1.0" encoding="utf-8"?>
+<p:sld xmlns:a="http://schemas.openxmlformats.org/drawingml/2006/main" xmlns:r="http://schemas.openxmlformats.org/officeDocument/2006/relationships" xmlns:p="http://schemas.openxmlformats.org/presentationml/2006/main">
+  <p:cSld>
+    <p:spTree>
+      <p:nvGrpSpPr>
+        <p:cNvPr id="1" name=""/>
+        <p:cNvGrpSpPr/>
+        <p:nvPr/>
+      </p:nvGrpSpPr>
+      <p:grpSpPr>
+        <a:xfrm>
+          <a:off x="0" y="0"/>
+          <a:ext cx="0" cy="0"/>
+          <a:chOff x="0" y="0"/>
+          <a:chExt cx="0" cy="0"/>
+        </a:xfrm>
+      </p:grpSpPr>
+      <p:sp>
+        <p:nvSpPr>
+          <p:cNvPr id="2" name="标题 1"/>
+          <p:cNvSpPr>
+            <a:spLocks noGrp="1"/>
+          </p:cNvSpPr>
+          <p:nvPr>
+            <p:ph type="title"/>
+          </p:nvPr>
+        </p:nvSpPr>
+        <p:spPr/>
+        <p:txBody>
+          <a:bodyPr/>
+          <a:lstStyle/>
+          <a:p>
+            <a:r>
+              <a:rPr lang="en-US" altLang="zh-CN" dirty="0"/>
               <a:t>JavaScript</a:t>
             </a:r>
             <a:r>
-              <a:rPr lang="zh-CN" altLang="en-US">
-                <a:sym typeface="+mn-ea"/>
-              </a:rPr>
-              <a:t>使用</a:t>
-            </a:r>
-            <a:r>
-              <a:rPr lang="en-US" altLang="zh-CN">
-                <a:sym typeface="+mn-ea"/>
-              </a:rPr>
-              <a:t>UCS-2</a:t>
-            </a:r>
-            <a:endParaRPr lang="zh-CN" altLang="en-US"/>
+              <a:rPr lang="zh-CN" altLang="en-US" dirty="0"/>
+              <a:t>和</a:t>
+            </a:r>
+            <a:r>
+              <a:rPr lang="en-US" altLang="zh-CN" dirty="0"/>
+              <a:t>Unicode</a:t>
+            </a:r>
           </a:p>
         </p:txBody>
       </p:sp>
@@ -3777,32 +4282,45 @@
         <p:spPr/>
         <p:txBody>
           <a:bodyPr/>
-          <a:p>
-            <a:r>
-              <a:rPr lang="en-US" altLang="zh-CN"/>
-              <a:t>Javascript</a:t>
-            </a:r>
-            <a:r>
-              <a:rPr lang="zh-CN" altLang="en-US"/>
-              <a:t>字符串都是</a:t>
-            </a:r>
-            <a:r>
-              <a:rPr lang="en-US" altLang="zh-CN"/>
-              <a:t>2</a:t>
-            </a:r>
-            <a:r>
-              <a:rPr lang="zh-CN" altLang="en-US"/>
-              <a:t>字节编码，</a:t>
-            </a:r>
-            <a:r>
-              <a:rPr lang="en-US" altLang="zh-CN"/>
-              <a:t>4</a:t>
-            </a:r>
-            <a:r>
-              <a:rPr lang="zh-CN" altLang="en-US"/>
-              <a:t>字节的字符当作双字节</a:t>
-            </a:r>
-            <a:endParaRPr lang="zh-CN" altLang="en-US"/>
+          <a:lstStyle/>
+          <a:p>
+            <a:r>
+              <a:rPr lang="en-US" altLang="zh-CN" dirty="0"/>
+              <a:t>JS</a:t>
+            </a:r>
+            <a:r>
+              <a:rPr lang="zh-CN" altLang="en-US" dirty="0"/>
+              <a:t>使用的字符集：</a:t>
+            </a:r>
+            <a:r>
+              <a:rPr lang="en-US" altLang="zh-CN" dirty="0"/>
+              <a:t>UCS</a:t>
+            </a:r>
+            <a:r>
+              <a:rPr lang="zh-CN" altLang="en-US" dirty="0"/>
+              <a:t>（Universal Character Set）</a:t>
+            </a:r>
+          </a:p>
+          <a:p>
+            <a:r>
+              <a:rPr lang="zh-CN" altLang="en-US" dirty="0"/>
+              <a:t>编码：</a:t>
+            </a:r>
+            <a:r>
+              <a:rPr lang="en-US" altLang="zh-CN" dirty="0"/>
+              <a:t>UCS2</a:t>
+            </a:r>
+            <a:r>
+              <a:rPr lang="zh-CN" altLang="en-US" dirty="0"/>
+              <a:t>合并到</a:t>
+            </a:r>
+            <a:r>
+              <a:rPr lang="en-US" altLang="zh-CN" dirty="0"/>
+              <a:t>UTF-16</a:t>
+            </a:r>
+          </a:p>
+          <a:p>
+            <a:endParaRPr lang="zh-CN" altLang="en-US" dirty="0"/>
           </a:p>
         </p:txBody>
       </p:sp>
@@ -3815,7 +4333,140 @@
           <p:nvPr/>
         </p:nvPicPr>
         <p:blipFill>
-          <a:blip r:embed="rId1"/>
+          <a:blip r:embed="rId3"/>
+          <a:stretch>
+            <a:fillRect/>
+          </a:stretch>
+        </p:blipFill>
+        <p:spPr>
+          <a:xfrm>
+            <a:off x="2762250" y="2894330"/>
+            <a:ext cx="6666865" cy="3666490"/>
+          </a:xfrm>
+          <a:prstGeom prst="rect">
+            <a:avLst/>
+          </a:prstGeom>
+        </p:spPr>
+      </p:pic>
+    </p:spTree>
+    <p:custDataLst>
+      <p:tags r:id="rId1"/>
+    </p:custDataLst>
+  </p:cSld>
+  <p:clrMapOvr>
+    <a:masterClrMapping/>
+  </p:clrMapOvr>
+</p:sld>
+</file>
+
+<file path=ppt/slides/slide17.xml><?xml version="1.0" encoding="utf-8"?>
+<p:sld xmlns:a="http://schemas.openxmlformats.org/drawingml/2006/main" xmlns:r="http://schemas.openxmlformats.org/officeDocument/2006/relationships" xmlns:p="http://schemas.openxmlformats.org/presentationml/2006/main">
+  <p:cSld>
+    <p:spTree>
+      <p:nvGrpSpPr>
+        <p:cNvPr id="1" name=""/>
+        <p:cNvGrpSpPr/>
+        <p:nvPr/>
+      </p:nvGrpSpPr>
+      <p:grpSpPr>
+        <a:xfrm>
+          <a:off x="0" y="0"/>
+          <a:ext cx="0" cy="0"/>
+          <a:chOff x="0" y="0"/>
+          <a:chExt cx="0" cy="0"/>
+        </a:xfrm>
+      </p:grpSpPr>
+      <p:sp>
+        <p:nvSpPr>
+          <p:cNvPr id="2" name="标题 1"/>
+          <p:cNvSpPr>
+            <a:spLocks noGrp="1"/>
+          </p:cNvSpPr>
+          <p:nvPr>
+            <p:ph type="title"/>
+          </p:nvPr>
+        </p:nvSpPr>
+        <p:spPr/>
+        <p:txBody>
+          <a:bodyPr>
+            <a:normAutofit/>
+          </a:bodyPr>
+          <a:lstStyle/>
+          <a:p>
+            <a:r>
+              <a:rPr lang="en-US" altLang="zh-CN">
+                <a:sym typeface="+mn-ea"/>
+              </a:rPr>
+              <a:t>JavaScript</a:t>
+            </a:r>
+            <a:r>
+              <a:rPr lang="zh-CN" altLang="en-US">
+                <a:sym typeface="+mn-ea"/>
+              </a:rPr>
+              <a:t>使用</a:t>
+            </a:r>
+            <a:r>
+              <a:rPr lang="en-US" altLang="zh-CN">
+                <a:sym typeface="+mn-ea"/>
+              </a:rPr>
+              <a:t>UCS-2</a:t>
+            </a:r>
+            <a:endParaRPr lang="zh-CN" altLang="en-US"/>
+          </a:p>
+        </p:txBody>
+      </p:sp>
+      <p:sp>
+        <p:nvSpPr>
+          <p:cNvPr id="3" name="内容占位符 2"/>
+          <p:cNvSpPr>
+            <a:spLocks noGrp="1"/>
+          </p:cNvSpPr>
+          <p:nvPr>
+            <p:ph idx="1"/>
+          </p:nvPr>
+        </p:nvSpPr>
+        <p:spPr/>
+        <p:txBody>
+          <a:bodyPr/>
+          <a:lstStyle/>
+          <a:p>
+            <a:r>
+              <a:rPr lang="en-US" altLang="zh-CN"/>
+              <a:t>Javascript</a:t>
+            </a:r>
+            <a:r>
+              <a:rPr lang="zh-CN" altLang="en-US"/>
+              <a:t>字符串都是</a:t>
+            </a:r>
+            <a:r>
+              <a:rPr lang="en-US" altLang="zh-CN"/>
+              <a:t>2</a:t>
+            </a:r>
+            <a:r>
+              <a:rPr lang="zh-CN" altLang="en-US"/>
+              <a:t>字节编码，</a:t>
+            </a:r>
+            <a:r>
+              <a:rPr lang="en-US" altLang="zh-CN"/>
+              <a:t>4</a:t>
+            </a:r>
+            <a:r>
+              <a:rPr lang="zh-CN" altLang="en-US"/>
+              <a:t>字节的字符当作双字节</a:t>
+            </a:r>
+          </a:p>
+        </p:txBody>
+      </p:sp>
+      <p:pic>
+        <p:nvPicPr>
+          <p:cNvPr id="4" name="图片 3"/>
+          <p:cNvPicPr>
+            <a:picLocks noChangeAspect="1"/>
+          </p:cNvPicPr>
+          <p:nvPr/>
+        </p:nvPicPr>
+        <p:blipFill>
+          <a:blip r:embed="rId3"/>
           <a:stretch>
             <a:fillRect/>
           </a:stretch>
@@ -3839,7 +4490,7 @@
           <p:nvPr/>
         </p:nvPicPr>
         <p:blipFill>
-          <a:blip r:embed="rId2"/>
+          <a:blip r:embed="rId4"/>
           <a:stretch>
             <a:fillRect/>
           </a:stretch>
@@ -3856,452 +4507,7 @@
       </p:pic>
     </p:spTree>
     <p:custDataLst>
-      <p:tags r:id="rId3"/>
-    </p:custDataLst>
-  </p:cSld>
-  <p:clrMapOvr>
-    <a:masterClrMapping/>
-  </p:clrMapOvr>
-</p:sld>
-</file>
-
-<file path=ppt/slides/slide14.xml><?xml version="1.0" encoding="utf-8"?>
-<p:sld xmlns:a="http://schemas.openxmlformats.org/drawingml/2006/main" xmlns:r="http://schemas.openxmlformats.org/officeDocument/2006/relationships" xmlns:p="http://schemas.openxmlformats.org/presentationml/2006/main">
-  <p:cSld>
-    <p:spTree>
-      <p:nvGrpSpPr>
-        <p:cNvPr id="1" name=""/>
-        <p:cNvGrpSpPr/>
-        <p:nvPr/>
-      </p:nvGrpSpPr>
-      <p:grpSpPr/>
-      <p:sp>
-        <p:nvSpPr>
-          <p:cNvPr id="2" name="标题 1"/>
-          <p:cNvSpPr>
-            <a:spLocks noGrp="1"/>
-          </p:cNvSpPr>
-          <p:nvPr>
-            <p:ph type="title"/>
-          </p:nvPr>
-        </p:nvSpPr>
-        <p:spPr/>
-        <p:txBody>
-          <a:bodyPr/>
-          <a:p>
-            <a:r>
-              <a:rPr lang="en-US" altLang="zh-CN"/>
-              <a:t>ES5</a:t>
-            </a:r>
-            <a:r>
-              <a:rPr lang="zh-CN" altLang="en-US"/>
-              <a:t>字符截断有坑</a:t>
-            </a:r>
-            <a:endParaRPr lang="zh-CN" altLang="en-US"/>
-          </a:p>
-        </p:txBody>
-      </p:sp>
-      <p:sp>
-        <p:nvSpPr>
-          <p:cNvPr id="3" name="内容占位符 2"/>
-          <p:cNvSpPr>
-            <a:spLocks noGrp="1"/>
-          </p:cNvSpPr>
-          <p:nvPr>
-            <p:ph idx="1"/>
-          </p:nvPr>
-        </p:nvSpPr>
-        <p:spPr/>
-        <p:txBody>
-          <a:bodyPr/>
-          <a:p>
-            <a:r>
-              <a:rPr lang="zh-CN" altLang="en-US"/>
-              <a:t>个人中心和售卡站都使用了字符串截断库函数</a:t>
-            </a:r>
-            <a:endParaRPr lang="zh-CN" altLang="en-US"/>
-          </a:p>
-          <a:p>
-            <a:r>
-              <a:rPr lang="zh-CN" altLang="en-US"/>
-              <a:t>中间可能报错了</a:t>
-            </a:r>
-            <a:endParaRPr lang="zh-CN" altLang="en-US"/>
-          </a:p>
-        </p:txBody>
-      </p:sp>
-      <p:pic>
-        <p:nvPicPr>
-          <p:cNvPr id="5" name="图片 4"/>
-          <p:cNvPicPr>
-            <a:picLocks noChangeAspect="1"/>
-          </p:cNvPicPr>
-          <p:nvPr/>
-        </p:nvPicPr>
-        <p:blipFill>
-          <a:blip r:embed="rId1"/>
-          <a:stretch>
-            <a:fillRect/>
-          </a:stretch>
-        </p:blipFill>
-        <p:spPr>
-          <a:xfrm>
-            <a:off x="1602105" y="3007995"/>
-            <a:ext cx="4588510" cy="3032125"/>
-          </a:xfrm>
-          <a:prstGeom prst="rect">
-            <a:avLst/>
-          </a:prstGeom>
-        </p:spPr>
-      </p:pic>
-      <p:pic>
-        <p:nvPicPr>
-          <p:cNvPr id="6" name="图片 5" descr="]S96L$TW}NZEP{U_`3`KY~T"/>
-          <p:cNvPicPr>
-            <a:picLocks noChangeAspect="1"/>
-          </p:cNvPicPr>
-          <p:nvPr/>
-        </p:nvPicPr>
-        <p:blipFill>
-          <a:blip r:embed="rId2"/>
-          <a:stretch>
-            <a:fillRect/>
-          </a:stretch>
-        </p:blipFill>
-        <p:spPr>
-          <a:xfrm>
-            <a:off x="7926705" y="1196975"/>
-            <a:ext cx="2852420" cy="5063490"/>
-          </a:xfrm>
-          <a:prstGeom prst="rect">
-            <a:avLst/>
-          </a:prstGeom>
-        </p:spPr>
-      </p:pic>
-    </p:spTree>
-    <p:custDataLst>
-      <p:tags r:id="rId3"/>
-    </p:custDataLst>
-  </p:cSld>
-  <p:clrMapOvr>
-    <a:masterClrMapping/>
-  </p:clrMapOvr>
-</p:sld>
-</file>
-
-<file path=ppt/slides/slide15.xml><?xml version="1.0" encoding="utf-8"?>
-<p:sld xmlns:a="http://schemas.openxmlformats.org/drawingml/2006/main" xmlns:r="http://schemas.openxmlformats.org/officeDocument/2006/relationships" xmlns:p="http://schemas.openxmlformats.org/presentationml/2006/main">
-  <p:cSld>
-    <p:spTree>
-      <p:nvGrpSpPr>
-        <p:cNvPr id="1" name=""/>
-        <p:cNvGrpSpPr/>
-        <p:nvPr/>
-      </p:nvGrpSpPr>
-      <p:grpSpPr/>
-      <p:sp>
-        <p:nvSpPr>
-          <p:cNvPr id="2" name="标题 1"/>
-          <p:cNvSpPr>
-            <a:spLocks noGrp="1"/>
-          </p:cNvSpPr>
-          <p:nvPr>
-            <p:ph type="title"/>
-          </p:nvPr>
-        </p:nvSpPr>
-        <p:spPr/>
-        <p:txBody>
-          <a:bodyPr/>
-          <a:p>
-            <a:r>
-              <a:rPr lang="en-US" altLang="zh-CN"/>
-              <a:t>ES6</a:t>
-            </a:r>
-            <a:r>
-              <a:rPr lang="zh-CN" altLang="en-US"/>
-              <a:t>的一些修正</a:t>
-            </a:r>
-            <a:endParaRPr lang="zh-CN" altLang="en-US"/>
-          </a:p>
-        </p:txBody>
-      </p:sp>
-      <p:sp>
-        <p:nvSpPr>
-          <p:cNvPr id="3" name="内容占位符 2"/>
-          <p:cNvSpPr>
-            <a:spLocks noGrp="1"/>
-          </p:cNvSpPr>
-          <p:nvPr>
-            <p:ph idx="1"/>
-          </p:nvPr>
-        </p:nvSpPr>
-        <p:spPr/>
-        <p:txBody>
-          <a:bodyPr/>
-          <a:p>
-            <a:r>
-              <a:rPr lang="zh-CN" altLang="en-US"/>
-              <a:t>自动识别</a:t>
-            </a:r>
-            <a:r>
-              <a:rPr lang="en-US" altLang="zh-CN"/>
-              <a:t>4</a:t>
-            </a:r>
-            <a:r>
-              <a:rPr lang="zh-CN" altLang="en-US"/>
-              <a:t>字节码点</a:t>
-            </a:r>
-            <a:endParaRPr lang="zh-CN" altLang="en-US"/>
-          </a:p>
-          <a:p>
-            <a:r>
-              <a:rPr lang="en-US" altLang="zh-CN"/>
-              <a:t>length</a:t>
-            </a:r>
-            <a:r>
-              <a:rPr lang="zh-CN" altLang="en-US"/>
-              <a:t>保持原有的特性，但这样可以正确获得字节数</a:t>
-            </a:r>
-            <a:endParaRPr lang="zh-CN" altLang="en-US"/>
-          </a:p>
-          <a:p>
-            <a:pPr lvl="1"/>
-            <a:r>
-              <a:rPr lang="zh-CN" altLang="en-US"/>
-              <a:t>Array.from(string).length</a:t>
-            </a:r>
-            <a:endParaRPr lang="zh-CN" altLang="en-US"/>
-          </a:p>
-          <a:p>
-            <a:pPr lvl="0"/>
-            <a:r>
-              <a:rPr lang="en-US" altLang="zh-CN"/>
-              <a:t>\u</a:t>
-            </a:r>
-            <a:r>
-              <a:rPr lang="zh-CN" altLang="en-US"/>
-              <a:t>表示法增加了括号</a:t>
-            </a:r>
-            <a:endParaRPr lang="zh-CN" altLang="en-US"/>
-          </a:p>
-          <a:p>
-            <a:pPr lvl="1"/>
-            <a:r>
-              <a:rPr lang="en-US" altLang="zh-CN"/>
-              <a:t>'\uD834\uDF06' == '\u{1D306}'</a:t>
-            </a:r>
-            <a:endParaRPr lang="en-US" altLang="zh-CN"/>
-          </a:p>
-        </p:txBody>
-      </p:sp>
-    </p:spTree>
-    <p:custDataLst>
       <p:tags r:id="rId1"/>
-    </p:custDataLst>
-  </p:cSld>
-  <p:clrMapOvr>
-    <a:masterClrMapping/>
-  </p:clrMapOvr>
-</p:sld>
-</file>
-
-<file path=ppt/slides/slide16.xml><?xml version="1.0" encoding="utf-8"?>
-<p:sld xmlns:a="http://schemas.openxmlformats.org/drawingml/2006/main" xmlns:r="http://schemas.openxmlformats.org/officeDocument/2006/relationships" xmlns:p="http://schemas.openxmlformats.org/presentationml/2006/main">
-  <p:cSld>
-    <p:spTree>
-      <p:nvGrpSpPr>
-        <p:cNvPr id="1" name=""/>
-        <p:cNvGrpSpPr/>
-        <p:nvPr/>
-      </p:nvGrpSpPr>
-      <p:grpSpPr/>
-      <p:sp>
-        <p:nvSpPr>
-          <p:cNvPr id="2" name="标题 1"/>
-          <p:cNvSpPr>
-            <a:spLocks noGrp="1"/>
-          </p:cNvSpPr>
-          <p:nvPr>
-            <p:ph type="title"/>
-          </p:nvPr>
-        </p:nvSpPr>
-        <p:spPr/>
-        <p:txBody>
-          <a:bodyPr/>
-          <a:p>
-            <a:r>
-              <a:rPr lang="en-US" altLang="zh-CN"/>
-              <a:t>JSON</a:t>
-            </a:r>
-            <a:r>
-              <a:rPr lang="zh-CN" altLang="en-US"/>
-              <a:t>和</a:t>
-            </a:r>
-            <a:r>
-              <a:rPr lang="en-US" altLang="zh-CN"/>
-              <a:t>Unicode</a:t>
-            </a:r>
-            <a:endParaRPr lang="en-US" altLang="zh-CN"/>
-          </a:p>
-        </p:txBody>
-      </p:sp>
-      <p:sp>
-        <p:nvSpPr>
-          <p:cNvPr id="3" name="内容占位符 2"/>
-          <p:cNvSpPr>
-            <a:spLocks noGrp="1"/>
-          </p:cNvSpPr>
-          <p:nvPr>
-            <p:ph idx="1"/>
-          </p:nvPr>
-        </p:nvSpPr>
-        <p:spPr/>
-        <p:txBody>
-          <a:bodyPr/>
-          <a:p>
-            <a:r>
-              <a:rPr lang="zh-CN" altLang="en-US"/>
-              <a:t>{"errNum":0,"errMsg":"success","retData":[{"title":"</a:t>
-            </a:r>
-            <a:r>
-              <a:rPr lang="zh-CN" altLang="en-US" sz="2800">
-                <a:ln w="9525">
-                  <a:solidFill>
-                    <a:schemeClr val="bg1"/>
-                  </a:solidFill>
-                  <a:prstDash val="solid"/>
-                </a:ln>
-                <a:solidFill>
-                  <a:srgbClr val="FF0000"/>
-                </a:solidFill>
-                <a:effectLst>
-                  <a:outerShdw blurRad="12700" dist="38100" dir="2700000" algn="tl" rotWithShape="0">
-                    <a:schemeClr val="accent5">
-                      <a:lumMod val="60000"/>
-                      <a:lumOff val="40000"/>
-                    </a:schemeClr>
-                  </a:outerShdw>
-                </a:effectLst>
-              </a:rPr>
-              <a:t>\u6536\u5e9f\u54c1\u5927\u53d4\u521a\u4e0a\u53f0\uff0c\u5c31\u60e8\u906d\u8bc4\u59d4\u706d\u706f\uff0c\u4f46\u63a5\u4e0b\u6765\u5168\u573a\u90fd\u9707\u60ca\u4e86\uff01</a:t>
-            </a:r>
-            <a:r>
-              <a:rPr lang="zh-CN" altLang="en-US"/>
-              <a:t>","url":"http:\/\/toutiao.com\/group\/6263036756505920002\/","abstract":"\u8ba2\u9605\u6211\u83b7\u53d6\u66f4\u591a\u7cbe\u5f69\u5185\u5bb9\uff01","image_url":"http:\/\/p1.pstatp.com\/list\/2f90009a31a7ee8bb15"}]}</a:t>
-            </a:r>
-            <a:endParaRPr lang="zh-CN" altLang="en-US"/>
-          </a:p>
-        </p:txBody>
-      </p:sp>
-    </p:spTree>
-    <p:custDataLst>
-      <p:tags r:id="rId1"/>
-    </p:custDataLst>
-  </p:cSld>
-  <p:clrMapOvr>
-    <a:masterClrMapping/>
-  </p:clrMapOvr>
-</p:sld>
-</file>
-
-<file path=ppt/slides/slide17.xml><?xml version="1.0" encoding="utf-8"?>
-<p:sld xmlns:a="http://schemas.openxmlformats.org/drawingml/2006/main" xmlns:r="http://schemas.openxmlformats.org/officeDocument/2006/relationships" xmlns:p="http://schemas.openxmlformats.org/presentationml/2006/main">
-  <p:cSld>
-    <p:spTree>
-      <p:nvGrpSpPr>
-        <p:cNvPr id="1" name=""/>
-        <p:cNvGrpSpPr/>
-        <p:nvPr/>
-      </p:nvGrpSpPr>
-      <p:grpSpPr/>
-      <p:sp>
-        <p:nvSpPr>
-          <p:cNvPr id="2" name="标题 1"/>
-          <p:cNvSpPr>
-            <a:spLocks noGrp="1"/>
-          </p:cNvSpPr>
-          <p:nvPr>
-            <p:ph type="title"/>
-          </p:nvPr>
-        </p:nvSpPr>
-        <p:spPr/>
-        <p:txBody>
-          <a:bodyPr/>
-          <a:p>
-            <a:r>
-              <a:rPr lang="en-US" altLang="zh-CN"/>
-              <a:t>HTML</a:t>
-            </a:r>
-            <a:r>
-              <a:rPr lang="zh-CN" altLang="en-US"/>
-              <a:t>和</a:t>
-            </a:r>
-            <a:r>
-              <a:rPr lang="en-US" altLang="zh-CN"/>
-              <a:t>Unicode</a:t>
-            </a:r>
-            <a:endParaRPr lang="en-US" altLang="zh-CN"/>
-          </a:p>
-        </p:txBody>
-      </p:sp>
-      <p:sp>
-        <p:nvSpPr>
-          <p:cNvPr id="5" name="内容占位符 4"/>
-          <p:cNvSpPr/>
-          <p:nvPr>
-            <p:ph idx="1"/>
-          </p:nvPr>
-        </p:nvSpPr>
-        <p:spPr/>
-        <p:txBody>
-          <a:bodyPr/>
-          <a:p>
-            <a:r>
-              <a:rPr lang="en-US" altLang="zh-CN"/>
-              <a:t>&amp;# + </a:t>
-            </a:r>
-            <a:r>
-              <a:rPr lang="zh-CN" altLang="en-US"/>
-              <a:t>十进制</a:t>
-            </a:r>
-            <a:endParaRPr lang="zh-CN" altLang="en-US"/>
-          </a:p>
-          <a:p>
-            <a:r>
-              <a:rPr lang="zh-CN" altLang="en-US"/>
-              <a:t>无论页面什么编码</a:t>
-            </a:r>
-            <a:endParaRPr lang="zh-CN" altLang="en-US"/>
-          </a:p>
-        </p:txBody>
-      </p:sp>
-      <p:pic>
-        <p:nvPicPr>
-          <p:cNvPr id="7" name="图片 6"/>
-          <p:cNvPicPr>
-            <a:picLocks noChangeAspect="1"/>
-          </p:cNvPicPr>
-          <p:nvPr/>
-        </p:nvPicPr>
-        <p:blipFill>
-          <a:blip r:embed="rId1"/>
-          <a:stretch>
-            <a:fillRect/>
-          </a:stretch>
-        </p:blipFill>
-        <p:spPr>
-          <a:xfrm>
-            <a:off x="5116830" y="2054860"/>
-            <a:ext cx="6236970" cy="1118235"/>
-          </a:xfrm>
-          <a:prstGeom prst="rect">
-            <a:avLst/>
-          </a:prstGeom>
-        </p:spPr>
-      </p:pic>
-    </p:spTree>
-    <p:custDataLst>
-      <p:tags r:id="rId2"/>
     </p:custDataLst>
   </p:cSld>
   <p:clrMapOvr>
@@ -4319,7 +4525,14 @@
         <p:cNvGrpSpPr/>
         <p:nvPr/>
       </p:nvGrpSpPr>
-      <p:grpSpPr/>
+      <p:grpSpPr>
+        <a:xfrm>
+          <a:off x="0" y="0"/>
+          <a:ext cx="0" cy="0"/>
+          <a:chOff x="0" y="0"/>
+          <a:chExt cx="0" cy="0"/>
+        </a:xfrm>
+      </p:grpSpPr>
       <p:sp>
         <p:nvSpPr>
           <p:cNvPr id="2" name="标题 1"/>
@@ -4333,20 +4546,16 @@
         <p:spPr/>
         <p:txBody>
           <a:bodyPr/>
-          <a:p>
-            <a:r>
-              <a:rPr lang="en-US" altLang="zh-CN"/>
-              <a:t>CSS</a:t>
-            </a:r>
-            <a:r>
-              <a:rPr lang="zh-CN" altLang="en-US"/>
-              <a:t>和</a:t>
-            </a:r>
-            <a:r>
-              <a:rPr lang="en-US" altLang="zh-CN"/>
-              <a:t>Unicode</a:t>
-            </a:r>
-            <a:endParaRPr lang="en-US" altLang="zh-CN"/>
+          <a:lstStyle/>
+          <a:p>
+            <a:r>
+              <a:rPr lang="en-US" altLang="zh-CN" dirty="0"/>
+              <a:t>ES5</a:t>
+            </a:r>
+            <a:r>
+              <a:rPr lang="zh-CN" altLang="en-US" dirty="0"/>
+              <a:t>字符截断有坑</a:t>
+            </a:r>
           </a:p>
         </p:txBody>
       </p:sp>
@@ -4363,37 +4572,57 @@
         <p:spPr/>
         <p:txBody>
           <a:bodyPr/>
-          <a:p>
-            <a:r>
-              <a:rPr lang="en-US" altLang="zh-CN"/>
-              <a:t>\  +  </a:t>
-            </a:r>
-            <a:r>
-              <a:rPr lang="zh-CN" altLang="en-US"/>
-              <a:t>16进制</a:t>
-            </a:r>
-            <a:endParaRPr lang="zh-CN" altLang="en-US"/>
+          <a:lstStyle/>
+          <a:p>
+            <a:r>
+              <a:rPr lang="zh-CN" altLang="en-US" dirty="0"/>
+              <a:t>个人中心和售卡站都使用了字符串截断库函数</a:t>
+            </a:r>
           </a:p>
         </p:txBody>
       </p:sp>
       <p:pic>
         <p:nvPicPr>
-          <p:cNvPr id="5" name="内容占位符 3"/>
+          <p:cNvPr id="5" name="图片 4"/>
           <p:cNvPicPr>
             <a:picLocks noChangeAspect="1"/>
           </p:cNvPicPr>
           <p:nvPr/>
         </p:nvPicPr>
         <p:blipFill>
-          <a:blip r:embed="rId1"/>
+          <a:blip r:embed="rId3"/>
           <a:stretch>
             <a:fillRect/>
           </a:stretch>
         </p:blipFill>
         <p:spPr>
           <a:xfrm>
-            <a:off x="3858260" y="2481580"/>
-            <a:ext cx="4017010" cy="1354455"/>
+            <a:off x="1787163" y="2818266"/>
+            <a:ext cx="4588510" cy="3032125"/>
+          </a:xfrm>
+          <a:prstGeom prst="rect">
+            <a:avLst/>
+          </a:prstGeom>
+        </p:spPr>
+      </p:pic>
+      <p:pic>
+        <p:nvPicPr>
+          <p:cNvPr id="6" name="图片 5" descr="]S96L$TW}NZEP{U_`3`KY~T"/>
+          <p:cNvPicPr>
+            <a:picLocks noChangeAspect="1"/>
+          </p:cNvPicPr>
+          <p:nvPr/>
+        </p:nvPicPr>
+        <p:blipFill>
+          <a:blip r:embed="rId4"/>
+          <a:stretch>
+            <a:fillRect/>
+          </a:stretch>
+        </p:blipFill>
+        <p:spPr>
+          <a:xfrm>
+            <a:off x="7926705" y="1196975"/>
+            <a:ext cx="2852420" cy="5063490"/>
           </a:xfrm>
           <a:prstGeom prst="rect">
             <a:avLst/>
@@ -4402,7 +4631,7 @@
       </p:pic>
     </p:spTree>
     <p:custDataLst>
-      <p:tags r:id="rId2"/>
+      <p:tags r:id="rId1"/>
     </p:custDataLst>
   </p:cSld>
   <p:clrMapOvr>
@@ -4420,10 +4649,23 @@
         <p:cNvGrpSpPr/>
         <p:nvPr/>
       </p:nvGrpSpPr>
-      <p:grpSpPr/>
-      <p:sp>
-        <p:nvSpPr>
-          <p:cNvPr id="2" name="标题 1"/>
+      <p:grpSpPr>
+        <a:xfrm>
+          <a:off x="0" y="0"/>
+          <a:ext cx="0" cy="0"/>
+          <a:chOff x="0" y="0"/>
+          <a:chExt cx="0" cy="0"/>
+        </a:xfrm>
+      </p:grpSpPr>
+      <p:sp>
+        <p:nvSpPr>
+          <p:cNvPr id="2" name="标题 1">
+            <a:extLst>
+              <a:ext uri="{FF2B5EF4-FFF2-40B4-BE49-F238E27FC236}">
+                <a16:creationId xmlns:a16="http://schemas.microsoft.com/office/drawing/2014/main" id="{06749B19-B30A-442D-874D-8150BC6F2987}"/>
+              </a:ext>
+            </a:extLst>
+          </p:cNvPr>
           <p:cNvSpPr>
             <a:spLocks noGrp="1"/>
           </p:cNvSpPr>
@@ -4434,26 +4676,28 @@
         <p:spPr/>
         <p:txBody>
           <a:bodyPr/>
-          <a:p>
-            <a:r>
-              <a:rPr lang="en-US" altLang="zh-CN"/>
-              <a:t>XSS</a:t>
-            </a:r>
-            <a:r>
-              <a:rPr lang="zh-CN" altLang="en-US"/>
-              <a:t>和</a:t>
-            </a:r>
-            <a:r>
-              <a:rPr lang="en-US" altLang="zh-CN"/>
-              <a:t>Unicode</a:t>
-            </a:r>
-            <a:endParaRPr lang="en-US" altLang="zh-CN"/>
-          </a:p>
-        </p:txBody>
-      </p:sp>
-      <p:sp>
-        <p:nvSpPr>
-          <p:cNvPr id="3" name="内容占位符 2"/>
+          <a:lstStyle/>
+          <a:p>
+            <a:r>
+              <a:rPr lang="en-US" altLang="zh-CN" dirty="0"/>
+              <a:t>ES5</a:t>
+            </a:r>
+            <a:r>
+              <a:rPr lang="zh-CN" altLang="en-US" dirty="0"/>
+              <a:t>字符截断有坑</a:t>
+            </a:r>
+          </a:p>
+        </p:txBody>
+      </p:sp>
+      <p:sp>
+        <p:nvSpPr>
+          <p:cNvPr id="3" name="内容占位符 2">
+            <a:extLst>
+              <a:ext uri="{FF2B5EF4-FFF2-40B4-BE49-F238E27FC236}">
+                <a16:creationId xmlns:a16="http://schemas.microsoft.com/office/drawing/2014/main" id="{D92D5018-E87B-4A86-888E-F200E86209B1}"/>
+              </a:ext>
+            </a:extLst>
+          </p:cNvPr>
           <p:cNvSpPr>
             <a:spLocks noGrp="1"/>
           </p:cNvSpPr>
@@ -4464,75 +4708,151 @@
         <p:spPr/>
         <p:txBody>
           <a:bodyPr>
-            <a:normAutofit/>
+            <a:normAutofit lnSpcReduction="10000"/>
           </a:bodyPr>
-          <a:p>
-            <a:r>
-              <a:rPr lang="zh-CN" altLang="en-US"/>
-              <a:t>混合</a:t>
-            </a:r>
-            <a:r>
-              <a:rPr lang="en-US" altLang="zh-CN"/>
-              <a:t>html</a:t>
-            </a:r>
-            <a:r>
-              <a:rPr lang="zh-CN" altLang="en-US"/>
-              <a:t>和</a:t>
-            </a:r>
-            <a:r>
-              <a:rPr lang="en-US" altLang="zh-CN"/>
-              <a:t>JS</a:t>
-            </a:r>
-            <a:r>
-              <a:rPr lang="zh-CN" altLang="en-US"/>
-              <a:t>的</a:t>
-            </a:r>
-            <a:r>
-              <a:rPr lang="en-US" altLang="zh-CN"/>
-              <a:t>unicode</a:t>
-            </a:r>
-            <a:endParaRPr lang="en-US" altLang="zh-CN"/>
-          </a:p>
-          <a:p>
-            <a:r>
-              <a:rPr lang="zh-CN" altLang="en-US"/>
-              <a:t>结合</a:t>
-            </a:r>
-            <a:r>
-              <a:rPr lang="en-US" altLang="zh-CN"/>
-              <a:t>urlencode</a:t>
-            </a:r>
-            <a:endParaRPr lang="en-US" altLang="zh-CN"/>
-          </a:p>
-          <a:p>
-            <a:r>
-              <a:rPr lang="zh-CN" altLang="en-US"/>
-              <a:t>例子：</a:t>
-            </a:r>
-            <a:endParaRPr lang="zh-CN" altLang="en-US"/>
+          <a:lstStyle/>
+          <a:p>
+            <a:r>
+              <a:rPr lang="zh-CN" altLang="en-US" dirty="0"/>
+              <a:t>实际测试发现</a:t>
+            </a:r>
+            <a:endParaRPr lang="en-US" altLang="zh-CN" dirty="0"/>
           </a:p>
           <a:p>
             <a:pPr lvl="1"/>
             <a:r>
-              <a:rPr lang="zh-CN" altLang="en-US"/>
-              <a:t>&lt;a href="javasc&amp;NewLine;ript&amp;colon;alert(1)"&gt;click&lt;/a&gt;</a:t>
-            </a:r>
-            <a:endParaRPr lang="zh-CN" altLang="en-US"/>
+              <a:rPr lang="zh-CN" altLang="en-US" dirty="0"/>
+              <a:t>不会</a:t>
+            </a:r>
+            <a:r>
+              <a:rPr lang="en-US" altLang="zh-CN" dirty="0" err="1"/>
+              <a:t>js</a:t>
+            </a:r>
+            <a:r>
+              <a:rPr lang="zh-CN" altLang="en-US" dirty="0"/>
+              <a:t>报错</a:t>
+            </a:r>
+            <a:endParaRPr lang="en-US" altLang="zh-CN" dirty="0"/>
           </a:p>
           <a:p>
             <a:pPr lvl="1"/>
             <a:r>
-              <a:rPr lang="zh-CN" altLang="en-US"/>
-              <a:t>&lt;img src="x" onerror="&amp;#97;&amp;#108;&amp;#101;&amp;#114;&amp;#116;&amp;#40;&amp;#49;&amp;#41;"&gt;</a:t>
-            </a:r>
-            <a:endParaRPr lang="zh-CN" altLang="en-US"/>
-          </a:p>
-        </p:txBody>
-      </p:sp>
+              <a:rPr lang="zh-CN" altLang="en-US" dirty="0"/>
+              <a:t>但截断逻辑不严谨</a:t>
+            </a:r>
+            <a:endParaRPr lang="en-US" altLang="zh-CN" dirty="0"/>
+          </a:p>
+          <a:p>
+            <a:pPr lvl="1"/>
+            <a:endParaRPr lang="en-US" altLang="zh-CN" dirty="0"/>
+          </a:p>
+          <a:p>
+            <a:pPr lvl="1"/>
+            <a:endParaRPr lang="en-US" altLang="zh-CN" dirty="0"/>
+          </a:p>
+          <a:p>
+            <a:r>
+              <a:rPr lang="zh-CN" altLang="en-US" dirty="0"/>
+              <a:t>用户昵称</a:t>
+            </a:r>
+            <a:endParaRPr lang="en-US" altLang="zh-CN" dirty="0"/>
+          </a:p>
+          <a:p>
+            <a:pPr lvl="1"/>
+            <a:r>
+              <a:rPr lang="zh-CN" altLang="en-US" dirty="0"/>
+              <a:t>ˊ</a:t>
+            </a:r>
+            <a:br>
+              <a:rPr lang="zh-CN" altLang="en-US" dirty="0"/>
+            </a:br>
+            <a:br>
+              <a:rPr lang="zh-CN" altLang="en-US" dirty="0"/>
+            </a:br>
+            <a:r>
+              <a:rPr lang="zh-CN" altLang="en-US" dirty="0"/>
+              <a:t>上</a:t>
+            </a:r>
+            <a:br>
+              <a:rPr lang="zh-CN" altLang="en-US" dirty="0"/>
+            </a:br>
+            <a:r>
+              <a:rPr lang="zh-CN" altLang="en-US" dirty="0"/>
+              <a:t>帝</a:t>
+            </a:r>
+          </a:p>
+          <a:p>
+            <a:pPr lvl="1"/>
+            <a:endParaRPr lang="zh-CN" altLang="en-US" dirty="0"/>
+          </a:p>
+        </p:txBody>
+      </p:sp>
+      <p:pic>
+        <p:nvPicPr>
+          <p:cNvPr id="4" name="图片 3">
+            <a:extLst>
+              <a:ext uri="{FF2B5EF4-FFF2-40B4-BE49-F238E27FC236}">
+                <a16:creationId xmlns:a16="http://schemas.microsoft.com/office/drawing/2014/main" id="{9E33F2DA-25B3-446D-A1EB-A05A5B22AC93}"/>
+              </a:ext>
+            </a:extLst>
+          </p:cNvPr>
+          <p:cNvPicPr>
+            <a:picLocks noChangeAspect="1"/>
+          </p:cNvPicPr>
+          <p:nvPr/>
+        </p:nvPicPr>
+        <p:blipFill>
+          <a:blip r:embed="rId2"/>
+          <a:stretch>
+            <a:fillRect/>
+          </a:stretch>
+        </p:blipFill>
+        <p:spPr>
+          <a:xfrm>
+            <a:off x="6096000" y="360552"/>
+            <a:ext cx="5269781" cy="6132323"/>
+          </a:xfrm>
+          <a:prstGeom prst="rect">
+            <a:avLst/>
+          </a:prstGeom>
+        </p:spPr>
+      </p:pic>
+      <p:pic>
+        <p:nvPicPr>
+          <p:cNvPr id="5" name="图片 4">
+            <a:extLst>
+              <a:ext uri="{FF2B5EF4-FFF2-40B4-BE49-F238E27FC236}">
+                <a16:creationId xmlns:a16="http://schemas.microsoft.com/office/drawing/2014/main" id="{D250396F-7A40-4FC1-A55A-86B1D3A1703A}"/>
+              </a:ext>
+            </a:extLst>
+          </p:cNvPr>
+          <p:cNvPicPr>
+            <a:picLocks noChangeAspect="1"/>
+          </p:cNvPicPr>
+          <p:nvPr/>
+        </p:nvPicPr>
+        <p:blipFill>
+          <a:blip r:embed="rId3"/>
+          <a:stretch>
+            <a:fillRect/>
+          </a:stretch>
+        </p:blipFill>
+        <p:spPr>
+          <a:xfrm>
+            <a:off x="2390200" y="4289806"/>
+            <a:ext cx="2051171" cy="2282942"/>
+          </a:xfrm>
+          <a:prstGeom prst="rect">
+            <a:avLst/>
+          </a:prstGeom>
+        </p:spPr>
+      </p:pic>
     </p:spTree>
-    <p:custDataLst>
-      <p:tags r:id="rId1"/>
-    </p:custDataLst>
+    <p:extLst>
+      <p:ext uri="{BB962C8B-B14F-4D97-AF65-F5344CB8AC3E}">
+        <p14:creationId xmlns:p14="http://schemas.microsoft.com/office/powerpoint/2010/main" val="1196105275"/>
+      </p:ext>
+    </p:extLst>
   </p:cSld>
   <p:clrMapOvr>
     <a:masterClrMapping/>
@@ -4549,7 +4869,14 @@
         <p:cNvGrpSpPr/>
         <p:nvPr/>
       </p:nvGrpSpPr>
-      <p:grpSpPr/>
+      <p:grpSpPr>
+        <a:xfrm>
+          <a:off x="0" y="0"/>
+          <a:ext cx="0" cy="0"/>
+          <a:chOff x="0" y="0"/>
+          <a:chExt cx="0" cy="0"/>
+        </a:xfrm>
+      </p:grpSpPr>
       <p:sp>
         <p:nvSpPr>
           <p:cNvPr id="2" name="标题 1"/>
@@ -4563,12 +4890,12 @@
         <p:spPr/>
         <p:txBody>
           <a:bodyPr/>
+          <a:lstStyle/>
           <a:p>
             <a:r>
               <a:rPr lang="zh-CN" altLang="en-US"/>
               <a:t>世界第一条电报</a:t>
             </a:r>
-            <a:endParaRPr lang="zh-CN" altLang="en-US"/>
           </a:p>
         </p:txBody>
       </p:sp>
@@ -4585,12 +4912,12 @@
         <p:spPr/>
         <p:txBody>
           <a:bodyPr/>
+          <a:lstStyle/>
           <a:p>
             <a:r>
               <a:rPr lang="zh-CN" altLang="en-US"/>
               <a:t>1837年，世界第一条电报诞生</a:t>
             </a:r>
-            <a:endParaRPr lang="zh-CN" altLang="en-US"/>
           </a:p>
         </p:txBody>
       </p:sp>
@@ -4603,7 +4930,7 @@
           <p:nvPr/>
         </p:nvPicPr>
         <p:blipFill>
-          <a:blip r:embed="rId1"/>
+          <a:blip r:embed="rId3"/>
           <a:stretch>
             <a:fillRect/>
           </a:stretch>
@@ -4620,7 +4947,7 @@
       </p:pic>
     </p:spTree>
     <p:custDataLst>
-      <p:tags r:id="rId2"/>
+      <p:tags r:id="rId1"/>
     </p:custDataLst>
   </p:cSld>
   <p:clrMapOvr>
@@ -4638,7 +4965,14 @@
         <p:cNvGrpSpPr/>
         <p:nvPr/>
       </p:nvGrpSpPr>
-      <p:grpSpPr/>
+      <p:grpSpPr>
+        <a:xfrm>
+          <a:off x="0" y="0"/>
+          <a:ext cx="0" cy="0"/>
+          <a:chOff x="0" y="0"/>
+          <a:chExt cx="0" cy="0"/>
+        </a:xfrm>
+      </p:grpSpPr>
       <p:sp>
         <p:nvSpPr>
           <p:cNvPr id="2" name="标题 1"/>
@@ -4652,26 +4986,16 @@
         <p:spPr/>
         <p:txBody>
           <a:bodyPr/>
-          <a:p>
-            <a:r>
-              <a:rPr lang="en-US" altLang="zh-CN">
-                <a:sym typeface="+mn-ea"/>
-              </a:rPr>
-              <a:t>XSS</a:t>
-            </a:r>
-            <a:r>
-              <a:rPr lang="zh-CN" altLang="en-US">
-                <a:sym typeface="+mn-ea"/>
-              </a:rPr>
-              <a:t>和</a:t>
-            </a:r>
-            <a:r>
-              <a:rPr lang="en-US" altLang="zh-CN">
-                <a:sym typeface="+mn-ea"/>
-              </a:rPr>
-              <a:t>Unicode</a:t>
-            </a:r>
-            <a:endParaRPr lang="zh-CN" altLang="en-US"/>
+          <a:lstStyle/>
+          <a:p>
+            <a:r>
+              <a:rPr lang="en-US" altLang="zh-CN"/>
+              <a:t>ES6</a:t>
+            </a:r>
+            <a:r>
+              <a:rPr lang="zh-CN" altLang="en-US"/>
+              <a:t>的一些修正</a:t>
+            </a:r>
           </a:p>
         </p:txBody>
       </p:sp>
@@ -4688,48 +5012,55 @@
         <p:spPr/>
         <p:txBody>
           <a:bodyPr/>
-          <a:p>
-            <a:r>
-              <a:rPr lang="zh-CN" altLang="en-US"/>
-              <a:t>防范</a:t>
-            </a:r>
-            <a:endParaRPr lang="zh-CN" altLang="en-US"/>
+          <a:lstStyle/>
+          <a:p>
+            <a:r>
+              <a:rPr lang="zh-CN" altLang="en-US"/>
+              <a:t>自动识别</a:t>
+            </a:r>
+            <a:r>
+              <a:rPr lang="en-US" altLang="zh-CN"/>
+              <a:t>4</a:t>
+            </a:r>
+            <a:r>
+              <a:rPr lang="zh-CN" altLang="en-US"/>
+              <a:t>字节码点</a:t>
+            </a:r>
+          </a:p>
+          <a:p>
+            <a:r>
+              <a:rPr lang="en-US" altLang="zh-CN"/>
+              <a:t>length</a:t>
+            </a:r>
+            <a:r>
+              <a:rPr lang="zh-CN" altLang="en-US"/>
+              <a:t>保持原有的特性，但这样可以正确获得字节数</a:t>
+            </a:r>
           </a:p>
           <a:p>
             <a:pPr lvl="1"/>
             <a:r>
               <a:rPr lang="zh-CN" altLang="en-US"/>
-              <a:t>模版不要动态填充属性</a:t>
-            </a:r>
-            <a:endParaRPr lang="zh-CN" altLang="en-US"/>
-          </a:p>
-          <a:p>
-            <a:pPr lvl="2"/>
+              <a:t>Array.from(string).length</a:t>
+            </a:r>
+          </a:p>
+          <a:p>
+            <a:pPr lvl="0"/>
             <a:r>
               <a:rPr lang="en-US" altLang="zh-CN"/>
-              <a:t>&lt;img &lt;%=attrName%&gt;=&lt;%=attarValue%&gt; /&gt;</a:t>
-            </a:r>
-            <a:endParaRPr lang="en-US" altLang="zh-CN"/>
+              <a:t>\u</a:t>
+            </a:r>
+            <a:r>
+              <a:rPr lang="zh-CN" altLang="en-US"/>
+              <a:t>表示法增加了括号</a:t>
+            </a:r>
           </a:p>
           <a:p>
             <a:pPr lvl="1"/>
             <a:r>
               <a:rPr lang="en-US" altLang="zh-CN"/>
-              <a:t>href</a:t>
-            </a:r>
-            <a:r>
-              <a:rPr lang="zh-CN" altLang="en-US"/>
-              <a:t>的填充要分外注意</a:t>
-            </a:r>
-            <a:endParaRPr lang="zh-CN" altLang="en-US"/>
-          </a:p>
-          <a:p>
-            <a:pPr lvl="2"/>
-            <a:r>
-              <a:rPr lang="zh-CN" altLang="en-US"/>
-              <a:t>最好强校验域名前缀</a:t>
-            </a:r>
-            <a:endParaRPr lang="en-US" altLang="zh-CN"/>
+              <a:t>'\uD834\uDF06' == '\u{1D306}'</a:t>
+            </a:r>
           </a:p>
         </p:txBody>
       </p:sp>
@@ -4753,7 +5084,14 @@
         <p:cNvGrpSpPr/>
         <p:nvPr/>
       </p:nvGrpSpPr>
-      <p:grpSpPr/>
+      <p:grpSpPr>
+        <a:xfrm>
+          <a:off x="0" y="0"/>
+          <a:ext cx="0" cy="0"/>
+          <a:chOff x="0" y="0"/>
+          <a:chExt cx="0" cy="0"/>
+        </a:xfrm>
+      </p:grpSpPr>
       <p:sp>
         <p:nvSpPr>
           <p:cNvPr id="2" name="标题 1"/>
@@ -4767,12 +5105,264 @@
         <p:spPr/>
         <p:txBody>
           <a:bodyPr/>
+          <a:lstStyle/>
+          <a:p>
+            <a:r>
+              <a:rPr lang="en-US" altLang="zh-CN"/>
+              <a:t>XSS</a:t>
+            </a:r>
+            <a:r>
+              <a:rPr lang="zh-CN" altLang="en-US"/>
+              <a:t>和</a:t>
+            </a:r>
+            <a:r>
+              <a:rPr lang="en-US" altLang="zh-CN"/>
+              <a:t>Unicode</a:t>
+            </a:r>
+          </a:p>
+        </p:txBody>
+      </p:sp>
+      <p:sp>
+        <p:nvSpPr>
+          <p:cNvPr id="3" name="内容占位符 2"/>
+          <p:cNvSpPr>
+            <a:spLocks noGrp="1"/>
+          </p:cNvSpPr>
+          <p:nvPr>
+            <p:ph idx="1"/>
+          </p:nvPr>
+        </p:nvSpPr>
+        <p:spPr/>
+        <p:txBody>
+          <a:bodyPr>
+            <a:normAutofit/>
+          </a:bodyPr>
+          <a:lstStyle/>
+          <a:p>
+            <a:r>
+              <a:rPr lang="zh-CN" altLang="en-US"/>
+              <a:t>混合</a:t>
+            </a:r>
+            <a:r>
+              <a:rPr lang="en-US" altLang="zh-CN"/>
+              <a:t>html</a:t>
+            </a:r>
+            <a:r>
+              <a:rPr lang="zh-CN" altLang="en-US"/>
+              <a:t>和</a:t>
+            </a:r>
+            <a:r>
+              <a:rPr lang="en-US" altLang="zh-CN"/>
+              <a:t>JS</a:t>
+            </a:r>
+            <a:r>
+              <a:rPr lang="zh-CN" altLang="en-US"/>
+              <a:t>的</a:t>
+            </a:r>
+            <a:r>
+              <a:rPr lang="en-US" altLang="zh-CN"/>
+              <a:t>unicode</a:t>
+            </a:r>
+          </a:p>
+          <a:p>
+            <a:r>
+              <a:rPr lang="zh-CN" altLang="en-US"/>
+              <a:t>结合</a:t>
+            </a:r>
+            <a:r>
+              <a:rPr lang="en-US" altLang="zh-CN"/>
+              <a:t>urlencode</a:t>
+            </a:r>
+          </a:p>
+          <a:p>
+            <a:r>
+              <a:rPr lang="zh-CN" altLang="en-US"/>
+              <a:t>例子：</a:t>
+            </a:r>
+          </a:p>
+          <a:p>
+            <a:pPr lvl="1"/>
+            <a:r>
+              <a:rPr lang="zh-CN" altLang="en-US"/>
+              <a:t>&lt;a href="javasc&amp;NewLine;ript&amp;colon;alert(1)"&gt;click&lt;/a&gt;</a:t>
+            </a:r>
+          </a:p>
+          <a:p>
+            <a:pPr lvl="1"/>
+            <a:r>
+              <a:rPr lang="zh-CN" altLang="en-US"/>
+              <a:t>&lt;img src="x" onerror="&amp;#97;&amp;#108;&amp;#101;&amp;#114;&amp;#116;&amp;#40;&amp;#49;&amp;#41;"&gt;</a:t>
+            </a:r>
+          </a:p>
+        </p:txBody>
+      </p:sp>
+    </p:spTree>
+    <p:custDataLst>
+      <p:tags r:id="rId1"/>
+    </p:custDataLst>
+  </p:cSld>
+  <p:clrMapOvr>
+    <a:masterClrMapping/>
+  </p:clrMapOvr>
+</p:sld>
+</file>
+
+<file path=ppt/slides/slide22.xml><?xml version="1.0" encoding="utf-8"?>
+<p:sld xmlns:a="http://schemas.openxmlformats.org/drawingml/2006/main" xmlns:r="http://schemas.openxmlformats.org/officeDocument/2006/relationships" xmlns:p="http://schemas.openxmlformats.org/presentationml/2006/main">
+  <p:cSld>
+    <p:spTree>
+      <p:nvGrpSpPr>
+        <p:cNvPr id="1" name=""/>
+        <p:cNvGrpSpPr/>
+        <p:nvPr/>
+      </p:nvGrpSpPr>
+      <p:grpSpPr>
+        <a:xfrm>
+          <a:off x="0" y="0"/>
+          <a:ext cx="0" cy="0"/>
+          <a:chOff x="0" y="0"/>
+          <a:chExt cx="0" cy="0"/>
+        </a:xfrm>
+      </p:grpSpPr>
+      <p:sp>
+        <p:nvSpPr>
+          <p:cNvPr id="2" name="标题 1"/>
+          <p:cNvSpPr>
+            <a:spLocks noGrp="1"/>
+          </p:cNvSpPr>
+          <p:nvPr>
+            <p:ph type="title"/>
+          </p:nvPr>
+        </p:nvSpPr>
+        <p:spPr/>
+        <p:txBody>
+          <a:bodyPr/>
+          <a:lstStyle/>
+          <a:p>
+            <a:r>
+              <a:rPr lang="en-US" altLang="zh-CN">
+                <a:sym typeface="+mn-ea"/>
+              </a:rPr>
+              <a:t>XSS</a:t>
+            </a:r>
+            <a:r>
+              <a:rPr lang="zh-CN" altLang="en-US">
+                <a:sym typeface="+mn-ea"/>
+              </a:rPr>
+              <a:t>和</a:t>
+            </a:r>
+            <a:r>
+              <a:rPr lang="en-US" altLang="zh-CN">
+                <a:sym typeface="+mn-ea"/>
+              </a:rPr>
+              <a:t>Unicode</a:t>
+            </a:r>
+            <a:endParaRPr lang="zh-CN" altLang="en-US"/>
+          </a:p>
+        </p:txBody>
+      </p:sp>
+      <p:sp>
+        <p:nvSpPr>
+          <p:cNvPr id="3" name="内容占位符 2"/>
+          <p:cNvSpPr>
+            <a:spLocks noGrp="1"/>
+          </p:cNvSpPr>
+          <p:nvPr>
+            <p:ph idx="1"/>
+          </p:nvPr>
+        </p:nvSpPr>
+        <p:spPr/>
+        <p:txBody>
+          <a:bodyPr/>
+          <a:lstStyle/>
+          <a:p>
+            <a:r>
+              <a:rPr lang="zh-CN" altLang="en-US"/>
+              <a:t>防范</a:t>
+            </a:r>
+          </a:p>
+          <a:p>
+            <a:pPr lvl="1"/>
+            <a:r>
+              <a:rPr lang="zh-CN" altLang="en-US"/>
+              <a:t>模版不要动态填充属性</a:t>
+            </a:r>
+          </a:p>
+          <a:p>
+            <a:pPr lvl="2"/>
+            <a:r>
+              <a:rPr lang="en-US" altLang="zh-CN"/>
+              <a:t>&lt;img &lt;%=attrName%&gt;=&lt;%=attarValue%&gt; /&gt;</a:t>
+            </a:r>
+          </a:p>
+          <a:p>
+            <a:pPr lvl="1"/>
+            <a:r>
+              <a:rPr lang="en-US" altLang="zh-CN"/>
+              <a:t>href</a:t>
+            </a:r>
+            <a:r>
+              <a:rPr lang="zh-CN" altLang="en-US"/>
+              <a:t>的填充要分外注意</a:t>
+            </a:r>
+          </a:p>
+          <a:p>
+            <a:pPr lvl="2"/>
+            <a:r>
+              <a:rPr lang="zh-CN" altLang="en-US"/>
+              <a:t>最好强校验域名前缀</a:t>
+            </a:r>
+            <a:endParaRPr lang="en-US" altLang="zh-CN"/>
+          </a:p>
+        </p:txBody>
+      </p:sp>
+    </p:spTree>
+    <p:custDataLst>
+      <p:tags r:id="rId1"/>
+    </p:custDataLst>
+  </p:cSld>
+  <p:clrMapOvr>
+    <a:masterClrMapping/>
+  </p:clrMapOvr>
+</p:sld>
+</file>
+
+<file path=ppt/slides/slide23.xml><?xml version="1.0" encoding="utf-8"?>
+<p:sld xmlns:a="http://schemas.openxmlformats.org/drawingml/2006/main" xmlns:r="http://schemas.openxmlformats.org/officeDocument/2006/relationships" xmlns:p="http://schemas.openxmlformats.org/presentationml/2006/main">
+  <p:cSld>
+    <p:spTree>
+      <p:nvGrpSpPr>
+        <p:cNvPr id="1" name=""/>
+        <p:cNvGrpSpPr/>
+        <p:nvPr/>
+      </p:nvGrpSpPr>
+      <p:grpSpPr>
+        <a:xfrm>
+          <a:off x="0" y="0"/>
+          <a:ext cx="0" cy="0"/>
+          <a:chOff x="0" y="0"/>
+          <a:chExt cx="0" cy="0"/>
+        </a:xfrm>
+      </p:grpSpPr>
+      <p:sp>
+        <p:nvSpPr>
+          <p:cNvPr id="2" name="标题 1"/>
+          <p:cNvSpPr>
+            <a:spLocks noGrp="1"/>
+          </p:cNvSpPr>
+          <p:nvPr>
+            <p:ph type="title"/>
+          </p:nvPr>
+        </p:nvSpPr>
+        <p:spPr/>
+        <p:txBody>
+          <a:bodyPr/>
+          <a:lstStyle/>
           <a:p>
             <a:r>
               <a:rPr lang="zh-CN" altLang="en-US"/>
               <a:t>有意思的参考材料</a:t>
             </a:r>
-            <a:endParaRPr lang="zh-CN" altLang="en-US"/>
           </a:p>
         </p:txBody>
       </p:sp>
@@ -4789,26 +5379,24 @@
         <p:spPr/>
         <p:txBody>
           <a:bodyPr/>
+          <a:lstStyle/>
           <a:p>
             <a:r>
               <a:rPr lang="zh-CN" altLang="en-US"/>
               <a:t>http://www.ruanyifeng.com/blog/2014/12/unicode.html</a:t>
             </a:r>
-            <a:endParaRPr lang="zh-CN" altLang="en-US"/>
           </a:p>
           <a:p>
             <a:r>
               <a:rPr lang="zh-CN" altLang="en-US"/>
               <a:t>http://tgideas.qq.com/webplat/info/news_version3/804/808/811/m579/201307/218730.shtml</a:t>
             </a:r>
-            <a:endParaRPr lang="zh-CN" altLang="en-US"/>
           </a:p>
           <a:p>
             <a:r>
               <a:rPr lang="zh-CN" altLang="en-US"/>
               <a:t>https://security.yirendai.com/news/share/26</a:t>
             </a:r>
-            <a:endParaRPr lang="zh-CN" altLang="en-US"/>
           </a:p>
         </p:txBody>
       </p:sp>
@@ -4832,7 +5420,14 @@
         <p:cNvGrpSpPr/>
         <p:nvPr/>
       </p:nvGrpSpPr>
-      <p:grpSpPr/>
+      <p:grpSpPr>
+        <a:xfrm>
+          <a:off x="0" y="0"/>
+          <a:ext cx="0" cy="0"/>
+          <a:chOff x="0" y="0"/>
+          <a:chExt cx="0" cy="0"/>
+        </a:xfrm>
+      </p:grpSpPr>
       <p:sp>
         <p:nvSpPr>
           <p:cNvPr id="2" name="标题 1"/>
@@ -4846,51 +5441,49 @@
         <p:spPr/>
         <p:txBody>
           <a:bodyPr/>
+          <a:lstStyle/>
           <a:p>
             <a:r>
               <a:rPr lang="zh-CN" altLang="en-US"/>
               <a:t>世界第一台计算机</a:t>
             </a:r>
+          </a:p>
+        </p:txBody>
+      </p:sp>
+      <p:sp>
+        <p:nvSpPr>
+          <p:cNvPr id="3" name="内容占位符 2"/>
+          <p:cNvSpPr>
+            <a:spLocks noGrp="1"/>
+          </p:cNvSpPr>
+          <p:nvPr>
+            <p:ph idx="1"/>
+          </p:nvPr>
+        </p:nvSpPr>
+        <p:spPr/>
+        <p:txBody>
+          <a:bodyPr/>
+          <a:lstStyle/>
+          <a:p>
+            <a:r>
+              <a:rPr lang="zh-CN" altLang="en-US"/>
+              <a:t>1946年，世界第一台计算机诞生</a:t>
+            </a:r>
+          </a:p>
+          <a:p>
+            <a:r>
+              <a:rPr lang="zh-CN" altLang="en-US"/>
+              <a:t>8个晶体管的“通”或“断”即可以代表一个字节</a:t>
+            </a:r>
+          </a:p>
+          <a:p>
             <a:endParaRPr lang="zh-CN" altLang="en-US"/>
           </a:p>
-        </p:txBody>
-      </p:sp>
-      <p:sp>
-        <p:nvSpPr>
-          <p:cNvPr id="3" name="内容占位符 2"/>
-          <p:cNvSpPr>
-            <a:spLocks noGrp="1"/>
-          </p:cNvSpPr>
-          <p:nvPr>
-            <p:ph idx="1"/>
-          </p:nvPr>
-        </p:nvSpPr>
-        <p:spPr/>
-        <p:txBody>
-          <a:bodyPr/>
-          <a:p>
-            <a:r>
-              <a:rPr lang="zh-CN" altLang="en-US"/>
-              <a:t>1946年，世界第一台计算机诞生</a:t>
-            </a:r>
-            <a:endParaRPr lang="zh-CN" altLang="en-US"/>
-          </a:p>
-          <a:p>
-            <a:r>
-              <a:rPr lang="zh-CN" altLang="en-US"/>
-              <a:t>8个晶体管的“通”或“断”即可以代表一个字节</a:t>
-            </a:r>
-            <a:endParaRPr lang="zh-CN" altLang="en-US"/>
-          </a:p>
-          <a:p>
-            <a:endParaRPr lang="zh-CN" altLang="en-US"/>
-          </a:p>
           <a:p>
             <a:r>
               <a:rPr lang="zh-CN" altLang="en-US"/>
               <a:t>美国自己用</a:t>
             </a:r>
-            <a:endParaRPr lang="zh-CN" altLang="en-US"/>
           </a:p>
           <a:p>
             <a:pPr lvl="1"/>
@@ -4898,7 +5491,6 @@
               <a:rPr lang="zh-CN" altLang="en-US"/>
               <a:t>0000 0000 ~ 0001 1111 共 33 种状态用来表示终端的特殊动作</a:t>
             </a:r>
-            <a:endParaRPr lang="zh-CN" altLang="en-US"/>
           </a:p>
           <a:p>
             <a:pPr lvl="1"/>
@@ -4906,7 +5498,6 @@
               <a:rPr lang="zh-CN" altLang="en-US"/>
               <a:t>0011 0000 ~ 0011 1001 共 10 种状态来表示“0~9”10个阿拉伯数字；</a:t>
             </a:r>
-            <a:endParaRPr lang="zh-CN" altLang="en-US"/>
           </a:p>
           <a:p>
             <a:pPr lvl="1"/>
@@ -4914,7 +5505,6 @@
               <a:rPr lang="zh-CN" altLang="en-US"/>
               <a:t>0100 0001 ~ 0101 1010 和 0110 0001 ~ 0111 1010共 52种状态来表示大小写英文字母；</a:t>
             </a:r>
-            <a:endParaRPr lang="zh-CN" altLang="en-US"/>
           </a:p>
         </p:txBody>
       </p:sp>
@@ -4938,7 +5528,14 @@
         <p:cNvGrpSpPr/>
         <p:nvPr/>
       </p:nvGrpSpPr>
-      <p:grpSpPr/>
+      <p:grpSpPr>
+        <a:xfrm>
+          <a:off x="0" y="0"/>
+          <a:ext cx="0" cy="0"/>
+          <a:chOff x="0" y="0"/>
+          <a:chExt cx="0" cy="0"/>
+        </a:xfrm>
+      </p:grpSpPr>
       <p:sp>
         <p:nvSpPr>
           <p:cNvPr id="2" name="标题 1"/>
@@ -4952,12 +5549,12 @@
         <p:spPr/>
         <p:txBody>
           <a:bodyPr/>
+          <a:lstStyle/>
           <a:p>
             <a:r>
               <a:rPr lang="zh-CN" altLang="en-US"/>
               <a:t>字符集和编码</a:t>
             </a:r>
-            <a:endParaRPr lang="zh-CN" altLang="en-US"/>
           </a:p>
         </p:txBody>
       </p:sp>
@@ -4976,12 +5573,12 @@
           <a:bodyPr>
             <a:normAutofit lnSpcReduction="10000"/>
           </a:bodyPr>
+          <a:lstStyle/>
           <a:p>
             <a:r>
               <a:rPr lang="en-US" altLang="zh-CN"/>
               <a:t>ASCII</a:t>
             </a:r>
-            <a:endParaRPr lang="en-US" altLang="zh-CN"/>
           </a:p>
           <a:p>
             <a:pPr lvl="1"/>
@@ -5001,14 +5598,12 @@
               <a:rPr lang="zh-CN" altLang="en-US" sz="2000"/>
               <a:t>个字符</a:t>
             </a:r>
-            <a:endParaRPr lang="zh-CN" altLang="en-US" sz="2000"/>
           </a:p>
           <a:p>
             <a:r>
               <a:rPr lang="en-US" altLang="zh-CN"/>
               <a:t>GB2312</a:t>
             </a:r>
-            <a:endParaRPr lang="en-US" altLang="zh-CN"/>
           </a:p>
           <a:p>
             <a:pPr lvl="1"/>
@@ -5028,14 +5623,12 @@
               <a:rPr lang="zh-CN" altLang="en-US" sz="2000"/>
               <a:t>多</a:t>
             </a:r>
-            <a:endParaRPr lang="zh-CN" altLang="en-US" sz="2000"/>
           </a:p>
           <a:p>
             <a:r>
               <a:rPr lang="en-US" altLang="zh-CN"/>
               <a:t>GB18030</a:t>
             </a:r>
-            <a:endParaRPr lang="en-US" altLang="zh-CN"/>
           </a:p>
           <a:p>
             <a:pPr lvl="1"/>
@@ -5055,14 +5648,12 @@
               <a:rPr lang="zh-CN" sz="2000"/>
               <a:t>，可定义161万个字符</a:t>
             </a:r>
-            <a:endParaRPr lang="zh-CN" sz="2000"/>
           </a:p>
           <a:p>
             <a:r>
               <a:rPr lang="en-US" altLang="zh-CN"/>
               <a:t>BIG5</a:t>
             </a:r>
-            <a:endParaRPr lang="en-US" altLang="zh-CN"/>
           </a:p>
           <a:p>
             <a:pPr lvl="1"/>
@@ -5078,7 +5669,6 @@
               <a:rPr lang="en-US" altLang="zh-CN"/>
               <a:t>13060个汉字</a:t>
             </a:r>
-            <a:endParaRPr lang="en-US" altLang="zh-CN"/>
           </a:p>
           <a:p>
             <a:pPr lvl="0"/>
@@ -5086,7 +5676,6 @@
               <a:rPr lang="en-US" altLang="zh-CN"/>
               <a:t>ISO/IEC 8859</a:t>
             </a:r>
-            <a:endParaRPr lang="en-US" altLang="zh-CN"/>
           </a:p>
         </p:txBody>
       </p:sp>
@@ -5110,7 +5699,14 @@
         <p:cNvGrpSpPr/>
         <p:nvPr/>
       </p:nvGrpSpPr>
-      <p:grpSpPr/>
+      <p:grpSpPr>
+        <a:xfrm>
+          <a:off x="0" y="0"/>
+          <a:ext cx="0" cy="0"/>
+          <a:chOff x="0" y="0"/>
+          <a:chExt cx="0" cy="0"/>
+        </a:xfrm>
+      </p:grpSpPr>
       <p:sp>
         <p:nvSpPr>
           <p:cNvPr id="2" name="标题 1"/>
@@ -5124,6 +5720,7 @@
         <p:spPr/>
         <p:txBody>
           <a:bodyPr/>
+          <a:lstStyle/>
           <a:p>
             <a:r>
               <a:rPr lang="en-US" altLang="zh-CN"/>
@@ -5146,21 +5743,20 @@
         <p:spPr/>
         <p:txBody>
           <a:bodyPr>
-            <a:normAutofit fontScale="90000"/>
+            <a:normAutofit fontScale="90000" lnSpcReduction="10000"/>
           </a:bodyPr>
+          <a:lstStyle/>
           <a:p>
             <a:r>
               <a:rPr lang="zh-CN" altLang="en-US"/>
               <a:t>Unicode源于一个很简单的想法：将全世界所有的字符包含在一个集合里，计算机只要支持这一个字符集</a:t>
             </a:r>
-            <a:endParaRPr lang="zh-CN" altLang="en-US"/>
           </a:p>
           <a:p>
             <a:r>
               <a:rPr lang="zh-CN" altLang="en-US"/>
               <a:t>"码点"（code point）</a:t>
             </a:r>
-            <a:endParaRPr lang="zh-CN" altLang="en-US"/>
           </a:p>
           <a:p>
             <a:pPr lvl="1"/>
@@ -5201,29 +5797,26 @@
               <a:rPr lang="zh-CN" altLang="en-US"/>
               <a:t>个）</a:t>
             </a:r>
+          </a:p>
+          <a:p>
+            <a:r>
+              <a:rPr lang="zh-CN" altLang="en-US"/>
+              <a:t>U+597D = 好</a:t>
+            </a:r>
+          </a:p>
+          <a:p>
             <a:endParaRPr lang="zh-CN" altLang="en-US"/>
           </a:p>
           <a:p>
             <a:r>
               <a:rPr lang="zh-CN" altLang="en-US"/>
-              <a:t>U+597D = 好</a:t>
-            </a:r>
-            <a:endParaRPr lang="zh-CN" altLang="en-US"/>
-          </a:p>
-          <a:p>
-            <a:endParaRPr lang="zh-CN" altLang="en-US"/>
-          </a:p>
-          <a:p>
-            <a:r>
-              <a:rPr lang="zh-CN" altLang="en-US"/>
               <a:t>看看有什么平面：</a:t>
             </a:r>
-            <a:endParaRPr lang="zh-CN" altLang="en-US"/>
           </a:p>
           <a:p>
             <a:r>
               <a:rPr lang="zh-CN" altLang="en-US" sz="1800">
-                <a:hlinkClick r:id="rId1"/>
+                <a:hlinkClick r:id="rId3"/>
               </a:rPr>
               <a:t>http://www.hipenpal.com/tool/characters_to_unicode_charts_in_simplified_chinese.php?unicode=84</a:t>
             </a:r>
@@ -5239,7 +5832,7 @@
       </p:sp>
     </p:spTree>
     <p:custDataLst>
-      <p:tags r:id="rId2"/>
+      <p:tags r:id="rId1"/>
     </p:custDataLst>
   </p:cSld>
   <p:clrMapOvr>
@@ -5257,7 +5850,14 @@
         <p:cNvGrpSpPr/>
         <p:nvPr/>
       </p:nvGrpSpPr>
-      <p:grpSpPr/>
+      <p:grpSpPr>
+        <a:xfrm>
+          <a:off x="0" y="0"/>
+          <a:ext cx="0" cy="0"/>
+          <a:chOff x="0" y="0"/>
+          <a:chExt cx="0" cy="0"/>
+        </a:xfrm>
+      </p:grpSpPr>
       <p:sp>
         <p:nvSpPr>
           <p:cNvPr id="2" name="标题 1"/>
@@ -5271,12 +5871,12 @@
         <p:spPr/>
         <p:txBody>
           <a:bodyPr/>
+          <a:lstStyle/>
           <a:p>
             <a:r>
               <a:rPr lang="en-US" altLang="zh-CN"/>
               <a:t>Unicode</a:t>
             </a:r>
-            <a:endParaRPr lang="en-US" altLang="zh-CN"/>
           </a:p>
         </p:txBody>
       </p:sp>
@@ -5293,6 +5893,7 @@
         <p:spPr/>
         <p:txBody>
           <a:bodyPr/>
+          <a:lstStyle/>
           <a:p>
             <a:r>
               <a:rPr lang="zh-CN" altLang="en-US" sz="2400">
@@ -5317,7 +5918,6 @@
               <a:rPr lang="zh-CN" altLang="en-US"/>
               <a:t>最前面的65536个字符位，称为基本平面（缩写BMP）</a:t>
             </a:r>
-            <a:endParaRPr lang="zh-CN" altLang="en-US"/>
           </a:p>
           <a:p>
             <a:pPr lvl="1"/>
@@ -5325,7 +5925,6 @@
               <a:rPr lang="zh-CN" altLang="en-US"/>
               <a:t>U+0000到U+FFFF</a:t>
             </a:r>
-            <a:endParaRPr lang="zh-CN" altLang="en-US"/>
           </a:p>
           <a:p>
             <a:pPr lvl="1"/>
@@ -5333,7 +5932,6 @@
               <a:rPr lang="zh-CN" altLang="en-US"/>
               <a:t>最常见的字符</a:t>
             </a:r>
-            <a:endParaRPr lang="zh-CN" altLang="en-US"/>
           </a:p>
           <a:p>
             <a:pPr lvl="0"/>
@@ -5341,7 +5939,6 @@
               <a:rPr lang="zh-CN" altLang="en-US"/>
               <a:t>辅助平面（缩写SMP）</a:t>
             </a:r>
-            <a:endParaRPr lang="zh-CN" altLang="en-US"/>
           </a:p>
           <a:p>
             <a:pPr lvl="1"/>
@@ -5349,7 +5946,6 @@
               <a:rPr lang="zh-CN" altLang="en-US"/>
               <a:t>U+010000到U+10FFFF</a:t>
             </a:r>
-            <a:endParaRPr lang="zh-CN" altLang="en-US"/>
           </a:p>
           <a:p>
             <a:pPr lvl="0"/>
@@ -5377,7 +5973,14 @@
         <p:cNvGrpSpPr/>
         <p:nvPr/>
       </p:nvGrpSpPr>
-      <p:grpSpPr/>
+      <p:grpSpPr>
+        <a:xfrm>
+          <a:off x="0" y="0"/>
+          <a:ext cx="0" cy="0"/>
+          <a:chOff x="0" y="0"/>
+          <a:chExt cx="0" cy="0"/>
+        </a:xfrm>
+      </p:grpSpPr>
       <p:sp>
         <p:nvSpPr>
           <p:cNvPr id="2" name="标题 1"/>
@@ -5393,12 +5996,12 @@
           <a:bodyPr>
             <a:normAutofit/>
           </a:bodyPr>
+          <a:lstStyle/>
           <a:p>
             <a:r>
               <a:rPr lang="en-US" altLang="zh-CN"/>
               <a:t>Unicode</a:t>
             </a:r>
-            <a:endParaRPr lang="en-US" altLang="zh-CN"/>
           </a:p>
         </p:txBody>
       </p:sp>
@@ -5415,6 +6018,7 @@
         <p:spPr/>
         <p:txBody>
           <a:bodyPr/>
+          <a:lstStyle/>
           <a:p>
             <a:r>
               <a:rPr lang="zh-CN" altLang="en-US"/>
@@ -5424,7 +6028,6 @@
               <a:rPr lang="en-US" altLang="zh-CN"/>
               <a:t>ASCII</a:t>
             </a:r>
-            <a:endParaRPr lang="en-US" altLang="zh-CN"/>
           </a:p>
         </p:txBody>
       </p:sp>
@@ -5437,7 +6040,7 @@
           <p:nvPr/>
         </p:nvPicPr>
         <p:blipFill>
-          <a:blip r:embed="rId1"/>
+          <a:blip r:embed="rId3"/>
           <a:stretch>
             <a:fillRect/>
           </a:stretch>
@@ -5454,7 +6057,7 @@
       </p:pic>
     </p:spTree>
     <p:custDataLst>
-      <p:tags r:id="rId2"/>
+      <p:tags r:id="rId1"/>
     </p:custDataLst>
   </p:cSld>
   <p:clrMapOvr>
@@ -5472,7 +6075,14 @@
         <p:cNvGrpSpPr/>
         <p:nvPr/>
       </p:nvGrpSpPr>
-      <p:grpSpPr/>
+      <p:grpSpPr>
+        <a:xfrm>
+          <a:off x="0" y="0"/>
+          <a:ext cx="0" cy="0"/>
+          <a:chOff x="0" y="0"/>
+          <a:chExt cx="0" cy="0"/>
+        </a:xfrm>
+      </p:grpSpPr>
       <p:sp>
         <p:nvSpPr>
           <p:cNvPr id="2" name="标题 1"/>
@@ -5486,12 +6096,12 @@
         <p:spPr/>
         <p:txBody>
           <a:bodyPr/>
+          <a:lstStyle/>
           <a:p>
             <a:r>
               <a:rPr lang="en-US" altLang="zh-CN"/>
               <a:t>UTF-32</a:t>
             </a:r>
-            <a:endParaRPr lang="en-US" altLang="zh-CN"/>
           </a:p>
         </p:txBody>
       </p:sp>
@@ -5508,6 +6118,7 @@
         <p:spPr/>
         <p:txBody>
           <a:bodyPr/>
+          <a:lstStyle/>
           <a:p>
             <a:r>
               <a:rPr lang="en-US" altLang="zh-CN"/>
@@ -5517,7 +6128,6 @@
               <a:rPr lang="zh-CN" altLang="en-US"/>
               <a:t>只是字符集</a:t>
             </a:r>
-            <a:endParaRPr lang="zh-CN" altLang="en-US"/>
           </a:p>
           <a:p>
             <a:r>
@@ -5540,7 +6150,6 @@
               <a:rPr lang="zh-CN" altLang="en-US"/>
               <a:t>字节</a:t>
             </a:r>
-            <a:endParaRPr lang="zh-CN" altLang="en-US"/>
           </a:p>
           <a:p>
             <a:pPr lvl="1"/>
@@ -5548,7 +6157,6 @@
               <a:rPr lang="zh-CN" altLang="en-US"/>
               <a:t>U+0000 = 0x0000 0000</a:t>
             </a:r>
-            <a:endParaRPr lang="zh-CN" altLang="en-US"/>
           </a:p>
           <a:p>
             <a:pPr lvl="1"/>
@@ -5556,7 +6164,6 @@
               <a:rPr lang="zh-CN" altLang="en-US"/>
               <a:t>U+597D = 0x0000 597D</a:t>
             </a:r>
-            <a:endParaRPr lang="zh-CN" altLang="en-US"/>
           </a:p>
           <a:p>
             <a:pPr lvl="0"/>
@@ -5564,7 +6171,6 @@
               <a:rPr lang="zh-CN" altLang="en-US"/>
               <a:t>缺点</a:t>
             </a:r>
-            <a:endParaRPr lang="zh-CN" altLang="en-US"/>
           </a:p>
           <a:p>
             <a:pPr lvl="1"/>
@@ -5572,7 +6178,6 @@
               <a:rPr lang="zh-CN" altLang="en-US"/>
               <a:t>浪费空间</a:t>
             </a:r>
-            <a:endParaRPr lang="zh-CN" altLang="en-US"/>
           </a:p>
           <a:p>
             <a:pPr lvl="1"/>
@@ -5588,7 +6193,6 @@
               <a:rPr lang="zh-CN" altLang="en-US"/>
               <a:t>倍</a:t>
             </a:r>
-            <a:endParaRPr lang="zh-CN" altLang="en-US"/>
           </a:p>
         </p:txBody>
       </p:sp>
@@ -5612,7 +6216,14 @@
         <p:cNvGrpSpPr/>
         <p:nvPr/>
       </p:nvGrpSpPr>
-      <p:grpSpPr/>
+      <p:grpSpPr>
+        <a:xfrm>
+          <a:off x="0" y="0"/>
+          <a:ext cx="0" cy="0"/>
+          <a:chOff x="0" y="0"/>
+          <a:chExt cx="0" cy="0"/>
+        </a:xfrm>
+      </p:grpSpPr>
       <p:sp>
         <p:nvSpPr>
           <p:cNvPr id="2" name="标题 1"/>
@@ -5626,12 +6237,12 @@
         <p:spPr/>
         <p:txBody>
           <a:bodyPr/>
+          <a:lstStyle/>
           <a:p>
             <a:r>
               <a:rPr lang="en-US" altLang="zh-CN"/>
               <a:t>UTF-8</a:t>
             </a:r>
-            <a:endParaRPr lang="en-US" altLang="zh-CN"/>
           </a:p>
         </p:txBody>
       </p:sp>
@@ -5650,19 +6261,18 @@
           <a:bodyPr>
             <a:normAutofit fontScale="90000" lnSpcReduction="20000"/>
           </a:bodyPr>
+          <a:lstStyle/>
           <a:p>
             <a:r>
               <a:rPr lang="zh-CN" altLang="en-US"/>
               <a:t>UTF-8是一种变长的编码方法，字符长度从1个字节到4个字节不等</a:t>
             </a:r>
-            <a:endParaRPr lang="zh-CN" altLang="en-US"/>
           </a:p>
           <a:p>
             <a:r>
               <a:rPr lang="zh-CN" altLang="en-US"/>
               <a:t>最前面的128个字符，只使用1个字节表示，与ASCII码完全相同</a:t>
             </a:r>
-            <a:endParaRPr lang="zh-CN" altLang="en-US"/>
           </a:p>
           <a:p>
             <a:pPr marL="0" indent="0">
@@ -5678,7 +6288,6 @@
               <a:rPr lang="zh-CN" altLang="en-US" sz="2000"/>
               <a:t>   Char. number range        |        UTF-8 octet sequence</a:t>
             </a:r>
-            <a:endParaRPr lang="zh-CN" altLang="en-US" sz="2000"/>
           </a:p>
           <a:p>
             <a:pPr marL="0" indent="0">
@@ -5688,7 +6297,6 @@
               <a:rPr lang="zh-CN" altLang="en-US" sz="2000"/>
               <a:t>      (hexadecimal)               |              (binary)</a:t>
             </a:r>
-            <a:endParaRPr lang="zh-CN" altLang="en-US" sz="2000"/>
           </a:p>
           <a:p>
             <a:pPr marL="0" indent="0">
@@ -5698,7 +6306,6 @@
               <a:rPr lang="zh-CN" altLang="en-US" sz="2000"/>
               <a:t>   --------------------------+---------------------------------------------</a:t>
             </a:r>
-            <a:endParaRPr lang="zh-CN" altLang="en-US" sz="2000"/>
           </a:p>
           <a:p>
             <a:pPr marL="0" indent="0">
@@ -5708,7 +6315,6 @@
               <a:rPr lang="zh-CN" altLang="en-US" sz="2000"/>
               <a:t>   0000 0000 到 0000 007F | 0xxxxxxx</a:t>
             </a:r>
-            <a:endParaRPr lang="zh-CN" altLang="en-US" sz="2000"/>
           </a:p>
           <a:p>
             <a:pPr marL="0" indent="0">
@@ -5718,7 +6324,6 @@
               <a:rPr lang="zh-CN" altLang="en-US" sz="2000"/>
               <a:t>   0000 0080 到 0000 07FF | 110xxxxx 10xxxxxx</a:t>
             </a:r>
-            <a:endParaRPr lang="zh-CN" altLang="en-US" sz="2000"/>
           </a:p>
           <a:p>
             <a:pPr marL="0" indent="0">
@@ -5728,7 +6333,6 @@
               <a:rPr lang="zh-CN" altLang="en-US" sz="2000"/>
               <a:t>   0000 0800 到 0000 FFFF | 1110xxxx 10xxxxxx 10xxxxxx</a:t>
             </a:r>
-            <a:endParaRPr lang="zh-CN" altLang="en-US" sz="2000"/>
           </a:p>
           <a:p>
             <a:pPr marL="0" indent="0">
@@ -5738,7 +6342,6 @@
               <a:rPr lang="zh-CN" altLang="en-US" sz="2000"/>
               <a:t>   0001 0000 到 0010 FFFF | 11110xxx 10xxxxxx 10xxxxxx 10xxxxxx</a:t>
             </a:r>
-            <a:endParaRPr lang="zh-CN" altLang="en-US" sz="2000"/>
           </a:p>
         </p:txBody>
       </p:sp>
@@ -5754,15 +6357,15 @@
 </file>
 
 <file path=ppt/tags/tag1.xml><?xml version="1.0" encoding="utf-8"?>
-<p:tagLst xmlns:p="http://schemas.openxmlformats.org/presentationml/2006/main">
-  <p:tag name="MH" val="20150921105644"/>
-  <p:tag name="MH_LIBRARY" val="GRAPHIC"/>
-  <p:tag name="MH_ORDER" val="直接连接符 3"/>
+<p:tagLst xmlns:a="http://schemas.openxmlformats.org/drawingml/2006/main" xmlns:r="http://schemas.openxmlformats.org/officeDocument/2006/relationships" xmlns:p="http://schemas.openxmlformats.org/presentationml/2006/main">
+  <p:tag name="KSO_WM_TAG_VERSION" val="1.0"/>
+  <p:tag name="KSO_WM_TEMPLATE_CATEGORY" val="custom"/>
+  <p:tag name="KSO_WM_TEMPLATE_INDEX" val="160539"/>
 </p:tagLst>
 </file>
 
 <file path=ppt/tags/tag10.xml><?xml version="1.0" encoding="utf-8"?>
-<p:tagLst xmlns:p="http://schemas.openxmlformats.org/presentationml/2006/main">
+<p:tagLst xmlns:a="http://schemas.openxmlformats.org/drawingml/2006/main" xmlns:r="http://schemas.openxmlformats.org/officeDocument/2006/relationships" xmlns:p="http://schemas.openxmlformats.org/presentationml/2006/main">
   <p:tag name="KSO_WM_BEAUTIFY_FLAG" val="#wm#"/>
   <p:tag name="KSO_WM_TEMPLATE_CATEGORY" val="custom"/>
   <p:tag name="KSO_WM_TEMPLATE_INDEX" val="160539"/>
@@ -5770,7 +6373,7 @@
 </file>
 
 <file path=ppt/tags/tag11.xml><?xml version="1.0" encoding="utf-8"?>
-<p:tagLst xmlns:p="http://schemas.openxmlformats.org/presentationml/2006/main">
+<p:tagLst xmlns:a="http://schemas.openxmlformats.org/drawingml/2006/main" xmlns:r="http://schemas.openxmlformats.org/officeDocument/2006/relationships" xmlns:p="http://schemas.openxmlformats.org/presentationml/2006/main">
   <p:tag name="KSO_WM_BEAUTIFY_FLAG" val="#wm#"/>
   <p:tag name="KSO_WM_TEMPLATE_CATEGORY" val="custom"/>
   <p:tag name="KSO_WM_TEMPLATE_INDEX" val="160539"/>
@@ -5778,7 +6381,7 @@
 </file>
 
 <file path=ppt/tags/tag12.xml><?xml version="1.0" encoding="utf-8"?>
-<p:tagLst xmlns:p="http://schemas.openxmlformats.org/presentationml/2006/main">
+<p:tagLst xmlns:a="http://schemas.openxmlformats.org/drawingml/2006/main" xmlns:r="http://schemas.openxmlformats.org/officeDocument/2006/relationships" xmlns:p="http://schemas.openxmlformats.org/presentationml/2006/main">
   <p:tag name="KSO_WM_BEAUTIFY_FLAG" val="#wm#"/>
   <p:tag name="KSO_WM_TEMPLATE_CATEGORY" val="custom"/>
   <p:tag name="KSO_WM_TEMPLATE_INDEX" val="160539"/>
@@ -5786,7 +6389,7 @@
 </file>
 
 <file path=ppt/tags/tag13.xml><?xml version="1.0" encoding="utf-8"?>
-<p:tagLst xmlns:p="http://schemas.openxmlformats.org/presentationml/2006/main">
+<p:tagLst xmlns:a="http://schemas.openxmlformats.org/drawingml/2006/main" xmlns:r="http://schemas.openxmlformats.org/officeDocument/2006/relationships" xmlns:p="http://schemas.openxmlformats.org/presentationml/2006/main">
   <p:tag name="KSO_WM_BEAUTIFY_FLAG" val="#wm#"/>
   <p:tag name="KSO_WM_TEMPLATE_CATEGORY" val="custom"/>
   <p:tag name="KSO_WM_TEMPLATE_INDEX" val="160539"/>
@@ -5794,7 +6397,7 @@
 </file>
 
 <file path=ppt/tags/tag14.xml><?xml version="1.0" encoding="utf-8"?>
-<p:tagLst xmlns:p="http://schemas.openxmlformats.org/presentationml/2006/main">
+<p:tagLst xmlns:a="http://schemas.openxmlformats.org/drawingml/2006/main" xmlns:r="http://schemas.openxmlformats.org/officeDocument/2006/relationships" xmlns:p="http://schemas.openxmlformats.org/presentationml/2006/main">
   <p:tag name="KSO_WM_BEAUTIFY_FLAG" val="#wm#"/>
   <p:tag name="KSO_WM_TEMPLATE_CATEGORY" val="custom"/>
   <p:tag name="KSO_WM_TEMPLATE_INDEX" val="160539"/>
@@ -5802,7 +6405,7 @@
 </file>
 
 <file path=ppt/tags/tag15.xml><?xml version="1.0" encoding="utf-8"?>
-<p:tagLst xmlns:p="http://schemas.openxmlformats.org/presentationml/2006/main">
+<p:tagLst xmlns:a="http://schemas.openxmlformats.org/drawingml/2006/main" xmlns:r="http://schemas.openxmlformats.org/officeDocument/2006/relationships" xmlns:p="http://schemas.openxmlformats.org/presentationml/2006/main">
   <p:tag name="KSO_WM_BEAUTIFY_FLAG" val="#wm#"/>
   <p:tag name="KSO_WM_TEMPLATE_CATEGORY" val="custom"/>
   <p:tag name="KSO_WM_TEMPLATE_INDEX" val="160539"/>
@@ -5810,7 +6413,7 @@
 </file>
 
 <file path=ppt/tags/tag16.xml><?xml version="1.0" encoding="utf-8"?>
-<p:tagLst xmlns:p="http://schemas.openxmlformats.org/presentationml/2006/main">
+<p:tagLst xmlns:a="http://schemas.openxmlformats.org/drawingml/2006/main" xmlns:r="http://schemas.openxmlformats.org/officeDocument/2006/relationships" xmlns:p="http://schemas.openxmlformats.org/presentationml/2006/main">
   <p:tag name="KSO_WM_BEAUTIFY_FLAG" val="#wm#"/>
   <p:tag name="KSO_WM_TEMPLATE_CATEGORY" val="custom"/>
   <p:tag name="KSO_WM_TEMPLATE_INDEX" val="160539"/>
@@ -5818,7 +6421,7 @@
 </file>
 
 <file path=ppt/tags/tag17.xml><?xml version="1.0" encoding="utf-8"?>
-<p:tagLst xmlns:p="http://schemas.openxmlformats.org/presentationml/2006/main">
+<p:tagLst xmlns:a="http://schemas.openxmlformats.org/drawingml/2006/main" xmlns:r="http://schemas.openxmlformats.org/officeDocument/2006/relationships" xmlns:p="http://schemas.openxmlformats.org/presentationml/2006/main">
   <p:tag name="KSO_WM_BEAUTIFY_FLAG" val="#wm#"/>
   <p:tag name="KSO_WM_TEMPLATE_CATEGORY" val="custom"/>
   <p:tag name="KSO_WM_TEMPLATE_INDEX" val="160539"/>
@@ -5826,7 +6429,7 @@
 </file>
 
 <file path=ppt/tags/tag18.xml><?xml version="1.0" encoding="utf-8"?>
-<p:tagLst xmlns:p="http://schemas.openxmlformats.org/presentationml/2006/main">
+<p:tagLst xmlns:a="http://schemas.openxmlformats.org/drawingml/2006/main" xmlns:r="http://schemas.openxmlformats.org/officeDocument/2006/relationships" xmlns:p="http://schemas.openxmlformats.org/presentationml/2006/main">
   <p:tag name="KSO_WM_BEAUTIFY_FLAG" val="#wm#"/>
   <p:tag name="KSO_WM_TEMPLATE_CATEGORY" val="custom"/>
   <p:tag name="KSO_WM_TEMPLATE_INDEX" val="160539"/>
@@ -5834,7 +6437,7 @@
 </file>
 
 <file path=ppt/tags/tag19.xml><?xml version="1.0" encoding="utf-8"?>
-<p:tagLst xmlns:p="http://schemas.openxmlformats.org/presentationml/2006/main">
+<p:tagLst xmlns:a="http://schemas.openxmlformats.org/drawingml/2006/main" xmlns:r="http://schemas.openxmlformats.org/officeDocument/2006/relationships" xmlns:p="http://schemas.openxmlformats.org/presentationml/2006/main">
   <p:tag name="KSO_WM_BEAUTIFY_FLAG" val="#wm#"/>
   <p:tag name="KSO_WM_TEMPLATE_CATEGORY" val="custom"/>
   <p:tag name="KSO_WM_TEMPLATE_INDEX" val="160539"/>
@@ -5842,15 +6445,15 @@
 </file>
 
 <file path=ppt/tags/tag2.xml><?xml version="1.0" encoding="utf-8"?>
-<p:tagLst xmlns:p="http://schemas.openxmlformats.org/presentationml/2006/main">
-  <p:tag name="MH" val="20150921105644"/>
-  <p:tag name="MH_LIBRARY" val="GRAPHIC"/>
-  <p:tag name="MH_ORDER" val="直接连接符 4"/>
+<p:tagLst xmlns:a="http://schemas.openxmlformats.org/drawingml/2006/main" xmlns:r="http://schemas.openxmlformats.org/officeDocument/2006/relationships" xmlns:p="http://schemas.openxmlformats.org/presentationml/2006/main">
+  <p:tag name="KSO_WM_TAG_VERSION" val="1.0"/>
+  <p:tag name="KSO_WM_TEMPLATE_CATEGORY" val="custom"/>
+  <p:tag name="KSO_WM_TEMPLATE_INDEX" val="160539"/>
 </p:tagLst>
 </file>
 
 <file path=ppt/tags/tag20.xml><?xml version="1.0" encoding="utf-8"?>
-<p:tagLst xmlns:p="http://schemas.openxmlformats.org/presentationml/2006/main">
+<p:tagLst xmlns:a="http://schemas.openxmlformats.org/drawingml/2006/main" xmlns:r="http://schemas.openxmlformats.org/officeDocument/2006/relationships" xmlns:p="http://schemas.openxmlformats.org/presentationml/2006/main">
   <p:tag name="KSO_WM_BEAUTIFY_FLAG" val="#wm#"/>
   <p:tag name="KSO_WM_TEMPLATE_CATEGORY" val="custom"/>
   <p:tag name="KSO_WM_TEMPLATE_INDEX" val="160539"/>
@@ -5858,7 +6461,7 @@
 </file>
 
 <file path=ppt/tags/tag21.xml><?xml version="1.0" encoding="utf-8"?>
-<p:tagLst xmlns:p="http://schemas.openxmlformats.org/presentationml/2006/main">
+<p:tagLst xmlns:a="http://schemas.openxmlformats.org/drawingml/2006/main" xmlns:r="http://schemas.openxmlformats.org/officeDocument/2006/relationships" xmlns:p="http://schemas.openxmlformats.org/presentationml/2006/main">
   <p:tag name="KSO_WM_BEAUTIFY_FLAG" val="#wm#"/>
   <p:tag name="KSO_WM_TEMPLATE_CATEGORY" val="custom"/>
   <p:tag name="KSO_WM_TEMPLATE_INDEX" val="160539"/>
@@ -5866,7 +6469,7 @@
 </file>
 
 <file path=ppt/tags/tag22.xml><?xml version="1.0" encoding="utf-8"?>
-<p:tagLst xmlns:p="http://schemas.openxmlformats.org/presentationml/2006/main">
+<p:tagLst xmlns:a="http://schemas.openxmlformats.org/drawingml/2006/main" xmlns:r="http://schemas.openxmlformats.org/officeDocument/2006/relationships" xmlns:p="http://schemas.openxmlformats.org/presentationml/2006/main">
   <p:tag name="KSO_WM_BEAUTIFY_FLAG" val="#wm#"/>
   <p:tag name="KSO_WM_TEMPLATE_CATEGORY" val="custom"/>
   <p:tag name="KSO_WM_TEMPLATE_INDEX" val="160539"/>
@@ -5874,7 +6477,7 @@
 </file>
 
 <file path=ppt/tags/tag23.xml><?xml version="1.0" encoding="utf-8"?>
-<p:tagLst xmlns:p="http://schemas.openxmlformats.org/presentationml/2006/main">
+<p:tagLst xmlns:a="http://schemas.openxmlformats.org/drawingml/2006/main" xmlns:r="http://schemas.openxmlformats.org/officeDocument/2006/relationships" xmlns:p="http://schemas.openxmlformats.org/presentationml/2006/main">
   <p:tag name="KSO_WM_BEAUTIFY_FLAG" val="#wm#"/>
   <p:tag name="KSO_WM_TEMPLATE_CATEGORY" val="custom"/>
   <p:tag name="KSO_WM_TEMPLATE_INDEX" val="160539"/>
@@ -5882,7 +6485,7 @@
 </file>
 
 <file path=ppt/tags/tag24.xml><?xml version="1.0" encoding="utf-8"?>
-<p:tagLst xmlns:p="http://schemas.openxmlformats.org/presentationml/2006/main">
+<p:tagLst xmlns:a="http://schemas.openxmlformats.org/drawingml/2006/main" xmlns:r="http://schemas.openxmlformats.org/officeDocument/2006/relationships" xmlns:p="http://schemas.openxmlformats.org/presentationml/2006/main">
   <p:tag name="KSO_WM_BEAUTIFY_FLAG" val="#wm#"/>
   <p:tag name="KSO_WM_TEMPLATE_CATEGORY" val="custom"/>
   <p:tag name="KSO_WM_TEMPLATE_INDEX" val="160539"/>
@@ -5890,7 +6493,7 @@
 </file>
 
 <file path=ppt/tags/tag25.xml><?xml version="1.0" encoding="utf-8"?>
-<p:tagLst xmlns:p="http://schemas.openxmlformats.org/presentationml/2006/main">
+<p:tagLst xmlns:a="http://schemas.openxmlformats.org/drawingml/2006/main" xmlns:r="http://schemas.openxmlformats.org/officeDocument/2006/relationships" xmlns:p="http://schemas.openxmlformats.org/presentationml/2006/main">
   <p:tag name="KSO_WM_BEAUTIFY_FLAG" val="#wm#"/>
   <p:tag name="KSO_WM_TEMPLATE_CATEGORY" val="custom"/>
   <p:tag name="KSO_WM_TEMPLATE_INDEX" val="160539"/>
@@ -5898,7 +6501,7 @@
 </file>
 
 <file path=ppt/tags/tag26.xml><?xml version="1.0" encoding="utf-8"?>
-<p:tagLst xmlns:p="http://schemas.openxmlformats.org/presentationml/2006/main">
+<p:tagLst xmlns:a="http://schemas.openxmlformats.org/drawingml/2006/main" xmlns:r="http://schemas.openxmlformats.org/officeDocument/2006/relationships" xmlns:p="http://schemas.openxmlformats.org/presentationml/2006/main">
   <p:tag name="KSO_WM_BEAUTIFY_FLAG" val="#wm#"/>
   <p:tag name="KSO_WM_TEMPLATE_CATEGORY" val="custom"/>
   <p:tag name="KSO_WM_TEMPLATE_INDEX" val="160539"/>
@@ -5906,23 +6509,7 @@
 </file>
 
 <file path=ppt/tags/tag3.xml><?xml version="1.0" encoding="utf-8"?>
-<p:tagLst xmlns:p="http://schemas.openxmlformats.org/presentationml/2006/main">
-  <p:tag name="KSO_WM_TAG_VERSION" val="1.0"/>
-  <p:tag name="KSO_WM_TEMPLATE_CATEGORY" val="custom"/>
-  <p:tag name="KSO_WM_TEMPLATE_INDEX" val="160539"/>
-</p:tagLst>
-</file>
-
-<file path=ppt/tags/tag4.xml><?xml version="1.0" encoding="utf-8"?>
-<p:tagLst xmlns:p="http://schemas.openxmlformats.org/presentationml/2006/main">
-  <p:tag name="KSO_WM_TAG_VERSION" val="1.0"/>
-  <p:tag name="KSO_WM_TEMPLATE_CATEGORY" val="custom"/>
-  <p:tag name="KSO_WM_TEMPLATE_INDEX" val="160539"/>
-</p:tagLst>
-</file>
-
-<file path=ppt/tags/tag5.xml><?xml version="1.0" encoding="utf-8"?>
-<p:tagLst xmlns:p="http://schemas.openxmlformats.org/presentationml/2006/main">
+<p:tagLst xmlns:a="http://schemas.openxmlformats.org/drawingml/2006/main" xmlns:r="http://schemas.openxmlformats.org/officeDocument/2006/relationships" xmlns:p="http://schemas.openxmlformats.org/presentationml/2006/main">
   <p:tag name="KSO_WM_TEMPLATE_THUMBS_INDEX" val="1、4、5、8、12、16、23、25、27"/>
   <p:tag name="KSO_WM_TEMPLATE_CATEGORY" val="custom"/>
   <p:tag name="KSO_WM_TEMPLATE_INDEX" val="160539"/>
@@ -5931,15 +6518,31 @@
 </p:tagLst>
 </file>
 
+<file path=ppt/tags/tag4.xml><?xml version="1.0" encoding="utf-8"?>
+<p:tagLst xmlns:a="http://schemas.openxmlformats.org/drawingml/2006/main" xmlns:r="http://schemas.openxmlformats.org/officeDocument/2006/relationships" xmlns:p="http://schemas.openxmlformats.org/presentationml/2006/main">
+  <p:tag name="MH" val="20150921105644"/>
+  <p:tag name="MH_LIBRARY" val="GRAPHIC"/>
+  <p:tag name="MH_ORDER" val="直接连接符 3"/>
+</p:tagLst>
+</file>
+
+<file path=ppt/tags/tag5.xml><?xml version="1.0" encoding="utf-8"?>
+<p:tagLst xmlns:a="http://schemas.openxmlformats.org/drawingml/2006/main" xmlns:r="http://schemas.openxmlformats.org/officeDocument/2006/relationships" xmlns:p="http://schemas.openxmlformats.org/presentationml/2006/main">
+  <p:tag name="MH" val="20150921105644"/>
+  <p:tag name="MH_LIBRARY" val="GRAPHIC"/>
+  <p:tag name="MH_ORDER" val="直接连接符 4"/>
+</p:tagLst>
+</file>
+
 <file path=ppt/tags/tag6.xml><?xml version="1.0" encoding="utf-8"?>
-<p:tagLst xmlns:p="http://schemas.openxmlformats.org/presentationml/2006/main">
+<p:tagLst xmlns:a="http://schemas.openxmlformats.org/drawingml/2006/main" xmlns:r="http://schemas.openxmlformats.org/officeDocument/2006/relationships" xmlns:p="http://schemas.openxmlformats.org/presentationml/2006/main">
   <p:tag name="KSO_WM_TEMPLATE_CATEGORY" val="custom"/>
   <p:tag name="KSO_WM_TEMPLATE_INDEX" val="160539"/>
 </p:tagLst>
 </file>
 
 <file path=ppt/tags/tag7.xml><?xml version="1.0" encoding="utf-8"?>
-<p:tagLst xmlns:p="http://schemas.openxmlformats.org/presentationml/2006/main">
+<p:tagLst xmlns:a="http://schemas.openxmlformats.org/drawingml/2006/main" xmlns:r="http://schemas.openxmlformats.org/officeDocument/2006/relationships" xmlns:p="http://schemas.openxmlformats.org/presentationml/2006/main">
   <p:tag name="KSO_WM_BEAUTIFY_FLAG" val="#wm#"/>
   <p:tag name="KSO_WM_TEMPLATE_CATEGORY" val="custom"/>
   <p:tag name="KSO_WM_TEMPLATE_INDEX" val="160539"/>
@@ -5947,7 +6550,7 @@
 </file>
 
 <file path=ppt/tags/tag8.xml><?xml version="1.0" encoding="utf-8"?>
-<p:tagLst xmlns:p="http://schemas.openxmlformats.org/presentationml/2006/main">
+<p:tagLst xmlns:a="http://schemas.openxmlformats.org/drawingml/2006/main" xmlns:r="http://schemas.openxmlformats.org/officeDocument/2006/relationships" xmlns:p="http://schemas.openxmlformats.org/presentationml/2006/main">
   <p:tag name="KSO_WM_BEAUTIFY_FLAG" val="#wm#"/>
   <p:tag name="KSO_WM_TEMPLATE_CATEGORY" val="custom"/>
   <p:tag name="KSO_WM_TEMPLATE_INDEX" val="160539"/>
@@ -5955,7 +6558,7 @@
 </file>
 
 <file path=ppt/tags/tag9.xml><?xml version="1.0" encoding="utf-8"?>
-<p:tagLst xmlns:p="http://schemas.openxmlformats.org/presentationml/2006/main">
+<p:tagLst xmlns:a="http://schemas.openxmlformats.org/drawingml/2006/main" xmlns:r="http://schemas.openxmlformats.org/officeDocument/2006/relationships" xmlns:p="http://schemas.openxmlformats.org/presentationml/2006/main">
   <p:tag name="KSO_WM_BEAUTIFY_FLAG" val="#wm#"/>
   <p:tag name="KSO_WM_TEMPLATE_CATEGORY" val="custom"/>
   <p:tag name="KSO_WM_TEMPLATE_INDEX" val="160539"/>
@@ -6153,6 +6756,8 @@
       </a:bgFillStyleLst>
     </a:fmtScheme>
   </a:themeElements>
+  <a:objectDefaults/>
+  <a:extraClrSchemeLst/>
   <a:extLst>
     <a:ext uri="{05A4C25C-085E-4340-85A3-A5531E510DB2}">
       <thm15:themeFamily xmlns:thm15="http://schemas.microsoft.com/office/thememl/2012/main" name="Office Theme" id="{62F939B6-93AF-4DB8-9C6B-D6C7DFDC589F}" vid="{4A3C46E8-61CC-4603-A589-7422A47A8E4A}"/>

--- a/Charset&Coding&HTML/编码和前端的那些事.pptx
+++ b/Charset&Coding&HTML/编码和前端的那些事.pptx
@@ -4,28 +4,33 @@
   <p:sldMasterIdLst>
     <p:sldMasterId id="2147483648" r:id="rId1"/>
   </p:sldMasterIdLst>
+  <p:notesMasterIdLst>
+    <p:notesMasterId r:id="rId8"/>
+  </p:notesMasterIdLst>
   <p:sldIdLst>
     <p:sldId id="256" r:id="rId3"/>
     <p:sldId id="278" r:id="rId4"/>
     <p:sldId id="279" r:id="rId5"/>
     <p:sldId id="257" r:id="rId6"/>
-    <p:sldId id="260" r:id="rId7"/>
-    <p:sldId id="267" r:id="rId8"/>
-    <p:sldId id="297" r:id="rId9"/>
-    <p:sldId id="268" r:id="rId10"/>
-    <p:sldId id="269" r:id="rId11"/>
-    <p:sldId id="277" r:id="rId12"/>
-    <p:sldId id="270" r:id="rId13"/>
-    <p:sldId id="271" r:id="rId14"/>
-    <p:sldId id="273" r:id="rId15"/>
-    <p:sldId id="276" r:id="rId16"/>
-    <p:sldId id="274" r:id="rId17"/>
-    <p:sldId id="261" r:id="rId18"/>
-    <p:sldId id="262" r:id="rId19"/>
-    <p:sldId id="265" r:id="rId20"/>
-    <p:sldId id="263" r:id="rId21"/>
-    <p:sldId id="275" r:id="rId22"/>
-    <p:sldId id="266" r:id="rId23"/>
+    <p:sldId id="312" r:id="rId7"/>
+    <p:sldId id="313" r:id="rId9"/>
+    <p:sldId id="260" r:id="rId10"/>
+    <p:sldId id="267" r:id="rId11"/>
+    <p:sldId id="297" r:id="rId12"/>
+    <p:sldId id="268" r:id="rId13"/>
+    <p:sldId id="269" r:id="rId14"/>
+    <p:sldId id="277" r:id="rId15"/>
+    <p:sldId id="270" r:id="rId16"/>
+    <p:sldId id="271" r:id="rId17"/>
+    <p:sldId id="273" r:id="rId18"/>
+    <p:sldId id="276" r:id="rId19"/>
+    <p:sldId id="274" r:id="rId20"/>
+    <p:sldId id="261" r:id="rId21"/>
+    <p:sldId id="262" r:id="rId22"/>
+    <p:sldId id="265" r:id="rId23"/>
+    <p:sldId id="263" r:id="rId24"/>
+    <p:sldId id="275" r:id="rId25"/>
+    <p:sldId id="266" r:id="rId26"/>
   </p:sldIdLst>
   <p:sldSz cx="12192000" cy="6858000"/>
   <p:notesSz cx="6858000" cy="9144000"/>
@@ -125,6 +130,464 @@
     </a:lvl9pPr>
   </p:defaultTextStyle>
 </p:presentation>
+</file>
+
+<file path=ppt/notesMasters/notesMaster1.xml><?xml version="1.0" encoding="utf-8"?>
+<p:notesMaster xmlns:a="http://schemas.openxmlformats.org/drawingml/2006/main" xmlns:r="http://schemas.openxmlformats.org/officeDocument/2006/relationships" xmlns:p="http://schemas.openxmlformats.org/presentationml/2006/main">
+  <p:cSld>
+    <p:bg>
+      <p:bgRef idx="1001">
+        <a:schemeClr val="bg1"/>
+      </p:bgRef>
+    </p:bg>
+    <p:spTree>
+      <p:nvGrpSpPr>
+        <p:cNvPr id="1" name=""/>
+        <p:cNvGrpSpPr/>
+        <p:nvPr/>
+      </p:nvGrpSpPr>
+      <p:grpSpPr>
+        <a:xfrm>
+          <a:off x="0" y="0"/>
+          <a:ext cx="0" cy="0"/>
+          <a:chOff x="0" y="0"/>
+          <a:chExt cx="0" cy="0"/>
+        </a:xfrm>
+      </p:grpSpPr>
+      <p:sp>
+        <p:nvSpPr>
+          <p:cNvPr id="2" name="页眉占位符 1"/>
+          <p:cNvSpPr>
+            <a:spLocks noGrp="1"/>
+          </p:cNvSpPr>
+          <p:nvPr>
+            <p:ph type="hdr" sz="quarter"/>
+          </p:nvPr>
+        </p:nvSpPr>
+        <p:spPr>
+          <a:xfrm>
+            <a:off x="0" y="0"/>
+            <a:ext cx="2971800" cy="458788"/>
+          </a:xfrm>
+          <a:prstGeom prst="rect">
+            <a:avLst/>
+          </a:prstGeom>
+        </p:spPr>
+        <p:txBody>
+          <a:bodyPr vert="horz" lIns="91440" tIns="45720" rIns="91440" bIns="45720" rtlCol="0"/>
+          <a:lstStyle>
+            <a:lvl1pPr algn="l">
+              <a:defRPr sz="1200"/>
+            </a:lvl1pPr>
+          </a:lstStyle>
+          <a:p>
+            <a:endParaRPr lang="zh-CN" altLang="en-US"/>
+          </a:p>
+        </p:txBody>
+      </p:sp>
+      <p:sp>
+        <p:nvSpPr>
+          <p:cNvPr id="3" name="日期占位符 2"/>
+          <p:cNvSpPr>
+            <a:spLocks noGrp="1"/>
+          </p:cNvSpPr>
+          <p:nvPr>
+            <p:ph type="dt" idx="1"/>
+          </p:nvPr>
+        </p:nvSpPr>
+        <p:spPr>
+          <a:xfrm>
+            <a:off x="3884613" y="0"/>
+            <a:ext cx="2971800" cy="458788"/>
+          </a:xfrm>
+          <a:prstGeom prst="rect">
+            <a:avLst/>
+          </a:prstGeom>
+        </p:spPr>
+        <p:txBody>
+          <a:bodyPr vert="horz" lIns="91440" tIns="45720" rIns="91440" bIns="45720" rtlCol="0"/>
+          <a:lstStyle>
+            <a:lvl1pPr algn="r">
+              <a:defRPr sz="1200"/>
+            </a:lvl1pPr>
+          </a:lstStyle>
+          <a:p>
+            <a:fld id="{D2A48B96-639E-45A3-A0BA-2464DFDB1FAA}" type="datetimeFigureOut">
+              <a:rPr lang="zh-CN" altLang="en-US" smtClean="0"/>
+            </a:fld>
+            <a:endParaRPr lang="zh-CN" altLang="en-US"/>
+          </a:p>
+        </p:txBody>
+      </p:sp>
+      <p:sp>
+        <p:nvSpPr>
+          <p:cNvPr id="4" name="幻灯片图像占位符 3"/>
+          <p:cNvSpPr>
+            <a:spLocks noGrp="1" noRot="1" noChangeAspect="1"/>
+          </p:cNvSpPr>
+          <p:nvPr>
+            <p:ph type="sldImg" idx="2"/>
+          </p:nvPr>
+        </p:nvSpPr>
+        <p:spPr>
+          <a:xfrm>
+            <a:off x="685800" y="1143000"/>
+            <a:ext cx="5486400" cy="3086100"/>
+          </a:xfrm>
+          <a:prstGeom prst="rect">
+            <a:avLst/>
+          </a:prstGeom>
+          <a:noFill/>
+          <a:ln w="12700">
+            <a:solidFill>
+              <a:prstClr val="black"/>
+            </a:solidFill>
+          </a:ln>
+        </p:spPr>
+        <p:txBody>
+          <a:bodyPr vert="horz" lIns="91440" tIns="45720" rIns="91440" bIns="45720" rtlCol="0" anchor="ctr"/>
+          <a:lstStyle/>
+          <a:p>
+            <a:endParaRPr lang="zh-CN" altLang="en-US"/>
+          </a:p>
+        </p:txBody>
+      </p:sp>
+      <p:sp>
+        <p:nvSpPr>
+          <p:cNvPr id="5" name="备注占位符 4"/>
+          <p:cNvSpPr>
+            <a:spLocks noGrp="1"/>
+          </p:cNvSpPr>
+          <p:nvPr>
+            <p:ph type="body" sz="quarter" idx="3"/>
+          </p:nvPr>
+        </p:nvSpPr>
+        <p:spPr>
+          <a:xfrm>
+            <a:off x="685800" y="4400550"/>
+            <a:ext cx="5486400" cy="3600450"/>
+          </a:xfrm>
+          <a:prstGeom prst="rect">
+            <a:avLst/>
+          </a:prstGeom>
+        </p:spPr>
+        <p:txBody>
+          <a:bodyPr vert="horz" lIns="91440" tIns="45720" rIns="91440" bIns="45720" rtlCol="0"/>
+          <a:lstStyle/>
+          <a:p>
+            <a:pPr lvl="0"/>
+            <a:r>
+              <a:rPr lang="zh-CN" altLang="en-US" smtClean="0"/>
+              <a:t>单击此处编辑母版文本样式</a:t>
+            </a:r>
+            <a:endParaRPr lang="zh-CN" altLang="en-US" smtClean="0"/>
+          </a:p>
+          <a:p>
+            <a:pPr lvl="1"/>
+            <a:r>
+              <a:rPr lang="zh-CN" altLang="en-US" smtClean="0"/>
+              <a:t>第二级</a:t>
+            </a:r>
+            <a:endParaRPr lang="zh-CN" altLang="en-US" smtClean="0"/>
+          </a:p>
+          <a:p>
+            <a:pPr lvl="2"/>
+            <a:r>
+              <a:rPr lang="zh-CN" altLang="en-US" smtClean="0"/>
+              <a:t>第三级</a:t>
+            </a:r>
+            <a:endParaRPr lang="zh-CN" altLang="en-US" smtClean="0"/>
+          </a:p>
+          <a:p>
+            <a:pPr lvl="3"/>
+            <a:r>
+              <a:rPr lang="zh-CN" altLang="en-US" smtClean="0"/>
+              <a:t>第四级</a:t>
+            </a:r>
+            <a:endParaRPr lang="zh-CN" altLang="en-US" smtClean="0"/>
+          </a:p>
+          <a:p>
+            <a:pPr lvl="4"/>
+            <a:r>
+              <a:rPr lang="zh-CN" altLang="en-US" smtClean="0"/>
+              <a:t>第五级</a:t>
+            </a:r>
+            <a:endParaRPr lang="zh-CN" altLang="en-US"/>
+          </a:p>
+        </p:txBody>
+      </p:sp>
+      <p:sp>
+        <p:nvSpPr>
+          <p:cNvPr id="6" name="页脚占位符 5"/>
+          <p:cNvSpPr>
+            <a:spLocks noGrp="1"/>
+          </p:cNvSpPr>
+          <p:nvPr>
+            <p:ph type="ftr" sz="quarter" idx="4"/>
+          </p:nvPr>
+        </p:nvSpPr>
+        <p:spPr>
+          <a:xfrm>
+            <a:off x="0" y="8685213"/>
+            <a:ext cx="2971800" cy="458787"/>
+          </a:xfrm>
+          <a:prstGeom prst="rect">
+            <a:avLst/>
+          </a:prstGeom>
+        </p:spPr>
+        <p:txBody>
+          <a:bodyPr vert="horz" lIns="91440" tIns="45720" rIns="91440" bIns="45720" rtlCol="0" anchor="b"/>
+          <a:lstStyle>
+            <a:lvl1pPr algn="l">
+              <a:defRPr sz="1200"/>
+            </a:lvl1pPr>
+          </a:lstStyle>
+          <a:p>
+            <a:endParaRPr lang="zh-CN" altLang="en-US"/>
+          </a:p>
+        </p:txBody>
+      </p:sp>
+      <p:sp>
+        <p:nvSpPr>
+          <p:cNvPr id="7" name="灯片编号占位符 6"/>
+          <p:cNvSpPr>
+            <a:spLocks noGrp="1"/>
+          </p:cNvSpPr>
+          <p:nvPr>
+            <p:ph type="sldNum" sz="quarter" idx="5"/>
+          </p:nvPr>
+        </p:nvSpPr>
+        <p:spPr>
+          <a:xfrm>
+            <a:off x="3884613" y="8685213"/>
+            <a:ext cx="2971800" cy="458787"/>
+          </a:xfrm>
+          <a:prstGeom prst="rect">
+            <a:avLst/>
+          </a:prstGeom>
+        </p:spPr>
+        <p:txBody>
+          <a:bodyPr vert="horz" lIns="91440" tIns="45720" rIns="91440" bIns="45720" rtlCol="0" anchor="b"/>
+          <a:lstStyle>
+            <a:lvl1pPr algn="r">
+              <a:defRPr sz="1200"/>
+            </a:lvl1pPr>
+          </a:lstStyle>
+          <a:p>
+            <a:fld id="{A6837353-30EB-4A48-80EB-173D804AEFBD}" type="slidenum">
+              <a:rPr lang="zh-CN" altLang="en-US" smtClean="0"/>
+            </a:fld>
+            <a:endParaRPr lang="zh-CN" altLang="en-US"/>
+          </a:p>
+        </p:txBody>
+      </p:sp>
+    </p:spTree>
+  </p:cSld>
+  <p:clrMap bg1="lt1" tx1="dk1" bg2="lt2" tx2="dk2" accent1="accent1" accent2="accent2" accent3="accent3" accent4="accent4" accent5="accent5" accent6="accent6" hlink="hlink" folHlink="folHlink"/>
+  <p:notesStyle>
+    <a:lvl1pPr marL="0" algn="l" defTabSz="914400" rtl="0" eaLnBrk="1" latinLnBrk="0" hangingPunct="1">
+      <a:defRPr sz="1200" kern="1200">
+        <a:solidFill>
+          <a:schemeClr val="tx1"/>
+        </a:solidFill>
+        <a:latin typeface="+mn-lt"/>
+        <a:ea typeface="+mn-ea"/>
+        <a:cs typeface="+mn-cs"/>
+      </a:defRPr>
+    </a:lvl1pPr>
+    <a:lvl2pPr marL="457200" algn="l" defTabSz="914400" rtl="0" eaLnBrk="1" latinLnBrk="0" hangingPunct="1">
+      <a:defRPr sz="1200" kern="1200">
+        <a:solidFill>
+          <a:schemeClr val="tx1"/>
+        </a:solidFill>
+        <a:latin typeface="+mn-lt"/>
+        <a:ea typeface="+mn-ea"/>
+        <a:cs typeface="+mn-cs"/>
+      </a:defRPr>
+    </a:lvl2pPr>
+    <a:lvl3pPr marL="914400" algn="l" defTabSz="914400" rtl="0" eaLnBrk="1" latinLnBrk="0" hangingPunct="1">
+      <a:defRPr sz="1200" kern="1200">
+        <a:solidFill>
+          <a:schemeClr val="tx1"/>
+        </a:solidFill>
+        <a:latin typeface="+mn-lt"/>
+        <a:ea typeface="+mn-ea"/>
+        <a:cs typeface="+mn-cs"/>
+      </a:defRPr>
+    </a:lvl3pPr>
+    <a:lvl4pPr marL="1371600" algn="l" defTabSz="914400" rtl="0" eaLnBrk="1" latinLnBrk="0" hangingPunct="1">
+      <a:defRPr sz="1200" kern="1200">
+        <a:solidFill>
+          <a:schemeClr val="tx1"/>
+        </a:solidFill>
+        <a:latin typeface="+mn-lt"/>
+        <a:ea typeface="+mn-ea"/>
+        <a:cs typeface="+mn-cs"/>
+      </a:defRPr>
+    </a:lvl4pPr>
+    <a:lvl5pPr marL="1828800" algn="l" defTabSz="914400" rtl="0" eaLnBrk="1" latinLnBrk="0" hangingPunct="1">
+      <a:defRPr sz="1200" kern="1200">
+        <a:solidFill>
+          <a:schemeClr val="tx1"/>
+        </a:solidFill>
+        <a:latin typeface="+mn-lt"/>
+        <a:ea typeface="+mn-ea"/>
+        <a:cs typeface="+mn-cs"/>
+      </a:defRPr>
+    </a:lvl5pPr>
+    <a:lvl6pPr marL="2286000" algn="l" defTabSz="914400" rtl="0" eaLnBrk="1" latinLnBrk="0" hangingPunct="1">
+      <a:defRPr sz="1200" kern="1200">
+        <a:solidFill>
+          <a:schemeClr val="tx1"/>
+        </a:solidFill>
+        <a:latin typeface="+mn-lt"/>
+        <a:ea typeface="+mn-ea"/>
+        <a:cs typeface="+mn-cs"/>
+      </a:defRPr>
+    </a:lvl6pPr>
+    <a:lvl7pPr marL="2743200" algn="l" defTabSz="914400" rtl="0" eaLnBrk="1" latinLnBrk="0" hangingPunct="1">
+      <a:defRPr sz="1200" kern="1200">
+        <a:solidFill>
+          <a:schemeClr val="tx1"/>
+        </a:solidFill>
+        <a:latin typeface="+mn-lt"/>
+        <a:ea typeface="+mn-ea"/>
+        <a:cs typeface="+mn-cs"/>
+      </a:defRPr>
+    </a:lvl7pPr>
+    <a:lvl8pPr marL="3200400" algn="l" defTabSz="914400" rtl="0" eaLnBrk="1" latinLnBrk="0" hangingPunct="1">
+      <a:defRPr sz="1200" kern="1200">
+        <a:solidFill>
+          <a:schemeClr val="tx1"/>
+        </a:solidFill>
+        <a:latin typeface="+mn-lt"/>
+        <a:ea typeface="+mn-ea"/>
+        <a:cs typeface="+mn-cs"/>
+      </a:defRPr>
+    </a:lvl8pPr>
+    <a:lvl9pPr marL="3657600" algn="l" defTabSz="914400" rtl="0" eaLnBrk="1" latinLnBrk="0" hangingPunct="1">
+      <a:defRPr sz="1200" kern="1200">
+        <a:solidFill>
+          <a:schemeClr val="tx1"/>
+        </a:solidFill>
+        <a:latin typeface="+mn-lt"/>
+        <a:ea typeface="+mn-ea"/>
+        <a:cs typeface="+mn-cs"/>
+      </a:defRPr>
+    </a:lvl9pPr>
+  </p:notesStyle>
+</p:notesMaster>
+</file>
+
+<file path=ppt/notesSlides/notesSlide1.xml><?xml version="1.0" encoding="utf-8"?>
+<p:notes xmlns:a="http://schemas.openxmlformats.org/drawingml/2006/main" xmlns:r="http://schemas.openxmlformats.org/officeDocument/2006/relationships" xmlns:p="http://schemas.openxmlformats.org/presentationml/2006/main">
+  <p:cSld>
+    <p:spTree>
+      <p:nvGrpSpPr>
+        <p:cNvPr id="1" name=""/>
+        <p:cNvGrpSpPr/>
+        <p:nvPr/>
+      </p:nvGrpSpPr>
+      <p:grpSpPr/>
+      <p:sp>
+        <p:nvSpPr>
+          <p:cNvPr id="2" name="幻灯片图像占位符 1"/>
+          <p:cNvSpPr/>
+          <p:nvPr>
+            <p:ph type="sldImg" idx="2"/>
+          </p:nvPr>
+        </p:nvSpPr>
+        <p:spPr/>
+      </p:sp>
+      <p:sp>
+        <p:nvSpPr>
+          <p:cNvPr id="3" name="文本占位符 2"/>
+          <p:cNvSpPr/>
+          <p:nvPr>
+            <p:ph type="body" idx="3"/>
+          </p:nvPr>
+        </p:nvSpPr>
+        <p:spPr/>
+        <p:txBody>
+          <a:bodyPr/>
+          <a:p>
+            <a:r>
+              <a:rPr lang="zh-CN" altLang="en-US"/>
+              <a:t>所以，网页中，我们编写</a:t>
+            </a:r>
+            <a:r>
+              <a:rPr lang="en-US" altLang="zh-CN"/>
+              <a:t>HTML</a:t>
+            </a:r>
+            <a:r>
+              <a:rPr lang="zh-CN" altLang="en-US"/>
+              <a:t>，要</a:t>
+            </a:r>
+            <a:r>
+              <a:rPr lang="en-US" altLang="zh-CN"/>
+              <a:t>meta</a:t>
+            </a:r>
+            <a:r>
+              <a:rPr lang="zh-CN" altLang="en-US"/>
+              <a:t>注明编码；而编写</a:t>
+            </a:r>
+            <a:r>
+              <a:rPr lang="en-US" altLang="zh-CN"/>
+              <a:t>HTML</a:t>
+            </a:r>
+            <a:r>
+              <a:rPr lang="zh-CN" altLang="en-US"/>
+              <a:t>的文本编辑器使用的编码格式要跟</a:t>
+            </a:r>
+            <a:r>
+              <a:rPr lang="en-US" altLang="zh-CN"/>
+              <a:t>meta</a:t>
+            </a:r>
+            <a:r>
+              <a:rPr lang="zh-CN" altLang="en-US"/>
+              <a:t>一致。</a:t>
+            </a:r>
+            <a:endParaRPr lang="zh-CN" altLang="en-US"/>
+          </a:p>
+          <a:p>
+            <a:r>
+              <a:rPr lang="zh-CN" altLang="en-US"/>
+              <a:t>另外，引入</a:t>
+            </a:r>
+            <a:r>
+              <a:rPr lang="en-US" altLang="zh-CN"/>
+              <a:t>js</a:t>
+            </a:r>
+            <a:r>
+              <a:rPr lang="zh-CN" altLang="en-US"/>
+              <a:t>、</a:t>
+            </a:r>
+            <a:r>
+              <a:rPr lang="en-US" altLang="zh-CN"/>
+              <a:t>css</a:t>
+            </a:r>
+            <a:r>
+              <a:rPr lang="zh-CN" altLang="en-US"/>
+              <a:t>文件，涉及到非</a:t>
+            </a:r>
+            <a:r>
+              <a:rPr lang="en-US" altLang="zh-CN"/>
+              <a:t>ascii</a:t>
+            </a:r>
+            <a:r>
+              <a:rPr lang="zh-CN" altLang="en-US"/>
+              <a:t>字符，也需要注明引入的编码方式</a:t>
+            </a:r>
+            <a:endParaRPr lang="zh-CN" altLang="en-US"/>
+          </a:p>
+        </p:txBody>
+      </p:sp>
+    </p:spTree>
+  </p:cSld>
+  <p:clrMapOvr>
+    <a:masterClrMapping/>
+  </p:clrMapOvr>
+</p:notes>
 </file>
 
 <file path=ppt/slideLayouts/slideLayout1.xml><?xml version="1.0" encoding="utf-8"?>
@@ -3295,18 +3758,10 @@
           <a:bodyPr/>
           <a:p>
             <a:r>
-              <a:rPr lang="zh-CN" altLang="en-US"/>
-              <a:t>终端游戏引擎</a:t>
-            </a:r>
-            <a:r>
               <a:rPr lang="en-US" altLang="zh-CN"/>
-              <a:t>JS</a:t>
-            </a:r>
-            <a:r>
-              <a:rPr lang="zh-CN" altLang="en-US"/>
-              <a:t>解析库的坑</a:t>
-            </a:r>
-            <a:endParaRPr lang="zh-CN" altLang="en-US"/>
+              <a:t>UTF-32</a:t>
+            </a:r>
+            <a:endParaRPr lang="en-US" altLang="zh-CN"/>
           </a:p>
         </p:txBody>
       </p:sp>
@@ -3325,27 +3780,35 @@
           <a:bodyPr/>
           <a:p>
             <a:r>
-              <a:rPr lang="zh-CN" altLang="en-US"/>
-              <a:t>遇到特殊昵称导致</a:t>
-            </a:r>
-            <a:r>
               <a:rPr lang="en-US" altLang="zh-CN"/>
-              <a:t>json</a:t>
-            </a:r>
-            <a:r>
-              <a:rPr lang="zh-CN" altLang="en-US"/>
-              <a:t>解析</a:t>
+              <a:t>Unicode</a:t>
+            </a:r>
+            <a:r>
+              <a:rPr lang="zh-CN" altLang="en-US"/>
+              <a:t>只是字符集</a:t>
+            </a:r>
+            <a:endParaRPr lang="zh-CN" altLang="en-US"/>
+          </a:p>
+          <a:p>
+            <a:r>
+              <a:rPr lang="zh-CN" altLang="en-US"/>
+              <a:t>最直观方式</a:t>
             </a:r>
             <a:r>
               <a:rPr lang="en-US" altLang="zh-CN"/>
-              <a:t>exception</a:t>
-            </a:r>
-            <a:endParaRPr lang="en-US" altLang="zh-CN"/>
-          </a:p>
-          <a:p>
-            <a:r>
-              <a:rPr lang="zh-CN" altLang="en-US"/>
-              <a:t>表现：</a:t>
+              <a:t>——</a:t>
+            </a:r>
+            <a:r>
+              <a:rPr lang="zh-CN" altLang="en-US"/>
+              <a:t>每个字符</a:t>
+            </a:r>
+            <a:r>
+              <a:rPr lang="en-US" altLang="zh-CN"/>
+              <a:t>	4</a:t>
+            </a:r>
+            <a:r>
+              <a:rPr lang="zh-CN" altLang="en-US"/>
+              <a:t>字节</a:t>
             </a:r>
             <a:endParaRPr lang="zh-CN" altLang="en-US"/>
           </a:p>
@@ -3353,7 +3816,7 @@
             <a:pPr lvl="1"/>
             <a:r>
               <a:rPr lang="zh-CN" altLang="en-US"/>
-              <a:t>无法启动游戏（抓人无法安排工作）</a:t>
+              <a:t>U+0000 = 0x0000 0000</a:t>
             </a:r>
             <a:endParaRPr lang="zh-CN" altLang="en-US"/>
           </a:p>
@@ -3361,47 +3824,40 @@
             <a:pPr lvl="1"/>
             <a:r>
               <a:rPr lang="zh-CN" altLang="en-US"/>
-              <a:t>游戏内无法通过</a:t>
+              <a:t>U+597D = 0x0000 597D</a:t>
+            </a:r>
+            <a:endParaRPr lang="zh-CN" altLang="en-US"/>
+          </a:p>
+          <a:p>
+            <a:pPr lvl="0"/>
+            <a:r>
+              <a:rPr lang="zh-CN" altLang="en-US"/>
+              <a:t>缺点</a:t>
+            </a:r>
+            <a:endParaRPr lang="zh-CN" altLang="en-US"/>
+          </a:p>
+          <a:p>
+            <a:pPr lvl="1"/>
+            <a:r>
+              <a:rPr lang="zh-CN" altLang="en-US"/>
+              <a:t>浪费空间</a:t>
+            </a:r>
+            <a:endParaRPr lang="zh-CN" altLang="en-US"/>
+          </a:p>
+          <a:p>
+            <a:pPr lvl="1"/>
+            <a:r>
+              <a:rPr lang="zh-CN" altLang="en-US"/>
+              <a:t>纯英文字母，是</a:t>
             </a:r>
             <a:r>
               <a:rPr lang="en-US" altLang="zh-CN"/>
-              <a:t>sso</a:t>
-            </a:r>
-            <a:r>
-              <a:rPr lang="zh-CN" altLang="en-US"/>
-              <a:t>获取昵称</a:t>
-            </a:r>
-            <a:endParaRPr lang="zh-CN" altLang="en-US"/>
-          </a:p>
-          <a:p>
-            <a:pPr lvl="1"/>
-            <a:endParaRPr lang="zh-CN" altLang="en-US"/>
-          </a:p>
-          <a:p>
-            <a:pPr lvl="0"/>
-            <a:r>
-              <a:rPr lang="zh-CN" altLang="en-US" sz="2400"/>
-              <a:t>解决：</a:t>
-            </a:r>
-            <a:endParaRPr lang="zh-CN" altLang="en-US" sz="2400"/>
-          </a:p>
-          <a:p>
-            <a:pPr lvl="1"/>
-            <a:r>
-              <a:rPr lang="zh-CN" altLang="en-US" sz="2000"/>
-              <a:t>对</a:t>
-            </a:r>
-            <a:r>
-              <a:rPr lang="en-US" altLang="zh-CN" sz="2000"/>
-              <a:t>D800</a:t>
-            </a:r>
-            <a:r>
-              <a:rPr lang="zh-CN" altLang="en-US" sz="2000"/>
-              <a:t>以上某些辅助平面做字符过滤</a:t>
-            </a:r>
-            <a:endParaRPr lang="zh-CN" altLang="en-US" sz="2000"/>
-          </a:p>
-          <a:p>
+              <a:t>ASCII  4</a:t>
+            </a:r>
+            <a:r>
+              <a:rPr lang="zh-CN" altLang="en-US"/>
+              <a:t>倍</a:t>
+            </a:r>
             <a:endParaRPr lang="zh-CN" altLang="en-US"/>
           </a:p>
         </p:txBody>
@@ -3443,7 +3899,7 @@
           <a:p>
             <a:r>
               <a:rPr lang="en-US" altLang="zh-CN"/>
-              <a:t>UTF-16</a:t>
+              <a:t>UTF-8</a:t>
             </a:r>
             <a:endParaRPr lang="en-US" altLang="zh-CN"/>
           </a:p>
@@ -3462,127 +3918,97 @@
         <p:spPr/>
         <p:txBody>
           <a:bodyPr>
-            <a:normAutofit fontScale="90000" lnSpcReduction="10000"/>
+            <a:normAutofit fontScale="90000" lnSpcReduction="20000"/>
           </a:bodyPr>
           <a:p>
             <a:r>
               <a:rPr lang="zh-CN" altLang="en-US"/>
-              <a:t>UTF-16编码介于UTF-32与UTF-8之间</a:t>
-            </a:r>
-            <a:endParaRPr lang="zh-CN" altLang="en-US"/>
-          </a:p>
-          <a:p>
-            <a:r>
-              <a:rPr lang="zh-CN" altLang="en-US"/>
-              <a:t>变长编码</a:t>
-            </a:r>
-            <a:endParaRPr lang="zh-CN" altLang="en-US"/>
-          </a:p>
-          <a:p>
-            <a:pPr lvl="1"/>
-            <a:r>
-              <a:rPr lang="zh-CN" altLang="en-US"/>
-              <a:t>基本平面的字符占用2个字节，辅助平面的字符占用4个字节</a:t>
-            </a:r>
-            <a:endParaRPr lang="zh-CN" altLang="en-US"/>
-          </a:p>
-          <a:p>
-            <a:endParaRPr lang="zh-CN" altLang="en-US"/>
-          </a:p>
-          <a:p>
-            <a:r>
-              <a:rPr lang="zh-CN" altLang="en-US"/>
-              <a:t>问题</a:t>
-            </a:r>
-            <a:r>
-              <a:rPr lang="en-US" altLang="zh-CN"/>
-              <a:t>——</a:t>
-            </a:r>
-            <a:r>
-              <a:rPr lang="zh-CN" altLang="en-US"/>
-              <a:t>遇到</a:t>
-            </a:r>
-            <a:r>
-              <a:rPr lang="en-US" altLang="zh-CN"/>
-              <a:t>2</a:t>
-            </a:r>
-            <a:r>
-              <a:rPr lang="zh-CN" altLang="en-US"/>
-              <a:t>个字节，如何知道是否需要读取后</a:t>
-            </a:r>
-            <a:r>
-              <a:rPr lang="en-US" altLang="zh-CN"/>
-              <a:t>2</a:t>
-            </a:r>
-            <a:r>
-              <a:rPr lang="zh-CN" altLang="en-US"/>
-              <a:t>个字节？</a:t>
-            </a:r>
-            <a:endParaRPr lang="zh-CN" altLang="en-US"/>
-          </a:p>
-          <a:p>
-            <a:pPr lvl="1"/>
-            <a:r>
-              <a:rPr lang="zh-CN" altLang="en-US"/>
-              <a:t>U+D800到U+DFFF是一个空段</a:t>
-            </a:r>
-            <a:endParaRPr lang="zh-CN" altLang="en-US"/>
-          </a:p>
-          <a:p>
-            <a:pPr lvl="1"/>
-            <a:r>
-              <a:rPr lang="zh-CN" altLang="en-US"/>
-              <a:t>遇到两个字节，发现它的码点在U+D800到U+DBFF之间，就需要连同后</a:t>
-            </a:r>
-            <a:r>
-              <a:rPr lang="en-US" altLang="zh-CN"/>
-              <a:t>2</a:t>
-            </a:r>
-            <a:r>
-              <a:rPr lang="zh-CN" altLang="en-US"/>
-              <a:t>个字节处理</a:t>
-            </a:r>
-            <a:endParaRPr lang="zh-CN" altLang="en-US"/>
-          </a:p>
-          <a:p>
-            <a:pPr lvl="1"/>
-            <a:r>
-              <a:rPr lang="zh-CN" altLang="en-US"/>
-              <a:t>细节：</a:t>
-            </a:r>
-            <a:endParaRPr lang="zh-CN" altLang="en-US"/>
-          </a:p>
-          <a:p>
-            <a:pPr lvl="2"/>
-            <a:r>
-              <a:rPr lang="zh-CN" altLang="en-US"/>
-              <a:t>辅助平面的字符位共有2</a:t>
-            </a:r>
-            <a:r>
-              <a:rPr lang="zh-CN" altLang="en-US" baseline="30000"/>
-              <a:t>20</a:t>
-            </a:r>
-            <a:r>
-              <a:rPr lang="zh-CN" altLang="en-US"/>
-              <a:t>个</a:t>
-            </a:r>
-            <a:endParaRPr lang="zh-CN" altLang="en-US"/>
-          </a:p>
-          <a:p>
-            <a:pPr lvl="2"/>
-            <a:r>
-              <a:rPr lang="zh-CN" altLang="en-US" sz="1800"/>
-              <a:t>前10位映射在U+D800到U+DBFF称为高位（H），后10位映射在U+DC00到U+DFFF，称为低位（L）</a:t>
-            </a:r>
-            <a:endParaRPr lang="zh-CN" altLang="en-US" sz="1800"/>
-          </a:p>
-          <a:p>
-            <a:pPr lvl="2"/>
-            <a:endParaRPr lang="zh-CN" altLang="en-US" sz="1800"/>
-          </a:p>
-          <a:p>
-            <a:pPr lvl="1"/>
-            <a:endParaRPr lang="zh-CN" altLang="en-US"/>
+              <a:t>UTF-8是一种变长的编码方法，字符长度从1个字节到4个字节不等</a:t>
+            </a:r>
+            <a:endParaRPr lang="zh-CN" altLang="en-US"/>
+          </a:p>
+          <a:p>
+            <a:r>
+              <a:rPr lang="zh-CN" altLang="en-US"/>
+              <a:t>最前面的128个字符，只使用1个字节表示，与ASCII码完全相同</a:t>
+            </a:r>
+            <a:endParaRPr lang="zh-CN" altLang="en-US"/>
+          </a:p>
+          <a:p>
+            <a:pPr marL="0" indent="0">
+              <a:buNone/>
+            </a:pPr>
+            <a:endParaRPr lang="zh-CN" altLang="en-US"/>
+          </a:p>
+          <a:p>
+            <a:pPr marL="0" indent="0">
+              <a:buNone/>
+            </a:pPr>
+            <a:r>
+              <a:rPr lang="zh-CN" altLang="en-US" sz="2000"/>
+              <a:t>   Char. number range        |        UTF-8 octet sequence</a:t>
+            </a:r>
+            <a:endParaRPr lang="zh-CN" altLang="en-US" sz="2000"/>
+          </a:p>
+          <a:p>
+            <a:pPr marL="0" indent="0">
+              <a:buNone/>
+            </a:pPr>
+            <a:r>
+              <a:rPr lang="zh-CN" altLang="en-US" sz="2000"/>
+              <a:t>      (hexadecimal)               |              (binary)</a:t>
+            </a:r>
+            <a:endParaRPr lang="zh-CN" altLang="en-US" sz="2000"/>
+          </a:p>
+          <a:p>
+            <a:pPr marL="0" indent="0">
+              <a:buNone/>
+            </a:pPr>
+            <a:r>
+              <a:rPr lang="zh-CN" altLang="en-US" sz="2000"/>
+              <a:t>   --------------------------+---------------------------------------------</a:t>
+            </a:r>
+            <a:endParaRPr lang="zh-CN" altLang="en-US" sz="2000"/>
+          </a:p>
+          <a:p>
+            <a:pPr marL="0" indent="0">
+              <a:buNone/>
+            </a:pPr>
+            <a:r>
+              <a:rPr lang="zh-CN" altLang="en-US" sz="2000"/>
+              <a:t>   0000 0000 到 0000 007F | 0xxxxxxx</a:t>
+            </a:r>
+            <a:endParaRPr lang="zh-CN" altLang="en-US" sz="2000"/>
+          </a:p>
+          <a:p>
+            <a:pPr marL="0" indent="0">
+              <a:buNone/>
+            </a:pPr>
+            <a:r>
+              <a:rPr lang="zh-CN" altLang="en-US" sz="2000"/>
+              <a:t>   0000 0080 到 0000 07FF | 110xxxxx 10xxxxxx</a:t>
+            </a:r>
+            <a:endParaRPr lang="zh-CN" altLang="en-US" sz="2000"/>
+          </a:p>
+          <a:p>
+            <a:pPr marL="0" indent="0">
+              <a:buNone/>
+            </a:pPr>
+            <a:r>
+              <a:rPr lang="zh-CN" altLang="en-US" sz="2000"/>
+              <a:t>   0000 0800 到 0000 FFFF | 1110xxxx 10xxxxxx 10xxxxxx</a:t>
+            </a:r>
+            <a:endParaRPr lang="zh-CN" altLang="en-US" sz="2000"/>
+          </a:p>
+          <a:p>
+            <a:pPr marL="0" indent="0">
+              <a:buNone/>
+            </a:pPr>
+            <a:r>
+              <a:rPr lang="zh-CN" altLang="en-US" sz="2000"/>
+              <a:t>   0001 0000 到 0010 FFFF | 11110xxx 10xxxxxx 10xxxxxx 10xxxxxx</a:t>
+            </a:r>
+            <a:endParaRPr lang="zh-CN" altLang="en-US" sz="2000"/>
           </a:p>
         </p:txBody>
       </p:sp>
@@ -3598,6 +4024,333 @@
 </file>
 
 <file path=ppt/slides/slide12.xml><?xml version="1.0" encoding="utf-8"?>
+<p:sld xmlns:a="http://schemas.openxmlformats.org/drawingml/2006/main" xmlns:r="http://schemas.openxmlformats.org/officeDocument/2006/relationships" xmlns:p="http://schemas.openxmlformats.org/presentationml/2006/main">
+  <p:cSld>
+    <p:spTree>
+      <p:nvGrpSpPr>
+        <p:cNvPr id="1" name=""/>
+        <p:cNvGrpSpPr/>
+        <p:nvPr/>
+      </p:nvGrpSpPr>
+      <p:grpSpPr/>
+      <p:sp>
+        <p:nvSpPr>
+          <p:cNvPr id="2" name="标题 1"/>
+          <p:cNvSpPr>
+            <a:spLocks noGrp="1"/>
+          </p:cNvSpPr>
+          <p:nvPr>
+            <p:ph type="title"/>
+          </p:nvPr>
+        </p:nvSpPr>
+        <p:spPr/>
+        <p:txBody>
+          <a:bodyPr/>
+          <a:p>
+            <a:r>
+              <a:rPr lang="zh-CN" altLang="en-US"/>
+              <a:t>终端游戏引擎</a:t>
+            </a:r>
+            <a:r>
+              <a:rPr lang="en-US" altLang="zh-CN"/>
+              <a:t>JS</a:t>
+            </a:r>
+            <a:r>
+              <a:rPr lang="zh-CN" altLang="en-US"/>
+              <a:t>解析库的坑</a:t>
+            </a:r>
+            <a:endParaRPr lang="zh-CN" altLang="en-US"/>
+          </a:p>
+        </p:txBody>
+      </p:sp>
+      <p:sp>
+        <p:nvSpPr>
+          <p:cNvPr id="3" name="内容占位符 2"/>
+          <p:cNvSpPr>
+            <a:spLocks noGrp="1"/>
+          </p:cNvSpPr>
+          <p:nvPr>
+            <p:ph idx="1"/>
+          </p:nvPr>
+        </p:nvSpPr>
+        <p:spPr/>
+        <p:txBody>
+          <a:bodyPr/>
+          <a:p>
+            <a:r>
+              <a:rPr lang="zh-CN" altLang="en-US"/>
+              <a:t>遇到特殊昵称导致</a:t>
+            </a:r>
+            <a:r>
+              <a:rPr lang="en-US" altLang="zh-CN"/>
+              <a:t>json</a:t>
+            </a:r>
+            <a:r>
+              <a:rPr lang="zh-CN" altLang="en-US"/>
+              <a:t>解析</a:t>
+            </a:r>
+            <a:r>
+              <a:rPr lang="en-US" altLang="zh-CN"/>
+              <a:t>exception</a:t>
+            </a:r>
+            <a:endParaRPr lang="en-US" altLang="zh-CN"/>
+          </a:p>
+          <a:p>
+            <a:r>
+              <a:rPr lang="zh-CN" altLang="en-US"/>
+              <a:t>表现：</a:t>
+            </a:r>
+            <a:endParaRPr lang="zh-CN" altLang="en-US"/>
+          </a:p>
+          <a:p>
+            <a:pPr lvl="1"/>
+            <a:r>
+              <a:rPr lang="zh-CN" altLang="en-US"/>
+              <a:t>无法启动游戏（抓人无法安排工作）</a:t>
+            </a:r>
+            <a:endParaRPr lang="zh-CN" altLang="en-US"/>
+          </a:p>
+          <a:p>
+            <a:pPr lvl="1"/>
+            <a:r>
+              <a:rPr lang="zh-CN" altLang="en-US"/>
+              <a:t>游戏内无法通过</a:t>
+            </a:r>
+            <a:r>
+              <a:rPr lang="en-US" altLang="zh-CN"/>
+              <a:t>sso</a:t>
+            </a:r>
+            <a:r>
+              <a:rPr lang="zh-CN" altLang="en-US"/>
+              <a:t>获取昵称</a:t>
+            </a:r>
+            <a:endParaRPr lang="zh-CN" altLang="en-US"/>
+          </a:p>
+          <a:p>
+            <a:pPr lvl="1"/>
+            <a:endParaRPr lang="zh-CN" altLang="en-US"/>
+          </a:p>
+          <a:p>
+            <a:pPr lvl="0"/>
+            <a:r>
+              <a:rPr lang="zh-CN" altLang="en-US" sz="2400"/>
+              <a:t>解决：</a:t>
+            </a:r>
+            <a:endParaRPr lang="zh-CN" altLang="en-US" sz="2400"/>
+          </a:p>
+          <a:p>
+            <a:pPr lvl="1"/>
+            <a:r>
+              <a:rPr lang="zh-CN" altLang="en-US" sz="2000"/>
+              <a:t>对</a:t>
+            </a:r>
+            <a:r>
+              <a:rPr lang="en-US" altLang="zh-CN" sz="2000"/>
+              <a:t>D800</a:t>
+            </a:r>
+            <a:r>
+              <a:rPr lang="zh-CN" altLang="en-US" sz="2000"/>
+              <a:t>以上某些辅助平面做字符过滤</a:t>
+            </a:r>
+            <a:endParaRPr lang="zh-CN" altLang="en-US" sz="2000"/>
+          </a:p>
+          <a:p>
+            <a:endParaRPr lang="zh-CN" altLang="en-US"/>
+          </a:p>
+        </p:txBody>
+      </p:sp>
+    </p:spTree>
+    <p:custDataLst>
+      <p:tags r:id="rId1"/>
+    </p:custDataLst>
+  </p:cSld>
+  <p:clrMapOvr>
+    <a:masterClrMapping/>
+  </p:clrMapOvr>
+</p:sld>
+</file>
+
+<file path=ppt/slides/slide13.xml><?xml version="1.0" encoding="utf-8"?>
+<p:sld xmlns:a="http://schemas.openxmlformats.org/drawingml/2006/main" xmlns:r="http://schemas.openxmlformats.org/officeDocument/2006/relationships" xmlns:p="http://schemas.openxmlformats.org/presentationml/2006/main">
+  <p:cSld>
+    <p:spTree>
+      <p:nvGrpSpPr>
+        <p:cNvPr id="1" name=""/>
+        <p:cNvGrpSpPr/>
+        <p:nvPr/>
+      </p:nvGrpSpPr>
+      <p:grpSpPr/>
+      <p:sp>
+        <p:nvSpPr>
+          <p:cNvPr id="2" name="标题 1"/>
+          <p:cNvSpPr>
+            <a:spLocks noGrp="1"/>
+          </p:cNvSpPr>
+          <p:nvPr>
+            <p:ph type="title"/>
+          </p:nvPr>
+        </p:nvSpPr>
+        <p:spPr/>
+        <p:txBody>
+          <a:bodyPr/>
+          <a:p>
+            <a:r>
+              <a:rPr lang="en-US" altLang="zh-CN"/>
+              <a:t>UTF-16</a:t>
+            </a:r>
+            <a:endParaRPr lang="en-US" altLang="zh-CN"/>
+          </a:p>
+        </p:txBody>
+      </p:sp>
+      <p:sp>
+        <p:nvSpPr>
+          <p:cNvPr id="3" name="内容占位符 2"/>
+          <p:cNvSpPr>
+            <a:spLocks noGrp="1"/>
+          </p:cNvSpPr>
+          <p:nvPr>
+            <p:ph idx="1"/>
+          </p:nvPr>
+        </p:nvSpPr>
+        <p:spPr/>
+        <p:txBody>
+          <a:bodyPr>
+            <a:normAutofit fontScale="90000" lnSpcReduction="10000"/>
+          </a:bodyPr>
+          <a:p>
+            <a:r>
+              <a:rPr lang="zh-CN" altLang="en-US"/>
+              <a:t>UTF-16编码介于UTF-32与UTF-8之间</a:t>
+            </a:r>
+            <a:endParaRPr lang="zh-CN" altLang="en-US"/>
+          </a:p>
+          <a:p>
+            <a:r>
+              <a:rPr lang="zh-CN" altLang="en-US"/>
+              <a:t>变长编码</a:t>
+            </a:r>
+            <a:endParaRPr lang="zh-CN" altLang="en-US"/>
+          </a:p>
+          <a:p>
+            <a:pPr lvl="1"/>
+            <a:r>
+              <a:rPr lang="zh-CN" altLang="en-US"/>
+              <a:t>基本平面的字符占用2个字节，辅助平面的字符占用4个字节</a:t>
+            </a:r>
+            <a:endParaRPr lang="zh-CN" altLang="en-US"/>
+          </a:p>
+          <a:p>
+            <a:endParaRPr lang="zh-CN" altLang="en-US"/>
+          </a:p>
+          <a:p>
+            <a:r>
+              <a:rPr lang="zh-CN" altLang="en-US"/>
+              <a:t>问题</a:t>
+            </a:r>
+            <a:r>
+              <a:rPr lang="en-US" altLang="zh-CN"/>
+              <a:t>——</a:t>
+            </a:r>
+            <a:r>
+              <a:rPr lang="zh-CN" altLang="en-US"/>
+              <a:t>遇到</a:t>
+            </a:r>
+            <a:r>
+              <a:rPr lang="en-US" altLang="zh-CN"/>
+              <a:t>2</a:t>
+            </a:r>
+            <a:r>
+              <a:rPr lang="zh-CN" altLang="en-US"/>
+              <a:t>个字节，如何知道是否需要读取后</a:t>
+            </a:r>
+            <a:r>
+              <a:rPr lang="en-US" altLang="zh-CN"/>
+              <a:t>2</a:t>
+            </a:r>
+            <a:r>
+              <a:rPr lang="zh-CN" altLang="en-US"/>
+              <a:t>个字节？</a:t>
+            </a:r>
+            <a:endParaRPr lang="zh-CN" altLang="en-US"/>
+          </a:p>
+          <a:p>
+            <a:pPr lvl="1"/>
+            <a:r>
+              <a:rPr lang="zh-CN" altLang="en-US"/>
+              <a:t>U+D800到U+DFFF是一个空段</a:t>
+            </a:r>
+            <a:endParaRPr lang="zh-CN" altLang="en-US"/>
+          </a:p>
+          <a:p>
+            <a:pPr lvl="1"/>
+            <a:r>
+              <a:rPr lang="zh-CN" altLang="en-US"/>
+              <a:t>遇到两个字节，发现它的码点在U+D800到U+DBFF之间，就需要连同后</a:t>
+            </a:r>
+            <a:r>
+              <a:rPr lang="en-US" altLang="zh-CN"/>
+              <a:t>2</a:t>
+            </a:r>
+            <a:r>
+              <a:rPr lang="zh-CN" altLang="en-US"/>
+              <a:t>个字节处理</a:t>
+            </a:r>
+            <a:endParaRPr lang="zh-CN" altLang="en-US"/>
+          </a:p>
+          <a:p>
+            <a:pPr lvl="1"/>
+            <a:r>
+              <a:rPr lang="zh-CN" altLang="en-US"/>
+              <a:t>细节：</a:t>
+            </a:r>
+            <a:endParaRPr lang="zh-CN" altLang="en-US"/>
+          </a:p>
+          <a:p>
+            <a:pPr lvl="2"/>
+            <a:r>
+              <a:rPr lang="zh-CN" altLang="en-US"/>
+              <a:t>辅助平面的字符位共有2</a:t>
+            </a:r>
+            <a:r>
+              <a:rPr lang="zh-CN" altLang="en-US" baseline="30000"/>
+              <a:t>20</a:t>
+            </a:r>
+            <a:r>
+              <a:rPr lang="zh-CN" altLang="en-US"/>
+              <a:t>个</a:t>
+            </a:r>
+            <a:endParaRPr lang="zh-CN" altLang="en-US"/>
+          </a:p>
+          <a:p>
+            <a:pPr lvl="2"/>
+            <a:r>
+              <a:rPr lang="zh-CN" altLang="en-US" sz="1800"/>
+              <a:t>前10位映射在U+D800到U+DBFF称为高位（H），后10位映射在U+DC00到U+DFFF，称为低位（L）</a:t>
+            </a:r>
+            <a:endParaRPr lang="zh-CN" altLang="en-US" sz="1800"/>
+          </a:p>
+          <a:p>
+            <a:pPr lvl="2"/>
+            <a:endParaRPr lang="zh-CN" altLang="en-US" sz="1800"/>
+          </a:p>
+          <a:p>
+            <a:pPr lvl="1"/>
+            <a:endParaRPr lang="zh-CN" altLang="en-US"/>
+          </a:p>
+        </p:txBody>
+      </p:sp>
+    </p:spTree>
+    <p:custDataLst>
+      <p:tags r:id="rId1"/>
+    </p:custDataLst>
+  </p:cSld>
+  <p:clrMapOvr>
+    <a:masterClrMapping/>
+  </p:clrMapOvr>
+</p:sld>
+</file>
+
+<file path=ppt/slides/slide14.xml><?xml version="1.0" encoding="utf-8"?>
 <p:sld xmlns:a="http://schemas.openxmlformats.org/drawingml/2006/main" xmlns:r="http://schemas.openxmlformats.org/officeDocument/2006/relationships" xmlns:p="http://schemas.openxmlformats.org/presentationml/2006/main">
   <p:cSld>
     <p:spTree>
@@ -3716,7 +4469,7 @@
 </p:sld>
 </file>
 
-<file path=ppt/slides/slide13.xml><?xml version="1.0" encoding="utf-8"?>
+<file path=ppt/slides/slide15.xml><?xml version="1.0" encoding="utf-8"?>
 <p:sld xmlns:a="http://schemas.openxmlformats.org/drawingml/2006/main" xmlns:r="http://schemas.openxmlformats.org/officeDocument/2006/relationships" xmlns:p="http://schemas.openxmlformats.org/presentationml/2006/main">
   <p:cSld>
     <p:spTree>
@@ -3865,7 +4618,7 @@
 </p:sld>
 </file>
 
-<file path=ppt/slides/slide14.xml><?xml version="1.0" encoding="utf-8"?>
+<file path=ppt/slides/slide16.xml><?xml version="1.0" encoding="utf-8"?>
 <p:sld xmlns:a="http://schemas.openxmlformats.org/drawingml/2006/main" xmlns:r="http://schemas.openxmlformats.org/officeDocument/2006/relationships" xmlns:p="http://schemas.openxmlformats.org/presentationml/2006/main">
   <p:cSld>
     <p:spTree>
@@ -3989,7 +4742,7 @@
 </p:sld>
 </file>
 
-<file path=ppt/slides/slide15.xml><?xml version="1.0" encoding="utf-8"?>
+<file path=ppt/slides/slide17.xml><?xml version="1.0" encoding="utf-8"?>
 <p:sld xmlns:a="http://schemas.openxmlformats.org/drawingml/2006/main" xmlns:r="http://schemas.openxmlformats.org/officeDocument/2006/relationships" xmlns:p="http://schemas.openxmlformats.org/presentationml/2006/main">
   <p:cSld>
     <p:spTree>
@@ -4105,7 +4858,7 @@
 </p:sld>
 </file>
 
-<file path=ppt/slides/slide16.xml><?xml version="1.0" encoding="utf-8"?>
+<file path=ppt/slides/slide18.xml><?xml version="1.0" encoding="utf-8"?>
 <p:sld xmlns:a="http://schemas.openxmlformats.org/drawingml/2006/main" xmlns:r="http://schemas.openxmlformats.org/officeDocument/2006/relationships" xmlns:p="http://schemas.openxmlformats.org/presentationml/2006/main">
   <p:cSld>
     <p:spTree>
@@ -4204,7 +4957,7 @@
 </p:sld>
 </file>
 
-<file path=ppt/slides/slide17.xml><?xml version="1.0" encoding="utf-8"?>
+<file path=ppt/slides/slide19.xml><?xml version="1.0" encoding="utf-8"?>
 <p:sld xmlns:a="http://schemas.openxmlformats.org/drawingml/2006/main" xmlns:r="http://schemas.openxmlformats.org/officeDocument/2006/relationships" xmlns:p="http://schemas.openxmlformats.org/presentationml/2006/main">
   <p:cSld>
     <p:spTree>
@@ -4302,236 +5055,6 @@
     </p:spTree>
     <p:custDataLst>
       <p:tags r:id="rId2"/>
-    </p:custDataLst>
-  </p:cSld>
-  <p:clrMapOvr>
-    <a:masterClrMapping/>
-  </p:clrMapOvr>
-</p:sld>
-</file>
-
-<file path=ppt/slides/slide18.xml><?xml version="1.0" encoding="utf-8"?>
-<p:sld xmlns:a="http://schemas.openxmlformats.org/drawingml/2006/main" xmlns:r="http://schemas.openxmlformats.org/officeDocument/2006/relationships" xmlns:p="http://schemas.openxmlformats.org/presentationml/2006/main">
-  <p:cSld>
-    <p:spTree>
-      <p:nvGrpSpPr>
-        <p:cNvPr id="1" name=""/>
-        <p:cNvGrpSpPr/>
-        <p:nvPr/>
-      </p:nvGrpSpPr>
-      <p:grpSpPr/>
-      <p:sp>
-        <p:nvSpPr>
-          <p:cNvPr id="2" name="标题 1"/>
-          <p:cNvSpPr>
-            <a:spLocks noGrp="1"/>
-          </p:cNvSpPr>
-          <p:nvPr>
-            <p:ph type="title"/>
-          </p:nvPr>
-        </p:nvSpPr>
-        <p:spPr/>
-        <p:txBody>
-          <a:bodyPr/>
-          <a:p>
-            <a:r>
-              <a:rPr lang="en-US" altLang="zh-CN"/>
-              <a:t>CSS</a:t>
-            </a:r>
-            <a:r>
-              <a:rPr lang="zh-CN" altLang="en-US"/>
-              <a:t>和</a:t>
-            </a:r>
-            <a:r>
-              <a:rPr lang="en-US" altLang="zh-CN"/>
-              <a:t>Unicode</a:t>
-            </a:r>
-            <a:endParaRPr lang="en-US" altLang="zh-CN"/>
-          </a:p>
-        </p:txBody>
-      </p:sp>
-      <p:sp>
-        <p:nvSpPr>
-          <p:cNvPr id="3" name="内容占位符 2"/>
-          <p:cNvSpPr>
-            <a:spLocks noGrp="1"/>
-          </p:cNvSpPr>
-          <p:nvPr>
-            <p:ph idx="1"/>
-          </p:nvPr>
-        </p:nvSpPr>
-        <p:spPr/>
-        <p:txBody>
-          <a:bodyPr/>
-          <a:p>
-            <a:r>
-              <a:rPr lang="en-US" altLang="zh-CN"/>
-              <a:t>\  +  </a:t>
-            </a:r>
-            <a:r>
-              <a:rPr lang="zh-CN" altLang="en-US"/>
-              <a:t>16进制</a:t>
-            </a:r>
-            <a:endParaRPr lang="zh-CN" altLang="en-US"/>
-          </a:p>
-        </p:txBody>
-      </p:sp>
-      <p:pic>
-        <p:nvPicPr>
-          <p:cNvPr id="5" name="内容占位符 3"/>
-          <p:cNvPicPr>
-            <a:picLocks noChangeAspect="1"/>
-          </p:cNvPicPr>
-          <p:nvPr/>
-        </p:nvPicPr>
-        <p:blipFill>
-          <a:blip r:embed="rId1"/>
-          <a:stretch>
-            <a:fillRect/>
-          </a:stretch>
-        </p:blipFill>
-        <p:spPr>
-          <a:xfrm>
-            <a:off x="3858260" y="2481580"/>
-            <a:ext cx="4017010" cy="1354455"/>
-          </a:xfrm>
-          <a:prstGeom prst="rect">
-            <a:avLst/>
-          </a:prstGeom>
-        </p:spPr>
-      </p:pic>
-    </p:spTree>
-    <p:custDataLst>
-      <p:tags r:id="rId2"/>
-    </p:custDataLst>
-  </p:cSld>
-  <p:clrMapOvr>
-    <a:masterClrMapping/>
-  </p:clrMapOvr>
-</p:sld>
-</file>
-
-<file path=ppt/slides/slide19.xml><?xml version="1.0" encoding="utf-8"?>
-<p:sld xmlns:a="http://schemas.openxmlformats.org/drawingml/2006/main" xmlns:r="http://schemas.openxmlformats.org/officeDocument/2006/relationships" xmlns:p="http://schemas.openxmlformats.org/presentationml/2006/main">
-  <p:cSld>
-    <p:spTree>
-      <p:nvGrpSpPr>
-        <p:cNvPr id="1" name=""/>
-        <p:cNvGrpSpPr/>
-        <p:nvPr/>
-      </p:nvGrpSpPr>
-      <p:grpSpPr/>
-      <p:sp>
-        <p:nvSpPr>
-          <p:cNvPr id="2" name="标题 1"/>
-          <p:cNvSpPr>
-            <a:spLocks noGrp="1"/>
-          </p:cNvSpPr>
-          <p:nvPr>
-            <p:ph type="title"/>
-          </p:nvPr>
-        </p:nvSpPr>
-        <p:spPr/>
-        <p:txBody>
-          <a:bodyPr/>
-          <a:p>
-            <a:r>
-              <a:rPr lang="en-US" altLang="zh-CN"/>
-              <a:t>XSS</a:t>
-            </a:r>
-            <a:r>
-              <a:rPr lang="zh-CN" altLang="en-US"/>
-              <a:t>和</a:t>
-            </a:r>
-            <a:r>
-              <a:rPr lang="en-US" altLang="zh-CN"/>
-              <a:t>Unicode</a:t>
-            </a:r>
-            <a:endParaRPr lang="en-US" altLang="zh-CN"/>
-          </a:p>
-        </p:txBody>
-      </p:sp>
-      <p:sp>
-        <p:nvSpPr>
-          <p:cNvPr id="3" name="内容占位符 2"/>
-          <p:cNvSpPr>
-            <a:spLocks noGrp="1"/>
-          </p:cNvSpPr>
-          <p:nvPr>
-            <p:ph idx="1"/>
-          </p:nvPr>
-        </p:nvSpPr>
-        <p:spPr/>
-        <p:txBody>
-          <a:bodyPr>
-            <a:normAutofit/>
-          </a:bodyPr>
-          <a:p>
-            <a:r>
-              <a:rPr lang="zh-CN" altLang="en-US"/>
-              <a:t>混合</a:t>
-            </a:r>
-            <a:r>
-              <a:rPr lang="en-US" altLang="zh-CN"/>
-              <a:t>html</a:t>
-            </a:r>
-            <a:r>
-              <a:rPr lang="zh-CN" altLang="en-US"/>
-              <a:t>和</a:t>
-            </a:r>
-            <a:r>
-              <a:rPr lang="en-US" altLang="zh-CN"/>
-              <a:t>JS</a:t>
-            </a:r>
-            <a:r>
-              <a:rPr lang="zh-CN" altLang="en-US"/>
-              <a:t>的</a:t>
-            </a:r>
-            <a:r>
-              <a:rPr lang="en-US" altLang="zh-CN"/>
-              <a:t>unicode</a:t>
-            </a:r>
-            <a:endParaRPr lang="en-US" altLang="zh-CN"/>
-          </a:p>
-          <a:p>
-            <a:r>
-              <a:rPr lang="zh-CN" altLang="en-US"/>
-              <a:t>结合</a:t>
-            </a:r>
-            <a:r>
-              <a:rPr lang="en-US" altLang="zh-CN"/>
-              <a:t>urlencode</a:t>
-            </a:r>
-            <a:endParaRPr lang="en-US" altLang="zh-CN"/>
-          </a:p>
-          <a:p>
-            <a:r>
-              <a:rPr lang="zh-CN" altLang="en-US"/>
-              <a:t>例子：</a:t>
-            </a:r>
-            <a:endParaRPr lang="zh-CN" altLang="en-US"/>
-          </a:p>
-          <a:p>
-            <a:pPr lvl="1"/>
-            <a:r>
-              <a:rPr lang="zh-CN" altLang="en-US"/>
-              <a:t>&lt;a href="javasc&amp;NewLine;ript&amp;colon;alert(1)"&gt;click&lt;/a&gt;</a:t>
-            </a:r>
-            <a:endParaRPr lang="zh-CN" altLang="en-US"/>
-          </a:p>
-          <a:p>
-            <a:pPr lvl="1"/>
-            <a:r>
-              <a:rPr lang="zh-CN" altLang="en-US"/>
-              <a:t>&lt;img src="x" onerror="&amp;#97;&amp;#108;&amp;#101;&amp;#114;&amp;#116;&amp;#40;&amp;#49;&amp;#41;"&gt;</a:t>
-            </a:r>
-            <a:endParaRPr lang="zh-CN" altLang="en-US"/>
-          </a:p>
-        </p:txBody>
-      </p:sp>
-    </p:spTree>
-    <p:custDataLst>
-      <p:tags r:id="rId1"/>
     </p:custDataLst>
   </p:cSld>
   <p:clrMapOvr>
@@ -4654,24 +5177,119 @@
           <a:bodyPr/>
           <a:p>
             <a:r>
-              <a:rPr lang="en-US" altLang="zh-CN">
-                <a:sym typeface="+mn-ea"/>
-              </a:rPr>
+              <a:rPr lang="en-US" altLang="zh-CN"/>
+              <a:t>CSS</a:t>
+            </a:r>
+            <a:r>
+              <a:rPr lang="zh-CN" altLang="en-US"/>
+              <a:t>和</a:t>
+            </a:r>
+            <a:r>
+              <a:rPr lang="en-US" altLang="zh-CN"/>
+              <a:t>Unicode</a:t>
+            </a:r>
+            <a:endParaRPr lang="en-US" altLang="zh-CN"/>
+          </a:p>
+        </p:txBody>
+      </p:sp>
+      <p:sp>
+        <p:nvSpPr>
+          <p:cNvPr id="3" name="内容占位符 2"/>
+          <p:cNvSpPr>
+            <a:spLocks noGrp="1"/>
+          </p:cNvSpPr>
+          <p:nvPr>
+            <p:ph idx="1"/>
+          </p:nvPr>
+        </p:nvSpPr>
+        <p:spPr/>
+        <p:txBody>
+          <a:bodyPr/>
+          <a:p>
+            <a:r>
+              <a:rPr lang="en-US" altLang="zh-CN"/>
+              <a:t>\  +  </a:t>
+            </a:r>
+            <a:r>
+              <a:rPr lang="zh-CN" altLang="en-US"/>
+              <a:t>16进制</a:t>
+            </a:r>
+            <a:endParaRPr lang="zh-CN" altLang="en-US"/>
+          </a:p>
+        </p:txBody>
+      </p:sp>
+      <p:pic>
+        <p:nvPicPr>
+          <p:cNvPr id="5" name="内容占位符 3"/>
+          <p:cNvPicPr>
+            <a:picLocks noChangeAspect="1"/>
+          </p:cNvPicPr>
+          <p:nvPr/>
+        </p:nvPicPr>
+        <p:blipFill>
+          <a:blip r:embed="rId1"/>
+          <a:stretch>
+            <a:fillRect/>
+          </a:stretch>
+        </p:blipFill>
+        <p:spPr>
+          <a:xfrm>
+            <a:off x="3858260" y="2481580"/>
+            <a:ext cx="4017010" cy="1354455"/>
+          </a:xfrm>
+          <a:prstGeom prst="rect">
+            <a:avLst/>
+          </a:prstGeom>
+        </p:spPr>
+      </p:pic>
+    </p:spTree>
+    <p:custDataLst>
+      <p:tags r:id="rId2"/>
+    </p:custDataLst>
+  </p:cSld>
+  <p:clrMapOvr>
+    <a:masterClrMapping/>
+  </p:clrMapOvr>
+</p:sld>
+</file>
+
+<file path=ppt/slides/slide21.xml><?xml version="1.0" encoding="utf-8"?>
+<p:sld xmlns:a="http://schemas.openxmlformats.org/drawingml/2006/main" xmlns:r="http://schemas.openxmlformats.org/officeDocument/2006/relationships" xmlns:p="http://schemas.openxmlformats.org/presentationml/2006/main">
+  <p:cSld>
+    <p:spTree>
+      <p:nvGrpSpPr>
+        <p:cNvPr id="1" name=""/>
+        <p:cNvGrpSpPr/>
+        <p:nvPr/>
+      </p:nvGrpSpPr>
+      <p:grpSpPr/>
+      <p:sp>
+        <p:nvSpPr>
+          <p:cNvPr id="2" name="标题 1"/>
+          <p:cNvSpPr>
+            <a:spLocks noGrp="1"/>
+          </p:cNvSpPr>
+          <p:nvPr>
+            <p:ph type="title"/>
+          </p:nvPr>
+        </p:nvSpPr>
+        <p:spPr/>
+        <p:txBody>
+          <a:bodyPr/>
+          <a:p>
+            <a:r>
+              <a:rPr lang="en-US" altLang="zh-CN"/>
               <a:t>XSS</a:t>
             </a:r>
             <a:r>
-              <a:rPr lang="zh-CN" altLang="en-US">
-                <a:sym typeface="+mn-ea"/>
-              </a:rPr>
+              <a:rPr lang="zh-CN" altLang="en-US"/>
               <a:t>和</a:t>
             </a:r>
             <a:r>
-              <a:rPr lang="en-US" altLang="zh-CN">
-                <a:sym typeface="+mn-ea"/>
-              </a:rPr>
+              <a:rPr lang="en-US" altLang="zh-CN"/>
               <a:t>Unicode</a:t>
             </a:r>
-            <a:endParaRPr lang="zh-CN" altLang="en-US"/>
+            <a:endParaRPr lang="en-US" altLang="zh-CN"/>
           </a:p>
         </p:txBody>
       </p:sp>
@@ -4687,11 +5305,51 @@
         </p:nvSpPr>
         <p:spPr/>
         <p:txBody>
-          <a:bodyPr/>
-          <a:p>
-            <a:r>
-              <a:rPr lang="zh-CN" altLang="en-US"/>
-              <a:t>防范</a:t>
+          <a:bodyPr>
+            <a:normAutofit/>
+          </a:bodyPr>
+          <a:p>
+            <a:r>
+              <a:rPr lang="zh-CN" altLang="en-US"/>
+              <a:t>混合</a:t>
+            </a:r>
+            <a:r>
+              <a:rPr lang="en-US" altLang="zh-CN"/>
+              <a:t>html</a:t>
+            </a:r>
+            <a:r>
+              <a:rPr lang="zh-CN" altLang="en-US"/>
+              <a:t>和</a:t>
+            </a:r>
+            <a:r>
+              <a:rPr lang="en-US" altLang="zh-CN"/>
+              <a:t>JS</a:t>
+            </a:r>
+            <a:r>
+              <a:rPr lang="zh-CN" altLang="en-US"/>
+              <a:t>的</a:t>
+            </a:r>
+            <a:r>
+              <a:rPr lang="en-US" altLang="zh-CN"/>
+              <a:t>unicode</a:t>
+            </a:r>
+            <a:endParaRPr lang="en-US" altLang="zh-CN"/>
+          </a:p>
+          <a:p>
+            <a:r>
+              <a:rPr lang="zh-CN" altLang="en-US"/>
+              <a:t>结合</a:t>
+            </a:r>
+            <a:r>
+              <a:rPr lang="en-US" altLang="zh-CN"/>
+              <a:t>urlencode</a:t>
+            </a:r>
+            <a:endParaRPr lang="en-US" altLang="zh-CN"/>
+          </a:p>
+          <a:p>
+            <a:r>
+              <a:rPr lang="zh-CN" altLang="en-US"/>
+              <a:t>例子：</a:t>
             </a:r>
             <a:endParaRPr lang="zh-CN" altLang="en-US"/>
           </a:p>
@@ -4699,37 +5357,17 @@
             <a:pPr lvl="1"/>
             <a:r>
               <a:rPr lang="zh-CN" altLang="en-US"/>
-              <a:t>模版不要动态填充属性</a:t>
-            </a:r>
-            <a:endParaRPr lang="zh-CN" altLang="en-US"/>
-          </a:p>
-          <a:p>
-            <a:pPr lvl="2"/>
-            <a:r>
-              <a:rPr lang="en-US" altLang="zh-CN"/>
-              <a:t>&lt;img &lt;%=attrName%&gt;=&lt;%=attarValue%&gt; /&gt;</a:t>
-            </a:r>
-            <a:endParaRPr lang="en-US" altLang="zh-CN"/>
+              <a:t>&lt;a href="javasc&amp;NewLine;ript&amp;colon;alert(1)"&gt;click&lt;/a&gt;</a:t>
+            </a:r>
+            <a:endParaRPr lang="zh-CN" altLang="en-US"/>
           </a:p>
           <a:p>
             <a:pPr lvl="1"/>
             <a:r>
-              <a:rPr lang="en-US" altLang="zh-CN"/>
-              <a:t>href</a:t>
-            </a:r>
-            <a:r>
-              <a:rPr lang="zh-CN" altLang="en-US"/>
-              <a:t>的填充要分外注意</a:t>
-            </a:r>
-            <a:endParaRPr lang="zh-CN" altLang="en-US"/>
-          </a:p>
-          <a:p>
-            <a:pPr lvl="2"/>
-            <a:r>
-              <a:rPr lang="zh-CN" altLang="en-US"/>
-              <a:t>最好强校验域名前缀</a:t>
-            </a:r>
-            <a:endParaRPr lang="en-US" altLang="zh-CN"/>
+              <a:rPr lang="zh-CN" altLang="en-US"/>
+              <a:t>&lt;img src="x" onerror="&amp;#97;&amp;#108;&amp;#101;&amp;#114;&amp;#116;&amp;#40;&amp;#49;&amp;#41;"&gt;</a:t>
+            </a:r>
+            <a:endParaRPr lang="zh-CN" altLang="en-US"/>
           </a:p>
         </p:txBody>
       </p:sp>
@@ -4744,7 +5382,122 @@
 </p:sld>
 </file>
 
-<file path=ppt/slides/slide21.xml><?xml version="1.0" encoding="utf-8"?>
+<file path=ppt/slides/slide22.xml><?xml version="1.0" encoding="utf-8"?>
+<p:sld xmlns:a="http://schemas.openxmlformats.org/drawingml/2006/main" xmlns:r="http://schemas.openxmlformats.org/officeDocument/2006/relationships" xmlns:p="http://schemas.openxmlformats.org/presentationml/2006/main">
+  <p:cSld>
+    <p:spTree>
+      <p:nvGrpSpPr>
+        <p:cNvPr id="1" name=""/>
+        <p:cNvGrpSpPr/>
+        <p:nvPr/>
+      </p:nvGrpSpPr>
+      <p:grpSpPr/>
+      <p:sp>
+        <p:nvSpPr>
+          <p:cNvPr id="2" name="标题 1"/>
+          <p:cNvSpPr>
+            <a:spLocks noGrp="1"/>
+          </p:cNvSpPr>
+          <p:nvPr>
+            <p:ph type="title"/>
+          </p:nvPr>
+        </p:nvSpPr>
+        <p:spPr/>
+        <p:txBody>
+          <a:bodyPr/>
+          <a:p>
+            <a:r>
+              <a:rPr lang="en-US" altLang="zh-CN">
+                <a:sym typeface="+mn-ea"/>
+              </a:rPr>
+              <a:t>XSS</a:t>
+            </a:r>
+            <a:r>
+              <a:rPr lang="zh-CN" altLang="en-US">
+                <a:sym typeface="+mn-ea"/>
+              </a:rPr>
+              <a:t>和</a:t>
+            </a:r>
+            <a:r>
+              <a:rPr lang="en-US" altLang="zh-CN">
+                <a:sym typeface="+mn-ea"/>
+              </a:rPr>
+              <a:t>Unicode</a:t>
+            </a:r>
+            <a:endParaRPr lang="zh-CN" altLang="en-US"/>
+          </a:p>
+        </p:txBody>
+      </p:sp>
+      <p:sp>
+        <p:nvSpPr>
+          <p:cNvPr id="3" name="内容占位符 2"/>
+          <p:cNvSpPr>
+            <a:spLocks noGrp="1"/>
+          </p:cNvSpPr>
+          <p:nvPr>
+            <p:ph idx="1"/>
+          </p:nvPr>
+        </p:nvSpPr>
+        <p:spPr/>
+        <p:txBody>
+          <a:bodyPr/>
+          <a:p>
+            <a:r>
+              <a:rPr lang="zh-CN" altLang="en-US"/>
+              <a:t>防范</a:t>
+            </a:r>
+            <a:endParaRPr lang="zh-CN" altLang="en-US"/>
+          </a:p>
+          <a:p>
+            <a:pPr lvl="1"/>
+            <a:r>
+              <a:rPr lang="zh-CN" altLang="en-US"/>
+              <a:t>模版不要动态填充属性</a:t>
+            </a:r>
+            <a:endParaRPr lang="zh-CN" altLang="en-US"/>
+          </a:p>
+          <a:p>
+            <a:pPr lvl="2"/>
+            <a:r>
+              <a:rPr lang="en-US" altLang="zh-CN"/>
+              <a:t>&lt;img &lt;%=attrName%&gt;=&lt;%=attarValue%&gt; /&gt;</a:t>
+            </a:r>
+            <a:endParaRPr lang="en-US" altLang="zh-CN"/>
+          </a:p>
+          <a:p>
+            <a:pPr lvl="1"/>
+            <a:r>
+              <a:rPr lang="en-US" altLang="zh-CN"/>
+              <a:t>href</a:t>
+            </a:r>
+            <a:r>
+              <a:rPr lang="zh-CN" altLang="en-US"/>
+              <a:t>的填充要分外注意</a:t>
+            </a:r>
+            <a:endParaRPr lang="zh-CN" altLang="en-US"/>
+          </a:p>
+          <a:p>
+            <a:pPr lvl="2"/>
+            <a:r>
+              <a:rPr lang="zh-CN" altLang="en-US"/>
+              <a:t>最好强校验域名前缀</a:t>
+            </a:r>
+            <a:endParaRPr lang="en-US" altLang="zh-CN"/>
+          </a:p>
+        </p:txBody>
+      </p:sp>
+    </p:spTree>
+    <p:custDataLst>
+      <p:tags r:id="rId1"/>
+    </p:custDataLst>
+  </p:cSld>
+  <p:clrMapOvr>
+    <a:masterClrMapping/>
+  </p:clrMapOvr>
+</p:sld>
+</file>
+
+<file path=ppt/slides/slide23.xml><?xml version="1.0" encoding="utf-8"?>
 <p:sld xmlns:a="http://schemas.openxmlformats.org/drawingml/2006/main" xmlns:r="http://schemas.openxmlformats.org/officeDocument/2006/relationships" xmlns:p="http://schemas.openxmlformats.org/presentationml/2006/main">
   <p:cSld>
     <p:spTree>
@@ -5126,117 +5879,101 @@
           <a:bodyPr/>
           <a:p>
             <a:r>
+              <a:rPr lang="zh-CN" altLang="en-US"/>
+              <a:t>编码和乱码</a:t>
+            </a:r>
+            <a:endParaRPr lang="zh-CN" altLang="en-US"/>
+          </a:p>
+        </p:txBody>
+      </p:sp>
+      <p:sp>
+        <p:nvSpPr>
+          <p:cNvPr id="3" name="内容占位符 2"/>
+          <p:cNvSpPr>
+            <a:spLocks noGrp="1"/>
+          </p:cNvSpPr>
+          <p:nvPr>
+            <p:ph idx="1"/>
+          </p:nvPr>
+        </p:nvSpPr>
+        <p:spPr/>
+        <p:txBody>
+          <a:bodyPr/>
+          <a:p>
+            <a:r>
+              <a:rPr lang="zh-CN" altLang="en-US"/>
+              <a:t>郑高强</a:t>
+            </a:r>
+            <a:endParaRPr lang="zh-CN" altLang="en-US"/>
+          </a:p>
+          <a:p>
+            <a:pPr lvl="1"/>
+            <a:r>
               <a:rPr lang="en-US" altLang="zh-CN"/>
-              <a:t>Unicode</a:t>
-            </a:r>
-            <a:endParaRPr lang="zh-CN" altLang="en-US"/>
-          </a:p>
-        </p:txBody>
-      </p:sp>
-      <p:sp>
-        <p:nvSpPr>
-          <p:cNvPr id="3" name="内容占位符 2"/>
-          <p:cNvSpPr>
-            <a:spLocks noGrp="1"/>
-          </p:cNvSpPr>
-          <p:nvPr>
-            <p:ph idx="1"/>
-          </p:nvPr>
-        </p:nvSpPr>
-        <p:spPr/>
-        <p:txBody>
-          <a:bodyPr>
-            <a:normAutofit fontScale="90000"/>
-          </a:bodyPr>
-          <a:p>
-            <a:r>
-              <a:rPr lang="zh-CN" altLang="en-US"/>
-              <a:t>Unicode源于一个很简单的想法：将全世界所有的字符包含在一个集合里，计算机只要支持这一个字符集</a:t>
-            </a:r>
-            <a:endParaRPr lang="zh-CN" altLang="en-US"/>
-          </a:p>
-          <a:p>
-            <a:r>
-              <a:rPr lang="zh-CN" altLang="en-US"/>
-              <a:t>"码点"（code point）</a:t>
-            </a:r>
+              <a:t>UTF-8</a:t>
+            </a:r>
+            <a:endParaRPr lang="zh-CN" altLang="en-US"/>
+          </a:p>
+          <a:p>
+            <a:endParaRPr lang="zh-CN" altLang="en-US"/>
+          </a:p>
+          <a:p>
             <a:endParaRPr lang="zh-CN" altLang="en-US"/>
           </a:p>
           <a:p>
             <a:pPr lvl="1"/>
             <a:r>
-              <a:rPr lang="zh-CN" altLang="en-US">
-                <a:sym typeface="+mn-ea"/>
-              </a:rPr>
-              <a:t>它从0开始，为每个符号指定一个编号</a:t>
-            </a:r>
-            <a:endParaRPr lang="zh-CN" altLang="en-US"/>
-          </a:p>
-          <a:p>
-            <a:r>
-              <a:rPr lang="zh-CN" altLang="en-US"/>
-              <a:t>收录</a:t>
-            </a:r>
-            <a:r>
-              <a:rPr lang="en-US" altLang="zh-CN"/>
-              <a:t>10+</a:t>
-            </a:r>
-            <a:r>
-              <a:rPr lang="zh-CN" altLang="en-US"/>
-              <a:t>万字符，包括中日韩</a:t>
-            </a:r>
-            <a:r>
-              <a:rPr lang="en-US" altLang="zh-CN"/>
-              <a:t>CJK</a:t>
-            </a:r>
-            <a:r>
-              <a:rPr lang="zh-CN" altLang="en-US"/>
+              <a:rPr lang="en-US" altLang="zh-CN" sz="2000"/>
+              <a:t>ASCII</a:t>
+            </a:r>
+            <a:r>
+              <a:rPr lang="zh-CN" altLang="en-US" sz="2000"/>
               <a:t>（</a:t>
             </a:r>
             <a:r>
-              <a:rPr lang="en-US" altLang="zh-CN"/>
-              <a:t>74500</a:t>
-            </a:r>
-            <a:r>
-              <a:rPr lang="zh-CN" altLang="en-US"/>
-              <a:t>个）</a:t>
-            </a:r>
-            <a:endParaRPr lang="zh-CN" altLang="en-US"/>
-          </a:p>
-          <a:p>
-            <a:r>
-              <a:rPr lang="zh-CN" altLang="en-US"/>
-              <a:t>U+597D = 好</a:t>
-            </a:r>
-            <a:endParaRPr lang="zh-CN" altLang="en-US"/>
-          </a:p>
-          <a:p>
-            <a:endParaRPr lang="zh-CN" altLang="en-US"/>
-          </a:p>
-          <a:p>
-            <a:r>
-              <a:rPr lang="zh-CN" altLang="en-US"/>
-              <a:t>看看有什么平面：</a:t>
-            </a:r>
-            <a:endParaRPr lang="zh-CN" altLang="en-US"/>
-          </a:p>
-          <a:p>
-            <a:r>
-              <a:rPr lang="zh-CN" altLang="en-US" sz="1800">
-                <a:hlinkClick r:id="rId1"/>
-              </a:rPr>
-              <a:t>http://www.hipenpal.com/tool/characters_to_unicode_charts_in_simplified_chinese.php?unicode=84</a:t>
-            </a:r>
-            <a:endParaRPr lang="zh-CN" altLang="en-US" sz="1800"/>
-          </a:p>
-          <a:p>
-            <a:endParaRPr lang="zh-CN" altLang="en-US"/>
-          </a:p>
-          <a:p>
-            <a:endParaRPr lang="zh-CN" altLang="en-US"/>
-          </a:p>
-        </p:txBody>
-      </p:sp>
+              <a:rPr lang="en-US" altLang="zh-CN" sz="2000"/>
+              <a:t>GB2312</a:t>
+            </a:r>
+            <a:r>
+              <a:rPr lang="zh-CN" altLang="en-US" sz="2000"/>
+              <a:t>）</a:t>
+            </a:r>
+            <a:endParaRPr lang="zh-CN" altLang="en-US" sz="2000"/>
+          </a:p>
+          <a:p>
+            <a:pPr lvl="4"/>
+            <a:r>
+              <a:rPr lang="zh-CN" altLang="en-US" sz="2800"/>
+              <a:t>閮戦珮寮?</a:t>
+            </a:r>
+            <a:endParaRPr lang="zh-CN" altLang="en-US" sz="2800"/>
+          </a:p>
+        </p:txBody>
+      </p:sp>
+      <p:pic>
+        <p:nvPicPr>
+          <p:cNvPr id="4" name="图片 3"/>
+          <p:cNvPicPr>
+            <a:picLocks noChangeAspect="1"/>
+          </p:cNvPicPr>
+          <p:nvPr/>
+        </p:nvPicPr>
+        <p:blipFill>
+          <a:blip r:embed="rId1"/>
+          <a:stretch>
+            <a:fillRect/>
+          </a:stretch>
+        </p:blipFill>
+        <p:spPr>
+          <a:xfrm>
+            <a:off x="2925445" y="1833880"/>
+            <a:ext cx="6661150" cy="1177925"/>
+          </a:xfrm>
+          <a:prstGeom prst="rect">
+            <a:avLst/>
+          </a:prstGeom>
+        </p:spPr>
+      </p:pic>
     </p:spTree>
     <p:custDataLst>
       <p:tags r:id="rId2"/>
@@ -5295,64 +6032,16 @@
           <a:bodyPr/>
           <a:p>
             <a:r>
-              <a:rPr lang="zh-CN" altLang="en-US" sz="2400">
-                <a:sym typeface="+mn-ea"/>
-              </a:rPr>
-              <a:t>分区定义</a:t>
-            </a:r>
-            <a:endParaRPr lang="zh-CN" altLang="en-US" sz="2400"/>
-          </a:p>
-          <a:p>
-            <a:pPr lvl="1"/>
-            <a:r>
-              <a:rPr lang="zh-CN" altLang="en-US" sz="2400">
-                <a:sym typeface="+mn-ea"/>
-              </a:rPr>
-              <a:t>每个区可以存放65536个（216）字符，称为一个平面（plane）</a:t>
-            </a:r>
-            <a:endParaRPr lang="zh-CN" altLang="en-US" sz="2400"/>
-          </a:p>
-          <a:p>
-            <a:r>
-              <a:rPr lang="zh-CN" altLang="en-US"/>
-              <a:t>最前面的65536个字符位，称为基本平面（缩写BMP）</a:t>
-            </a:r>
-            <a:endParaRPr lang="zh-CN" altLang="en-US"/>
-          </a:p>
-          <a:p>
-            <a:pPr lvl="1"/>
-            <a:r>
-              <a:rPr lang="zh-CN" altLang="en-US"/>
-              <a:t>U+0000到U+FFFF</a:t>
-            </a:r>
-            <a:endParaRPr lang="zh-CN" altLang="en-US"/>
-          </a:p>
-          <a:p>
-            <a:pPr lvl="1"/>
-            <a:r>
-              <a:rPr lang="zh-CN" altLang="en-US"/>
-              <a:t>最常见的字符</a:t>
-            </a:r>
-            <a:endParaRPr lang="zh-CN" altLang="en-US"/>
-          </a:p>
-          <a:p>
-            <a:pPr lvl="0"/>
-            <a:r>
-              <a:rPr lang="zh-CN" altLang="en-US"/>
-              <a:t>辅助平面（缩写SMP）</a:t>
-            </a:r>
-            <a:endParaRPr lang="zh-CN" altLang="en-US"/>
-          </a:p>
-          <a:p>
-            <a:pPr lvl="1"/>
-            <a:r>
-              <a:rPr lang="zh-CN" altLang="en-US"/>
-              <a:t>U+010000到U+10FFFF</a:t>
-            </a:r>
-            <a:endParaRPr lang="zh-CN" altLang="en-US"/>
-          </a:p>
-          <a:p>
-            <a:pPr lvl="0"/>
+              <a:rPr lang="zh-CN" altLang="en-US"/>
+              <a:t>字符集还是编码？</a:t>
+            </a:r>
+            <a:endParaRPr lang="zh-CN" altLang="en-US"/>
+          </a:p>
+          <a:p>
+            <a:r>
+              <a:rPr lang="zh-CN" altLang="en-US"/>
+              <a:t>还是两个都是？</a:t>
+            </a:r>
             <a:endParaRPr lang="zh-CN" altLang="en-US"/>
           </a:p>
         </p:txBody>
@@ -5369,6 +6058,273 @@
 </file>
 
 <file path=ppt/slides/slide7.xml><?xml version="1.0" encoding="utf-8"?>
+<p:sld xmlns:a="http://schemas.openxmlformats.org/drawingml/2006/main" xmlns:r="http://schemas.openxmlformats.org/officeDocument/2006/relationships" xmlns:p="http://schemas.openxmlformats.org/presentationml/2006/main">
+  <p:cSld>
+    <p:spTree>
+      <p:nvGrpSpPr>
+        <p:cNvPr id="1" name=""/>
+        <p:cNvGrpSpPr/>
+        <p:nvPr/>
+      </p:nvGrpSpPr>
+      <p:grpSpPr/>
+      <p:sp>
+        <p:nvSpPr>
+          <p:cNvPr id="2" name="标题 1"/>
+          <p:cNvSpPr>
+            <a:spLocks noGrp="1"/>
+          </p:cNvSpPr>
+          <p:nvPr>
+            <p:ph type="title"/>
+          </p:nvPr>
+        </p:nvSpPr>
+        <p:spPr/>
+        <p:txBody>
+          <a:bodyPr/>
+          <a:p>
+            <a:r>
+              <a:rPr lang="en-US" altLang="zh-CN"/>
+              <a:t>Unicode</a:t>
+            </a:r>
+            <a:endParaRPr lang="zh-CN" altLang="en-US"/>
+          </a:p>
+        </p:txBody>
+      </p:sp>
+      <p:sp>
+        <p:nvSpPr>
+          <p:cNvPr id="3" name="内容占位符 2"/>
+          <p:cNvSpPr>
+            <a:spLocks noGrp="1"/>
+          </p:cNvSpPr>
+          <p:nvPr>
+            <p:ph idx="1"/>
+          </p:nvPr>
+        </p:nvSpPr>
+        <p:spPr/>
+        <p:txBody>
+          <a:bodyPr>
+            <a:normAutofit fontScale="90000"/>
+          </a:bodyPr>
+          <a:p>
+            <a:r>
+              <a:rPr lang="zh-CN" altLang="en-US"/>
+              <a:t>Unicode源于一个很简单的想法：将全世界所有的字符包含在一个集合里，计算机只要支持这一个字符集</a:t>
+            </a:r>
+            <a:endParaRPr lang="zh-CN" altLang="en-US"/>
+          </a:p>
+          <a:p>
+            <a:r>
+              <a:rPr lang="zh-CN" altLang="en-US"/>
+              <a:t>"码点"（code point）</a:t>
+            </a:r>
+            <a:endParaRPr lang="zh-CN" altLang="en-US"/>
+          </a:p>
+          <a:p>
+            <a:pPr lvl="1"/>
+            <a:r>
+              <a:rPr lang="zh-CN" altLang="en-US">
+                <a:sym typeface="+mn-ea"/>
+              </a:rPr>
+              <a:t>它从0开始，为每个符号指定一个编号</a:t>
+            </a:r>
+            <a:endParaRPr lang="zh-CN" altLang="en-US"/>
+          </a:p>
+          <a:p>
+            <a:r>
+              <a:rPr lang="zh-CN" altLang="en-US"/>
+              <a:t>收录</a:t>
+            </a:r>
+            <a:r>
+              <a:rPr lang="en-US" altLang="zh-CN"/>
+              <a:t>10+</a:t>
+            </a:r>
+            <a:r>
+              <a:rPr lang="zh-CN" altLang="en-US"/>
+              <a:t>万字符，包括中日韩</a:t>
+            </a:r>
+            <a:r>
+              <a:rPr lang="en-US" altLang="zh-CN"/>
+              <a:t>CJK</a:t>
+            </a:r>
+            <a:r>
+              <a:rPr lang="zh-CN" altLang="en-US"/>
+              <a:t>（</a:t>
+            </a:r>
+            <a:r>
+              <a:rPr lang="en-US" altLang="zh-CN"/>
+              <a:t>74500</a:t>
+            </a:r>
+            <a:r>
+              <a:rPr lang="zh-CN" altLang="en-US"/>
+              <a:t>个）</a:t>
+            </a:r>
+            <a:endParaRPr lang="zh-CN" altLang="en-US"/>
+          </a:p>
+          <a:p>
+            <a:r>
+              <a:rPr lang="zh-CN" altLang="en-US"/>
+              <a:t>U+597D = 好</a:t>
+            </a:r>
+            <a:endParaRPr lang="zh-CN" altLang="en-US"/>
+          </a:p>
+          <a:p>
+            <a:endParaRPr lang="zh-CN" altLang="en-US"/>
+          </a:p>
+          <a:p>
+            <a:r>
+              <a:rPr lang="zh-CN" altLang="en-US"/>
+              <a:t>看看有什么平面：</a:t>
+            </a:r>
+            <a:endParaRPr lang="zh-CN" altLang="en-US"/>
+          </a:p>
+          <a:p>
+            <a:r>
+              <a:rPr lang="zh-CN" altLang="en-US" sz="1800">
+                <a:hlinkClick r:id="rId1"/>
+              </a:rPr>
+              <a:t>http://www.hipenpal.com/tool/characters_to_unicode_charts_in_simplified_chinese.php?unicode=84</a:t>
+            </a:r>
+            <a:endParaRPr lang="zh-CN" altLang="en-US" sz="1800"/>
+          </a:p>
+          <a:p>
+            <a:endParaRPr lang="zh-CN" altLang="en-US"/>
+          </a:p>
+          <a:p>
+            <a:endParaRPr lang="zh-CN" altLang="en-US"/>
+          </a:p>
+        </p:txBody>
+      </p:sp>
+    </p:spTree>
+    <p:custDataLst>
+      <p:tags r:id="rId2"/>
+    </p:custDataLst>
+  </p:cSld>
+  <p:clrMapOvr>
+    <a:masterClrMapping/>
+  </p:clrMapOvr>
+</p:sld>
+</file>
+
+<file path=ppt/slides/slide8.xml><?xml version="1.0" encoding="utf-8"?>
+<p:sld xmlns:a="http://schemas.openxmlformats.org/drawingml/2006/main" xmlns:r="http://schemas.openxmlformats.org/officeDocument/2006/relationships" xmlns:p="http://schemas.openxmlformats.org/presentationml/2006/main">
+  <p:cSld>
+    <p:spTree>
+      <p:nvGrpSpPr>
+        <p:cNvPr id="1" name=""/>
+        <p:cNvGrpSpPr/>
+        <p:nvPr/>
+      </p:nvGrpSpPr>
+      <p:grpSpPr/>
+      <p:sp>
+        <p:nvSpPr>
+          <p:cNvPr id="2" name="标题 1"/>
+          <p:cNvSpPr>
+            <a:spLocks noGrp="1"/>
+          </p:cNvSpPr>
+          <p:nvPr>
+            <p:ph type="title"/>
+          </p:nvPr>
+        </p:nvSpPr>
+        <p:spPr/>
+        <p:txBody>
+          <a:bodyPr/>
+          <a:p>
+            <a:r>
+              <a:rPr lang="en-US" altLang="zh-CN"/>
+              <a:t>Unicode</a:t>
+            </a:r>
+            <a:endParaRPr lang="en-US" altLang="zh-CN"/>
+          </a:p>
+        </p:txBody>
+      </p:sp>
+      <p:sp>
+        <p:nvSpPr>
+          <p:cNvPr id="3" name="内容占位符 2"/>
+          <p:cNvSpPr>
+            <a:spLocks noGrp="1"/>
+          </p:cNvSpPr>
+          <p:nvPr>
+            <p:ph idx="1"/>
+          </p:nvPr>
+        </p:nvSpPr>
+        <p:spPr/>
+        <p:txBody>
+          <a:bodyPr/>
+          <a:p>
+            <a:r>
+              <a:rPr lang="zh-CN" altLang="en-US" sz="2400">
+                <a:sym typeface="+mn-ea"/>
+              </a:rPr>
+              <a:t>分区定义</a:t>
+            </a:r>
+            <a:endParaRPr lang="zh-CN" altLang="en-US" sz="2400"/>
+          </a:p>
+          <a:p>
+            <a:pPr lvl="1"/>
+            <a:r>
+              <a:rPr lang="zh-CN" altLang="en-US" sz="2400">
+                <a:sym typeface="+mn-ea"/>
+              </a:rPr>
+              <a:t>每个区可以存放65536个（216）字符，称为一个平面（plane）</a:t>
+            </a:r>
+            <a:endParaRPr lang="zh-CN" altLang="en-US" sz="2400"/>
+          </a:p>
+          <a:p>
+            <a:r>
+              <a:rPr lang="zh-CN" altLang="en-US"/>
+              <a:t>最前面的65536个字符位，称为基本平面（缩写BMP）</a:t>
+            </a:r>
+            <a:endParaRPr lang="zh-CN" altLang="en-US"/>
+          </a:p>
+          <a:p>
+            <a:pPr lvl="1"/>
+            <a:r>
+              <a:rPr lang="zh-CN" altLang="en-US"/>
+              <a:t>U+0000到U+FFFF</a:t>
+            </a:r>
+            <a:endParaRPr lang="zh-CN" altLang="en-US"/>
+          </a:p>
+          <a:p>
+            <a:pPr lvl="1"/>
+            <a:r>
+              <a:rPr lang="zh-CN" altLang="en-US"/>
+              <a:t>最常见的字符</a:t>
+            </a:r>
+            <a:endParaRPr lang="zh-CN" altLang="en-US"/>
+          </a:p>
+          <a:p>
+            <a:pPr lvl="0"/>
+            <a:r>
+              <a:rPr lang="zh-CN" altLang="en-US"/>
+              <a:t>辅助平面（缩写SMP）</a:t>
+            </a:r>
+            <a:endParaRPr lang="zh-CN" altLang="en-US"/>
+          </a:p>
+          <a:p>
+            <a:pPr lvl="1"/>
+            <a:r>
+              <a:rPr lang="zh-CN" altLang="en-US"/>
+              <a:t>U+010000到U+10FFFF</a:t>
+            </a:r>
+            <a:endParaRPr lang="zh-CN" altLang="en-US"/>
+          </a:p>
+          <a:p>
+            <a:pPr lvl="0"/>
+            <a:endParaRPr lang="zh-CN" altLang="en-US"/>
+          </a:p>
+        </p:txBody>
+      </p:sp>
+    </p:spTree>
+    <p:custDataLst>
+      <p:tags r:id="rId1"/>
+    </p:custDataLst>
+  </p:cSld>
+  <p:clrMapOvr>
+    <a:masterClrMapping/>
+  </p:clrMapOvr>
+</p:sld>
+</file>
+
+<file path=ppt/slides/slide9.xml><?xml version="1.0" encoding="utf-8"?>
 <p:sld xmlns:a="http://schemas.openxmlformats.org/drawingml/2006/main" xmlns:r="http://schemas.openxmlformats.org/officeDocument/2006/relationships" xmlns:p="http://schemas.openxmlformats.org/presentationml/2006/main">
   <p:cSld>
     <p:spTree>
@@ -5455,296 +6411,6 @@
     </p:spTree>
     <p:custDataLst>
       <p:tags r:id="rId2"/>
-    </p:custDataLst>
-  </p:cSld>
-  <p:clrMapOvr>
-    <a:masterClrMapping/>
-  </p:clrMapOvr>
-</p:sld>
-</file>
-
-<file path=ppt/slides/slide8.xml><?xml version="1.0" encoding="utf-8"?>
-<p:sld xmlns:a="http://schemas.openxmlformats.org/drawingml/2006/main" xmlns:r="http://schemas.openxmlformats.org/officeDocument/2006/relationships" xmlns:p="http://schemas.openxmlformats.org/presentationml/2006/main">
-  <p:cSld>
-    <p:spTree>
-      <p:nvGrpSpPr>
-        <p:cNvPr id="1" name=""/>
-        <p:cNvGrpSpPr/>
-        <p:nvPr/>
-      </p:nvGrpSpPr>
-      <p:grpSpPr/>
-      <p:sp>
-        <p:nvSpPr>
-          <p:cNvPr id="2" name="标题 1"/>
-          <p:cNvSpPr>
-            <a:spLocks noGrp="1"/>
-          </p:cNvSpPr>
-          <p:nvPr>
-            <p:ph type="title"/>
-          </p:nvPr>
-        </p:nvSpPr>
-        <p:spPr/>
-        <p:txBody>
-          <a:bodyPr/>
-          <a:p>
-            <a:r>
-              <a:rPr lang="en-US" altLang="zh-CN"/>
-              <a:t>UTF-32</a:t>
-            </a:r>
-            <a:endParaRPr lang="en-US" altLang="zh-CN"/>
-          </a:p>
-        </p:txBody>
-      </p:sp>
-      <p:sp>
-        <p:nvSpPr>
-          <p:cNvPr id="3" name="内容占位符 2"/>
-          <p:cNvSpPr>
-            <a:spLocks noGrp="1"/>
-          </p:cNvSpPr>
-          <p:nvPr>
-            <p:ph idx="1"/>
-          </p:nvPr>
-        </p:nvSpPr>
-        <p:spPr/>
-        <p:txBody>
-          <a:bodyPr/>
-          <a:p>
-            <a:r>
-              <a:rPr lang="en-US" altLang="zh-CN"/>
-              <a:t>Unicode</a:t>
-            </a:r>
-            <a:r>
-              <a:rPr lang="zh-CN" altLang="en-US"/>
-              <a:t>只是字符集</a:t>
-            </a:r>
-            <a:endParaRPr lang="zh-CN" altLang="en-US"/>
-          </a:p>
-          <a:p>
-            <a:r>
-              <a:rPr lang="zh-CN" altLang="en-US"/>
-              <a:t>最直观方式</a:t>
-            </a:r>
-            <a:r>
-              <a:rPr lang="en-US" altLang="zh-CN"/>
-              <a:t>——</a:t>
-            </a:r>
-            <a:r>
-              <a:rPr lang="zh-CN" altLang="en-US"/>
-              <a:t>每个字符</a:t>
-            </a:r>
-            <a:r>
-              <a:rPr lang="en-US" altLang="zh-CN"/>
-              <a:t>	4</a:t>
-            </a:r>
-            <a:r>
-              <a:rPr lang="zh-CN" altLang="en-US"/>
-              <a:t>字节</a:t>
-            </a:r>
-            <a:endParaRPr lang="zh-CN" altLang="en-US"/>
-          </a:p>
-          <a:p>
-            <a:pPr lvl="1"/>
-            <a:r>
-              <a:rPr lang="zh-CN" altLang="en-US"/>
-              <a:t>U+0000 = 0x0000 0000</a:t>
-            </a:r>
-            <a:endParaRPr lang="zh-CN" altLang="en-US"/>
-          </a:p>
-          <a:p>
-            <a:pPr lvl="1"/>
-            <a:r>
-              <a:rPr lang="zh-CN" altLang="en-US"/>
-              <a:t>U+597D = 0x0000 597D</a:t>
-            </a:r>
-            <a:endParaRPr lang="zh-CN" altLang="en-US"/>
-          </a:p>
-          <a:p>
-            <a:pPr lvl="0"/>
-            <a:r>
-              <a:rPr lang="zh-CN" altLang="en-US"/>
-              <a:t>缺点</a:t>
-            </a:r>
-            <a:endParaRPr lang="zh-CN" altLang="en-US"/>
-          </a:p>
-          <a:p>
-            <a:pPr lvl="1"/>
-            <a:r>
-              <a:rPr lang="zh-CN" altLang="en-US"/>
-              <a:t>浪费空间</a:t>
-            </a:r>
-            <a:endParaRPr lang="zh-CN" altLang="en-US"/>
-          </a:p>
-          <a:p>
-            <a:pPr lvl="1"/>
-            <a:r>
-              <a:rPr lang="zh-CN" altLang="en-US"/>
-              <a:t>纯英文字母，是</a:t>
-            </a:r>
-            <a:r>
-              <a:rPr lang="en-US" altLang="zh-CN"/>
-              <a:t>ASCII  4</a:t>
-            </a:r>
-            <a:r>
-              <a:rPr lang="zh-CN" altLang="en-US"/>
-              <a:t>倍</a:t>
-            </a:r>
-            <a:endParaRPr lang="zh-CN" altLang="en-US"/>
-          </a:p>
-        </p:txBody>
-      </p:sp>
-    </p:spTree>
-    <p:custDataLst>
-      <p:tags r:id="rId1"/>
-    </p:custDataLst>
-  </p:cSld>
-  <p:clrMapOvr>
-    <a:masterClrMapping/>
-  </p:clrMapOvr>
-</p:sld>
-</file>
-
-<file path=ppt/slides/slide9.xml><?xml version="1.0" encoding="utf-8"?>
-<p:sld xmlns:a="http://schemas.openxmlformats.org/drawingml/2006/main" xmlns:r="http://schemas.openxmlformats.org/officeDocument/2006/relationships" xmlns:p="http://schemas.openxmlformats.org/presentationml/2006/main">
-  <p:cSld>
-    <p:spTree>
-      <p:nvGrpSpPr>
-        <p:cNvPr id="1" name=""/>
-        <p:cNvGrpSpPr/>
-        <p:nvPr/>
-      </p:nvGrpSpPr>
-      <p:grpSpPr/>
-      <p:sp>
-        <p:nvSpPr>
-          <p:cNvPr id="2" name="标题 1"/>
-          <p:cNvSpPr>
-            <a:spLocks noGrp="1"/>
-          </p:cNvSpPr>
-          <p:nvPr>
-            <p:ph type="title"/>
-          </p:nvPr>
-        </p:nvSpPr>
-        <p:spPr/>
-        <p:txBody>
-          <a:bodyPr/>
-          <a:p>
-            <a:r>
-              <a:rPr lang="en-US" altLang="zh-CN"/>
-              <a:t>UTF-8</a:t>
-            </a:r>
-            <a:endParaRPr lang="en-US" altLang="zh-CN"/>
-          </a:p>
-        </p:txBody>
-      </p:sp>
-      <p:sp>
-        <p:nvSpPr>
-          <p:cNvPr id="3" name="内容占位符 2"/>
-          <p:cNvSpPr>
-            <a:spLocks noGrp="1"/>
-          </p:cNvSpPr>
-          <p:nvPr>
-            <p:ph idx="1"/>
-          </p:nvPr>
-        </p:nvSpPr>
-        <p:spPr/>
-        <p:txBody>
-          <a:bodyPr>
-            <a:normAutofit fontScale="90000" lnSpcReduction="20000"/>
-          </a:bodyPr>
-          <a:p>
-            <a:r>
-              <a:rPr lang="zh-CN" altLang="en-US"/>
-              <a:t>UTF-8是一种变长的编码方法，字符长度从1个字节到4个字节不等</a:t>
-            </a:r>
-            <a:endParaRPr lang="zh-CN" altLang="en-US"/>
-          </a:p>
-          <a:p>
-            <a:r>
-              <a:rPr lang="zh-CN" altLang="en-US"/>
-              <a:t>最前面的128个字符，只使用1个字节表示，与ASCII码完全相同</a:t>
-            </a:r>
-            <a:endParaRPr lang="zh-CN" altLang="en-US"/>
-          </a:p>
-          <a:p>
-            <a:pPr marL="0" indent="0">
-              <a:buNone/>
-            </a:pPr>
-            <a:endParaRPr lang="zh-CN" altLang="en-US"/>
-          </a:p>
-          <a:p>
-            <a:pPr marL="0" indent="0">
-              <a:buNone/>
-            </a:pPr>
-            <a:r>
-              <a:rPr lang="zh-CN" altLang="en-US" sz="2000"/>
-              <a:t>   Char. number range        |        UTF-8 octet sequence</a:t>
-            </a:r>
-            <a:endParaRPr lang="zh-CN" altLang="en-US" sz="2000"/>
-          </a:p>
-          <a:p>
-            <a:pPr marL="0" indent="0">
-              <a:buNone/>
-            </a:pPr>
-            <a:r>
-              <a:rPr lang="zh-CN" altLang="en-US" sz="2000"/>
-              <a:t>      (hexadecimal)               |              (binary)</a:t>
-            </a:r>
-            <a:endParaRPr lang="zh-CN" altLang="en-US" sz="2000"/>
-          </a:p>
-          <a:p>
-            <a:pPr marL="0" indent="0">
-              <a:buNone/>
-            </a:pPr>
-            <a:r>
-              <a:rPr lang="zh-CN" altLang="en-US" sz="2000"/>
-              <a:t>   --------------------------+---------------------------------------------</a:t>
-            </a:r>
-            <a:endParaRPr lang="zh-CN" altLang="en-US" sz="2000"/>
-          </a:p>
-          <a:p>
-            <a:pPr marL="0" indent="0">
-              <a:buNone/>
-            </a:pPr>
-            <a:r>
-              <a:rPr lang="zh-CN" altLang="en-US" sz="2000"/>
-              <a:t>   0000 0000 到 0000 007F | 0xxxxxxx</a:t>
-            </a:r>
-            <a:endParaRPr lang="zh-CN" altLang="en-US" sz="2000"/>
-          </a:p>
-          <a:p>
-            <a:pPr marL="0" indent="0">
-              <a:buNone/>
-            </a:pPr>
-            <a:r>
-              <a:rPr lang="zh-CN" altLang="en-US" sz="2000"/>
-              <a:t>   0000 0080 到 0000 07FF | 110xxxxx 10xxxxxx</a:t>
-            </a:r>
-            <a:endParaRPr lang="zh-CN" altLang="en-US" sz="2000"/>
-          </a:p>
-          <a:p>
-            <a:pPr marL="0" indent="0">
-              <a:buNone/>
-            </a:pPr>
-            <a:r>
-              <a:rPr lang="zh-CN" altLang="en-US" sz="2000"/>
-              <a:t>   0000 0800 到 0000 FFFF | 1110xxxx 10xxxxxx 10xxxxxx</a:t>
-            </a:r>
-            <a:endParaRPr lang="zh-CN" altLang="en-US" sz="2000"/>
-          </a:p>
-          <a:p>
-            <a:pPr marL="0" indent="0">
-              <a:buNone/>
-            </a:pPr>
-            <a:r>
-              <a:rPr lang="zh-CN" altLang="en-US" sz="2000"/>
-              <a:t>   0001 0000 到 0010 FFFF | 11110xxx 10xxxxxx 10xxxxxx 10xxxxxx</a:t>
-            </a:r>
-            <a:endParaRPr lang="zh-CN" altLang="en-US" sz="2000"/>
-          </a:p>
-        </p:txBody>
-      </p:sp>
-    </p:spTree>
-    <p:custDataLst>
-      <p:tags r:id="rId1"/>
     </p:custDataLst>
   </p:cSld>
   <p:clrMapOvr>
@@ -5898,6 +6564,22 @@
 </file>
 
 <file path=ppt/tags/tag26.xml><?xml version="1.0" encoding="utf-8"?>
+<p:tagLst xmlns:p="http://schemas.openxmlformats.org/presentationml/2006/main">
+  <p:tag name="KSO_WM_BEAUTIFY_FLAG" val="#wm#"/>
+  <p:tag name="KSO_WM_TEMPLATE_CATEGORY" val="custom"/>
+  <p:tag name="KSO_WM_TEMPLATE_INDEX" val="160539"/>
+</p:tagLst>
+</file>
+
+<file path=ppt/tags/tag27.xml><?xml version="1.0" encoding="utf-8"?>
+<p:tagLst xmlns:p="http://schemas.openxmlformats.org/presentationml/2006/main">
+  <p:tag name="KSO_WM_BEAUTIFY_FLAG" val="#wm#"/>
+  <p:tag name="KSO_WM_TEMPLATE_CATEGORY" val="custom"/>
+  <p:tag name="KSO_WM_TEMPLATE_INDEX" val="160539"/>
+</p:tagLst>
+</file>
+
+<file path=ppt/tags/tag28.xml><?xml version="1.0" encoding="utf-8"?>
 <p:tagLst xmlns:p="http://schemas.openxmlformats.org/presentationml/2006/main">
   <p:tag name="KSO_WM_BEAUTIFY_FLAG" val="#wm#"/>
   <p:tag name="KSO_WM_TEMPLATE_CATEGORY" val="custom"/>
@@ -6159,4 +6841,263 @@
     </a:ext>
   </a:extLst>
 </a:theme>
+</file>
+
+<file path=ppt/theme/theme2.xml><?xml version="1.0" encoding="utf-8"?>
+<a:theme xmlns:a="http://schemas.openxmlformats.org/drawingml/2006/main" name="Office 主题">
+  <a:themeElements>
+    <a:clrScheme name="Office">
+      <a:dk1>
+        <a:sysClr val="windowText" lastClr="000000"/>
+      </a:dk1>
+      <a:lt1>
+        <a:sysClr val="window" lastClr="FFFFFF"/>
+      </a:lt1>
+      <a:dk2>
+        <a:srgbClr val="44546A"/>
+      </a:dk2>
+      <a:lt2>
+        <a:srgbClr val="E7E6E6"/>
+      </a:lt2>
+      <a:accent1>
+        <a:srgbClr val="5B9BD5"/>
+      </a:accent1>
+      <a:accent2>
+        <a:srgbClr val="ED7D31"/>
+      </a:accent2>
+      <a:accent3>
+        <a:srgbClr val="A5A5A5"/>
+      </a:accent3>
+      <a:accent4>
+        <a:srgbClr val="FFC000"/>
+      </a:accent4>
+      <a:accent5>
+        <a:srgbClr val="4472C4"/>
+      </a:accent5>
+      <a:accent6>
+        <a:srgbClr val="70AD47"/>
+      </a:accent6>
+      <a:hlink>
+        <a:srgbClr val="0563C1"/>
+      </a:hlink>
+      <a:folHlink>
+        <a:srgbClr val="954F72"/>
+      </a:folHlink>
+    </a:clrScheme>
+    <a:fontScheme name="Office">
+      <a:majorFont>
+        <a:latin typeface="Calibri Light"/>
+        <a:ea typeface=""/>
+        <a:cs typeface=""/>
+        <a:font script="Jpan" typeface="ＭＳ Ｐゴシック"/>
+        <a:font script="Hang" typeface="맑은 고딕"/>
+        <a:font script="Hans" typeface="宋体"/>
+        <a:font script="Hant" typeface="新細明體"/>
+        <a:font script="Arab" typeface="Times New Roman"/>
+        <a:font script="Hebr" typeface="Times New Roman"/>
+        <a:font script="Thai" typeface="Angsana New"/>
+        <a:font script="Ethi" typeface="Nyala"/>
+        <a:font script="Beng" typeface="Vrinda"/>
+        <a:font script="Gujr" typeface="Shruti"/>
+        <a:font script="Khmr" typeface="MoolBoran"/>
+        <a:font script="Knda" typeface="Tunga"/>
+        <a:font script="Guru" typeface="Raavi"/>
+        <a:font script="Cans" typeface="Euphemia"/>
+        <a:font script="Cher" typeface="Plantagenet Cherokee"/>
+        <a:font script="Yiii" typeface="Microsoft Yi Baiti"/>
+        <a:font script="Tibt" typeface="Microsoft Himalaya"/>
+        <a:font script="Thaa" typeface="MV Boli"/>
+        <a:font script="Deva" typeface="Mangal"/>
+        <a:font script="Telu" typeface="Gautami"/>
+        <a:font script="Taml" typeface="Latha"/>
+        <a:font script="Syrc" typeface="Estrangelo Edessa"/>
+        <a:font script="Orya" typeface="Kalinga"/>
+        <a:font script="Mlym" typeface="Kartika"/>
+        <a:font script="Laoo" typeface="DokChampa"/>
+        <a:font script="Sinh" typeface="Iskoola Pota"/>
+        <a:font script="Mong" typeface="Mongolian Baiti"/>
+        <a:font script="Viet" typeface="Times New Roman"/>
+        <a:font script="Uigh" typeface="Microsoft Uighur"/>
+        <a:font script="Geor" typeface="Sylfaen"/>
+      </a:majorFont>
+      <a:minorFont>
+        <a:latin typeface="Calibri"/>
+        <a:ea typeface=""/>
+        <a:cs typeface=""/>
+        <a:font script="Jpan" typeface="ＭＳ Ｐゴシック"/>
+        <a:font script="Hang" typeface="맑은 고딕"/>
+        <a:font script="Hans" typeface="宋体"/>
+        <a:font script="Hant" typeface="新細明體"/>
+        <a:font script="Arab" typeface="Arial"/>
+        <a:font script="Hebr" typeface="Arial"/>
+        <a:font script="Thai" typeface="Cordia New"/>
+        <a:font script="Ethi" typeface="Nyala"/>
+        <a:font script="Beng" typeface="Vrinda"/>
+        <a:font script="Gujr" typeface="Shruti"/>
+        <a:font script="Khmr" typeface="DaunPenh"/>
+        <a:font script="Knda" typeface="Tunga"/>
+        <a:font script="Guru" typeface="Raavi"/>
+        <a:font script="Cans" typeface="Euphemia"/>
+        <a:font script="Cher" typeface="Plantagenet Cherokee"/>
+        <a:font script="Yiii" typeface="Microsoft Yi Baiti"/>
+        <a:font script="Tibt" typeface="Microsoft Himalaya"/>
+        <a:font script="Thaa" typeface="MV Boli"/>
+        <a:font script="Deva" typeface="Mangal"/>
+        <a:font script="Telu" typeface="Gautami"/>
+        <a:font script="Taml" typeface="Latha"/>
+        <a:font script="Syrc" typeface="Estrangelo Edessa"/>
+        <a:font script="Orya" typeface="Kalinga"/>
+        <a:font script="Mlym" typeface="Kartika"/>
+        <a:font script="Laoo" typeface="DokChampa"/>
+        <a:font script="Sinh" typeface="Iskoola Pota"/>
+        <a:font script="Mong" typeface="Mongolian Baiti"/>
+        <a:font script="Viet" typeface="Arial"/>
+        <a:font script="Uigh" typeface="Microsoft Uighur"/>
+        <a:font script="Geor" typeface="Sylfaen"/>
+      </a:minorFont>
+    </a:fontScheme>
+    <a:fmtScheme name="Office">
+      <a:fillStyleLst>
+        <a:solidFill>
+          <a:schemeClr val="phClr"/>
+        </a:solidFill>
+        <a:gradFill rotWithShape="1">
+          <a:gsLst>
+            <a:gs pos="0">
+              <a:schemeClr val="phClr">
+                <a:lumMod val="110000"/>
+                <a:satMod val="105000"/>
+                <a:tint val="67000"/>
+              </a:schemeClr>
+            </a:gs>
+            <a:gs pos="50000">
+              <a:schemeClr val="phClr">
+                <a:lumMod val="105000"/>
+                <a:satMod val="103000"/>
+                <a:tint val="73000"/>
+              </a:schemeClr>
+            </a:gs>
+            <a:gs pos="100000">
+              <a:schemeClr val="phClr">
+                <a:lumMod val="105000"/>
+                <a:satMod val="109000"/>
+                <a:tint val="81000"/>
+              </a:schemeClr>
+            </a:gs>
+          </a:gsLst>
+          <a:lin ang="5400000" scaled="0"/>
+        </a:gradFill>
+        <a:gradFill rotWithShape="1">
+          <a:gsLst>
+            <a:gs pos="0">
+              <a:schemeClr val="phClr">
+                <a:satMod val="103000"/>
+                <a:lumMod val="102000"/>
+                <a:tint val="94000"/>
+              </a:schemeClr>
+            </a:gs>
+            <a:gs pos="50000">
+              <a:schemeClr val="phClr">
+                <a:satMod val="110000"/>
+                <a:lumMod val="100000"/>
+                <a:shade val="100000"/>
+              </a:schemeClr>
+            </a:gs>
+            <a:gs pos="100000">
+              <a:schemeClr val="phClr">
+                <a:lumMod val="99000"/>
+                <a:satMod val="120000"/>
+                <a:shade val="78000"/>
+              </a:schemeClr>
+            </a:gs>
+          </a:gsLst>
+          <a:lin ang="5400000" scaled="0"/>
+        </a:gradFill>
+      </a:fillStyleLst>
+      <a:lnStyleLst>
+        <a:ln w="6350" cap="flat" cmpd="sng" algn="ctr">
+          <a:solidFill>
+            <a:schemeClr val="phClr"/>
+          </a:solidFill>
+          <a:prstDash val="solid"/>
+          <a:miter lim="800000"/>
+        </a:ln>
+        <a:ln w="12700" cap="flat" cmpd="sng" algn="ctr">
+          <a:solidFill>
+            <a:schemeClr val="phClr"/>
+          </a:solidFill>
+          <a:prstDash val="solid"/>
+          <a:miter lim="800000"/>
+        </a:ln>
+        <a:ln w="19050" cap="flat" cmpd="sng" algn="ctr">
+          <a:solidFill>
+            <a:schemeClr val="phClr"/>
+          </a:solidFill>
+          <a:prstDash val="solid"/>
+          <a:miter lim="800000"/>
+        </a:ln>
+      </a:lnStyleLst>
+      <a:effectStyleLst>
+        <a:effectStyle>
+          <a:effectLst/>
+        </a:effectStyle>
+        <a:effectStyle>
+          <a:effectLst/>
+        </a:effectStyle>
+        <a:effectStyle>
+          <a:effectLst>
+            <a:outerShdw blurRad="57150" dist="19050" dir="5400000" algn="ctr" rotWithShape="0">
+              <a:srgbClr val="000000">
+                <a:alpha val="63000"/>
+              </a:srgbClr>
+            </a:outerShdw>
+          </a:effectLst>
+        </a:effectStyle>
+      </a:effectStyleLst>
+      <a:bgFillStyleLst>
+        <a:solidFill>
+          <a:schemeClr val="phClr"/>
+        </a:solidFill>
+        <a:solidFill>
+          <a:schemeClr val="phClr">
+            <a:tint val="95000"/>
+            <a:satMod val="170000"/>
+          </a:schemeClr>
+        </a:solidFill>
+        <a:gradFill rotWithShape="1">
+          <a:gsLst>
+            <a:gs pos="0">
+              <a:schemeClr val="phClr">
+                <a:tint val="93000"/>
+                <a:satMod val="150000"/>
+                <a:shade val="98000"/>
+                <a:lumMod val="102000"/>
+              </a:schemeClr>
+            </a:gs>
+            <a:gs pos="50000">
+              <a:schemeClr val="phClr">
+                <a:tint val="98000"/>
+                <a:satMod val="130000"/>
+                <a:shade val="90000"/>
+                <a:lumMod val="103000"/>
+              </a:schemeClr>
+            </a:gs>
+            <a:gs pos="100000">
+              <a:schemeClr val="phClr">
+                <a:shade val="63000"/>
+                <a:satMod val="120000"/>
+              </a:schemeClr>
+            </a:gs>
+          </a:gsLst>
+          <a:lin ang="5400000" scaled="0"/>
+        </a:gradFill>
+      </a:bgFillStyleLst>
+    </a:fmtScheme>
+  </a:themeElements>
+  <a:extLst>
+    <a:ext uri="{05A4C25C-085E-4340-85A3-A5531E510DB2}">
+      <thm15:themeFamily xmlns:thm15="http://schemas.microsoft.com/office/thememl/2012/main" name="Office Theme" id="{62F939B6-93AF-4DB8-9C6B-D6C7DFDC589F}" vid="{4A3C46E8-61CC-4603-A589-7422A47A8E4A}"/>
+    </a:ext>
+  </a:extLst>
+</a:theme>
 </file>